--- a/slides/0020.pptx
+++ b/slides/0020.pptx
@@ -8,6 +8,9 @@
     <p:sldId id="256" r:id="rId2"/>
     <p:sldId id="257" r:id="rId3"/>
     <p:sldId id="258" r:id="rId4"/>
+    <p:sldId id="259" r:id="rId5"/>
+    <p:sldId id="260" r:id="rId6"/>
+    <p:sldId id="261" r:id="rId7"/>
   </p:sldIdLst>
   <p:sldSz cx="12192000" cy="6858000"/>
   <p:notesSz cx="6858000" cy="9144000"/>
@@ -261,7 +264,7 @@
           <a:p>
             <a:fld id="{5AEC58D5-D0FD-5D43-AC21-2C9A8E377766}" type="datetimeFigureOut">
               <a:rPr lang="en-US" smtClean="0"/>
-              <a:t>4/8/18</a:t>
+              <a:t>4/12/18</a:t>
             </a:fld>
             <a:endParaRPr lang="en-US"/>
           </a:p>
@@ -459,7 +462,7 @@
           <a:p>
             <a:fld id="{5AEC58D5-D0FD-5D43-AC21-2C9A8E377766}" type="datetimeFigureOut">
               <a:rPr lang="en-US" smtClean="0"/>
-              <a:t>4/8/18</a:t>
+              <a:t>4/12/18</a:t>
             </a:fld>
             <a:endParaRPr lang="en-US"/>
           </a:p>
@@ -667,7 +670,7 @@
           <a:p>
             <a:fld id="{5AEC58D5-D0FD-5D43-AC21-2C9A8E377766}" type="datetimeFigureOut">
               <a:rPr lang="en-US" smtClean="0"/>
-              <a:t>4/8/18</a:t>
+              <a:t>4/12/18</a:t>
             </a:fld>
             <a:endParaRPr lang="en-US"/>
           </a:p>
@@ -865,7 +868,7 @@
           <a:p>
             <a:fld id="{5AEC58D5-D0FD-5D43-AC21-2C9A8E377766}" type="datetimeFigureOut">
               <a:rPr lang="en-US" smtClean="0"/>
-              <a:t>4/8/18</a:t>
+              <a:t>4/12/18</a:t>
             </a:fld>
             <a:endParaRPr lang="en-US"/>
           </a:p>
@@ -1140,7 +1143,7 @@
           <a:p>
             <a:fld id="{5AEC58D5-D0FD-5D43-AC21-2C9A8E377766}" type="datetimeFigureOut">
               <a:rPr lang="en-US" smtClean="0"/>
-              <a:t>4/8/18</a:t>
+              <a:t>4/12/18</a:t>
             </a:fld>
             <a:endParaRPr lang="en-US"/>
           </a:p>
@@ -1405,7 +1408,7 @@
           <a:p>
             <a:fld id="{5AEC58D5-D0FD-5D43-AC21-2C9A8E377766}" type="datetimeFigureOut">
               <a:rPr lang="en-US" smtClean="0"/>
-              <a:t>4/8/18</a:t>
+              <a:t>4/12/18</a:t>
             </a:fld>
             <a:endParaRPr lang="en-US"/>
           </a:p>
@@ -1817,7 +1820,7 @@
           <a:p>
             <a:fld id="{5AEC58D5-D0FD-5D43-AC21-2C9A8E377766}" type="datetimeFigureOut">
               <a:rPr lang="en-US" smtClean="0"/>
-              <a:t>4/8/18</a:t>
+              <a:t>4/12/18</a:t>
             </a:fld>
             <a:endParaRPr lang="en-US"/>
           </a:p>
@@ -1958,7 +1961,7 @@
           <a:p>
             <a:fld id="{5AEC58D5-D0FD-5D43-AC21-2C9A8E377766}" type="datetimeFigureOut">
               <a:rPr lang="en-US" smtClean="0"/>
-              <a:t>4/8/18</a:t>
+              <a:t>4/12/18</a:t>
             </a:fld>
             <a:endParaRPr lang="en-US"/>
           </a:p>
@@ -2071,7 +2074,7 @@
           <a:p>
             <a:fld id="{5AEC58D5-D0FD-5D43-AC21-2C9A8E377766}" type="datetimeFigureOut">
               <a:rPr lang="en-US" smtClean="0"/>
-              <a:t>4/8/18</a:t>
+              <a:t>4/12/18</a:t>
             </a:fld>
             <a:endParaRPr lang="en-US"/>
           </a:p>
@@ -2382,7 +2385,7 @@
           <a:p>
             <a:fld id="{5AEC58D5-D0FD-5D43-AC21-2C9A8E377766}" type="datetimeFigureOut">
               <a:rPr lang="en-US" smtClean="0"/>
-              <a:t>4/8/18</a:t>
+              <a:t>4/12/18</a:t>
             </a:fld>
             <a:endParaRPr lang="en-US"/>
           </a:p>
@@ -2670,7 +2673,7 @@
           <a:p>
             <a:fld id="{5AEC58D5-D0FD-5D43-AC21-2C9A8E377766}" type="datetimeFigureOut">
               <a:rPr lang="en-US" smtClean="0"/>
-              <a:t>4/8/18</a:t>
+              <a:t>4/12/18</a:t>
             </a:fld>
             <a:endParaRPr lang="en-US"/>
           </a:p>
@@ -2911,7 +2914,7 @@
           <a:p>
             <a:fld id="{5AEC58D5-D0FD-5D43-AC21-2C9A8E377766}" type="datetimeFigureOut">
               <a:rPr lang="en-US" smtClean="0"/>
-              <a:t>4/8/18</a:t>
+              <a:t>4/12/18</a:t>
             </a:fld>
             <a:endParaRPr lang="en-US"/>
           </a:p>
@@ -5393,10 +5396,9 @@
           <a:p>
             <a:pPr algn="ctr"/>
             <a:r>
-              <a:rPr lang="ja-JP" altLang="en-US" b="1"/>
-              <a:t>プロトコル</a:t>
-            </a:r>
-            <a:endParaRPr lang="en-US" altLang="ja-JP" b="1" dirty="0"/>
+              <a:rPr lang="en-US" altLang="ja-JP" b="1" dirty="0"/>
+              <a:t>OSPF</a:t>
+            </a:r>
           </a:p>
           <a:p>
             <a:pPr algn="ctr"/>
@@ -5422,7 +5424,7 @@
         </p:nvSpPr>
         <p:spPr>
           <a:xfrm>
-            <a:off x="9812952" y="3846893"/>
+            <a:off x="9812952" y="3904643"/>
             <a:ext cx="2117558" cy="693019"/>
           </a:xfrm>
           <a:prstGeom prst="roundRect">
@@ -5647,7 +5649,7 @@
         </p:nvSpPr>
         <p:spPr>
           <a:xfrm>
-            <a:off x="8446164" y="3996084"/>
+            <a:off x="8446164" y="4053834"/>
             <a:ext cx="1140595" cy="394636"/>
           </a:xfrm>
           <a:prstGeom prst="rightArrow">
@@ -6484,8 +6486,8 @@
         </p:nvSpPr>
         <p:spPr>
           <a:xfrm>
-            <a:off x="8690414" y="3209914"/>
-            <a:ext cx="1304203" cy="461665"/>
+            <a:off x="8690414" y="3258039"/>
+            <a:ext cx="1858586" cy="461665"/>
           </a:xfrm>
           <a:prstGeom prst="rect">
             <a:avLst/>
@@ -6500,7 +6502,7 @@
           <a:p>
             <a:r>
               <a:rPr lang="en-US" sz="2400" dirty="0"/>
-              <a:t>ip ospf …</a:t>
+              <a:t>router ospf …</a:t>
             </a:r>
           </a:p>
         </p:txBody>
@@ -6519,7 +6521,7 @@
         </p:nvSpPr>
         <p:spPr>
           <a:xfrm>
-            <a:off x="8690413" y="4381038"/>
+            <a:off x="8690413" y="4438788"/>
             <a:ext cx="986167" cy="461665"/>
           </a:xfrm>
           <a:prstGeom prst="rect">
@@ -6589,7 +6591,7 @@
         </p:nvSpPr>
         <p:spPr>
           <a:xfrm rot="5400000">
-            <a:off x="10753093" y="4604073"/>
+            <a:off x="10753093" y="4642573"/>
             <a:ext cx="622286" cy="830997"/>
           </a:xfrm>
           <a:prstGeom prst="rect">
@@ -7156,6 +7158,2828 @@
     <p:extLst>
       <p:ext uri="{BB962C8B-B14F-4D97-AF65-F5344CB8AC3E}">
         <p14:creationId xmlns:p14="http://schemas.microsoft.com/office/powerpoint/2010/main" val="3478073152"/>
+      </p:ext>
+    </p:extLst>
+  </p:cSld>
+  <p:clrMapOvr>
+    <a:masterClrMapping/>
+  </p:clrMapOvr>
+</p:sld>
+</file>
+
+<file path=ppt/slides/slide4.xml><?xml version="1.0" encoding="utf-8"?>
+<p:sld xmlns:a="http://schemas.openxmlformats.org/drawingml/2006/main" xmlns:r="http://schemas.openxmlformats.org/officeDocument/2006/relationships" xmlns:p="http://schemas.openxmlformats.org/presentationml/2006/main">
+  <p:cSld>
+    <p:spTree>
+      <p:nvGrpSpPr>
+        <p:cNvPr id="1" name=""/>
+        <p:cNvGrpSpPr/>
+        <p:nvPr/>
+      </p:nvGrpSpPr>
+      <p:grpSpPr>
+        <a:xfrm>
+          <a:off x="0" y="0"/>
+          <a:ext cx="0" cy="0"/>
+          <a:chOff x="0" y="0"/>
+          <a:chExt cx="0" cy="0"/>
+        </a:xfrm>
+      </p:grpSpPr>
+      <p:sp>
+        <p:nvSpPr>
+          <p:cNvPr id="4" name="Rounded Rectangle 3">
+            <a:extLst>
+              <a:ext uri="{FF2B5EF4-FFF2-40B4-BE49-F238E27FC236}">
+                <a16:creationId xmlns:a16="http://schemas.microsoft.com/office/drawing/2014/main" id="{28EE090E-B0B4-4140-B51F-5C1869433562}"/>
+              </a:ext>
+            </a:extLst>
+          </p:cNvPr>
+          <p:cNvSpPr/>
+          <p:nvPr/>
+        </p:nvSpPr>
+        <p:spPr>
+          <a:xfrm>
+            <a:off x="2982223" y="3468283"/>
+            <a:ext cx="2117558" cy="693019"/>
+          </a:xfrm>
+          <a:prstGeom prst="roundRect">
+            <a:avLst/>
+          </a:prstGeom>
+          <a:ln>
+            <a:noFill/>
+          </a:ln>
+        </p:spPr>
+        <p:style>
+          <a:lnRef idx="2">
+            <a:schemeClr val="accent1">
+              <a:shade val="50000"/>
+            </a:schemeClr>
+          </a:lnRef>
+          <a:fillRef idx="1">
+            <a:schemeClr val="accent1"/>
+          </a:fillRef>
+          <a:effectRef idx="0">
+            <a:schemeClr val="accent1"/>
+          </a:effectRef>
+          <a:fontRef idx="minor">
+            <a:schemeClr val="lt1"/>
+          </a:fontRef>
+        </p:style>
+        <p:txBody>
+          <a:bodyPr rtlCol="0" anchor="ctr"/>
+          <a:lstStyle/>
+          <a:p>
+            <a:pPr algn="ctr"/>
+            <a:r>
+              <a:rPr lang="ja-JP" altLang="en-US" b="1"/>
+              <a:t>ユーザーモード</a:t>
+            </a:r>
+            <a:endParaRPr lang="en-US" b="1" dirty="0"/>
+          </a:p>
+        </p:txBody>
+      </p:sp>
+      <p:sp>
+        <p:nvSpPr>
+          <p:cNvPr id="5" name="Rounded Rectangle 4">
+            <a:extLst>
+              <a:ext uri="{FF2B5EF4-FFF2-40B4-BE49-F238E27FC236}">
+                <a16:creationId xmlns:a16="http://schemas.microsoft.com/office/drawing/2014/main" id="{3584E67F-03EC-EE4E-9588-03307CD418E8}"/>
+              </a:ext>
+            </a:extLst>
+          </p:cNvPr>
+          <p:cNvSpPr/>
+          <p:nvPr/>
+        </p:nvSpPr>
+        <p:spPr>
+          <a:xfrm>
+            <a:off x="2982223" y="1386037"/>
+            <a:ext cx="2117558" cy="693019"/>
+          </a:xfrm>
+          <a:prstGeom prst="roundRect">
+            <a:avLst/>
+          </a:prstGeom>
+          <a:ln>
+            <a:noFill/>
+          </a:ln>
+        </p:spPr>
+        <p:style>
+          <a:lnRef idx="2">
+            <a:schemeClr val="accent1">
+              <a:shade val="50000"/>
+            </a:schemeClr>
+          </a:lnRef>
+          <a:fillRef idx="1">
+            <a:schemeClr val="accent1"/>
+          </a:fillRef>
+          <a:effectRef idx="0">
+            <a:schemeClr val="accent1"/>
+          </a:effectRef>
+          <a:fontRef idx="minor">
+            <a:schemeClr val="lt1"/>
+          </a:fontRef>
+        </p:style>
+        <p:txBody>
+          <a:bodyPr rtlCol="0" anchor="ctr"/>
+          <a:lstStyle/>
+          <a:p>
+            <a:pPr algn="ctr"/>
+            <a:r>
+              <a:rPr lang="ja-JP" altLang="en-US" b="1"/>
+              <a:t>特権モード</a:t>
+            </a:r>
+            <a:endParaRPr lang="en-US" b="1" dirty="0"/>
+          </a:p>
+        </p:txBody>
+      </p:sp>
+      <p:sp>
+        <p:nvSpPr>
+          <p:cNvPr id="6" name="Right Arrow 5">
+            <a:extLst>
+              <a:ext uri="{FF2B5EF4-FFF2-40B4-BE49-F238E27FC236}">
+                <a16:creationId xmlns:a16="http://schemas.microsoft.com/office/drawing/2014/main" id="{D7FA5A55-9500-084E-938F-EDCE0D30CC11}"/>
+              </a:ext>
+            </a:extLst>
+          </p:cNvPr>
+          <p:cNvSpPr/>
+          <p:nvPr/>
+        </p:nvSpPr>
+        <p:spPr>
+          <a:xfrm rot="16200000">
+            <a:off x="3881482" y="2549063"/>
+            <a:ext cx="956122" cy="394636"/>
+          </a:xfrm>
+          <a:prstGeom prst="rightArrow">
+            <a:avLst/>
+          </a:prstGeom>
+          <a:solidFill>
+            <a:schemeClr val="accent2"/>
+          </a:solidFill>
+          <a:ln>
+            <a:noFill/>
+          </a:ln>
+        </p:spPr>
+        <p:style>
+          <a:lnRef idx="2">
+            <a:schemeClr val="accent1">
+              <a:shade val="50000"/>
+            </a:schemeClr>
+          </a:lnRef>
+          <a:fillRef idx="1">
+            <a:schemeClr val="accent1"/>
+          </a:fillRef>
+          <a:effectRef idx="0">
+            <a:schemeClr val="accent1"/>
+          </a:effectRef>
+          <a:fontRef idx="minor">
+            <a:schemeClr val="lt1"/>
+          </a:fontRef>
+        </p:style>
+        <p:txBody>
+          <a:bodyPr rtlCol="0" anchor="ctr"/>
+          <a:lstStyle/>
+          <a:p>
+            <a:pPr algn="ctr"/>
+            <a:endParaRPr lang="en-US"/>
+          </a:p>
+        </p:txBody>
+      </p:sp>
+      <p:sp>
+        <p:nvSpPr>
+          <p:cNvPr id="7" name="Right Arrow 6">
+            <a:extLst>
+              <a:ext uri="{FF2B5EF4-FFF2-40B4-BE49-F238E27FC236}">
+                <a16:creationId xmlns:a16="http://schemas.microsoft.com/office/drawing/2014/main" id="{B02582A5-EFD0-6B42-A629-157B04C58086}"/>
+              </a:ext>
+            </a:extLst>
+          </p:cNvPr>
+          <p:cNvSpPr/>
+          <p:nvPr/>
+        </p:nvSpPr>
+        <p:spPr>
+          <a:xfrm rot="5400000">
+            <a:off x="3291256" y="2579621"/>
+            <a:ext cx="956122" cy="394636"/>
+          </a:xfrm>
+          <a:prstGeom prst="rightArrow">
+            <a:avLst/>
+          </a:prstGeom>
+          <a:solidFill>
+            <a:schemeClr val="accent2"/>
+          </a:solidFill>
+          <a:ln>
+            <a:noFill/>
+          </a:ln>
+        </p:spPr>
+        <p:style>
+          <a:lnRef idx="2">
+            <a:schemeClr val="accent1">
+              <a:shade val="50000"/>
+            </a:schemeClr>
+          </a:lnRef>
+          <a:fillRef idx="1">
+            <a:schemeClr val="accent1"/>
+          </a:fillRef>
+          <a:effectRef idx="0">
+            <a:schemeClr val="accent1"/>
+          </a:effectRef>
+          <a:fontRef idx="minor">
+            <a:schemeClr val="lt1"/>
+          </a:fontRef>
+        </p:style>
+        <p:txBody>
+          <a:bodyPr rtlCol="0" anchor="ctr"/>
+          <a:lstStyle/>
+          <a:p>
+            <a:pPr algn="ctr"/>
+            <a:endParaRPr lang="en-US"/>
+          </a:p>
+        </p:txBody>
+      </p:sp>
+      <p:sp>
+        <p:nvSpPr>
+          <p:cNvPr id="8" name="TextBox 7">
+            <a:extLst>
+              <a:ext uri="{FF2B5EF4-FFF2-40B4-BE49-F238E27FC236}">
+                <a16:creationId xmlns:a16="http://schemas.microsoft.com/office/drawing/2014/main" id="{D2E1D5F4-E10D-274F-8952-DCF1452557BF}"/>
+              </a:ext>
+            </a:extLst>
+          </p:cNvPr>
+          <p:cNvSpPr txBox="1"/>
+          <p:nvPr/>
+        </p:nvSpPr>
+        <p:spPr>
+          <a:xfrm>
+            <a:off x="4470973" y="2561819"/>
+            <a:ext cx="1034257" cy="461665"/>
+          </a:xfrm>
+          <a:prstGeom prst="rect">
+            <a:avLst/>
+          </a:prstGeom>
+          <a:noFill/>
+        </p:spPr>
+        <p:txBody>
+          <a:bodyPr wrap="none" rtlCol="0">
+            <a:spAutoFit/>
+          </a:bodyPr>
+          <a:lstStyle/>
+          <a:p>
+            <a:r>
+              <a:rPr lang="en-US" sz="2400" dirty="0"/>
+              <a:t>enable</a:t>
+            </a:r>
+          </a:p>
+        </p:txBody>
+      </p:sp>
+      <p:sp>
+        <p:nvSpPr>
+          <p:cNvPr id="9" name="TextBox 8">
+            <a:extLst>
+              <a:ext uri="{FF2B5EF4-FFF2-40B4-BE49-F238E27FC236}">
+                <a16:creationId xmlns:a16="http://schemas.microsoft.com/office/drawing/2014/main" id="{73B6D029-AAEE-194D-9966-E229AF4DF01C}"/>
+              </a:ext>
+            </a:extLst>
+          </p:cNvPr>
+          <p:cNvSpPr txBox="1"/>
+          <p:nvPr/>
+        </p:nvSpPr>
+        <p:spPr>
+          <a:xfrm>
+            <a:off x="2586438" y="2561819"/>
+            <a:ext cx="1071127" cy="461665"/>
+          </a:xfrm>
+          <a:prstGeom prst="rect">
+            <a:avLst/>
+          </a:prstGeom>
+          <a:noFill/>
+        </p:spPr>
+        <p:txBody>
+          <a:bodyPr wrap="none" rtlCol="0">
+            <a:spAutoFit/>
+          </a:bodyPr>
+          <a:lstStyle/>
+          <a:p>
+            <a:r>
+              <a:rPr lang="en-US" sz="2400" dirty="0"/>
+              <a:t>disable</a:t>
+            </a:r>
+          </a:p>
+        </p:txBody>
+      </p:sp>
+      <p:sp>
+        <p:nvSpPr>
+          <p:cNvPr id="10" name="Right Arrow 9">
+            <a:extLst>
+              <a:ext uri="{FF2B5EF4-FFF2-40B4-BE49-F238E27FC236}">
+                <a16:creationId xmlns:a16="http://schemas.microsoft.com/office/drawing/2014/main" id="{6197F125-483C-4347-BF58-EEE58DA3A500}"/>
+              </a:ext>
+            </a:extLst>
+          </p:cNvPr>
+          <p:cNvSpPr/>
+          <p:nvPr/>
+        </p:nvSpPr>
+        <p:spPr>
+          <a:xfrm rot="16200000">
+            <a:off x="3587218" y="4685886"/>
+            <a:ext cx="956122" cy="394636"/>
+          </a:xfrm>
+          <a:prstGeom prst="rightArrow">
+            <a:avLst/>
+          </a:prstGeom>
+          <a:solidFill>
+            <a:schemeClr val="accent2"/>
+          </a:solidFill>
+          <a:ln>
+            <a:noFill/>
+          </a:ln>
+        </p:spPr>
+        <p:style>
+          <a:lnRef idx="2">
+            <a:schemeClr val="accent1">
+              <a:shade val="50000"/>
+            </a:schemeClr>
+          </a:lnRef>
+          <a:fillRef idx="1">
+            <a:schemeClr val="accent1"/>
+          </a:fillRef>
+          <a:effectRef idx="0">
+            <a:schemeClr val="accent1"/>
+          </a:effectRef>
+          <a:fontRef idx="minor">
+            <a:schemeClr val="lt1"/>
+          </a:fontRef>
+        </p:style>
+        <p:txBody>
+          <a:bodyPr rtlCol="0" anchor="ctr"/>
+          <a:lstStyle/>
+          <a:p>
+            <a:pPr algn="ctr"/>
+            <a:endParaRPr lang="en-US"/>
+          </a:p>
+        </p:txBody>
+      </p:sp>
+      <p:sp>
+        <p:nvSpPr>
+          <p:cNvPr id="11" name="TextBox 10">
+            <a:extLst>
+              <a:ext uri="{FF2B5EF4-FFF2-40B4-BE49-F238E27FC236}">
+                <a16:creationId xmlns:a16="http://schemas.microsoft.com/office/drawing/2014/main" id="{AC8B5B0B-7560-A74F-BAE7-5420FA503B25}"/>
+              </a:ext>
+            </a:extLst>
+          </p:cNvPr>
+          <p:cNvSpPr txBox="1"/>
+          <p:nvPr/>
+        </p:nvSpPr>
+        <p:spPr>
+          <a:xfrm>
+            <a:off x="3487003" y="5437178"/>
+            <a:ext cx="1107996" cy="369332"/>
+          </a:xfrm>
+          <a:prstGeom prst="rect">
+            <a:avLst/>
+          </a:prstGeom>
+          <a:noFill/>
+        </p:spPr>
+        <p:txBody>
+          <a:bodyPr wrap="none" rtlCol="0">
+            <a:spAutoFit/>
+          </a:bodyPr>
+          <a:lstStyle/>
+          <a:p>
+            <a:r>
+              <a:rPr lang="ja-JP" altLang="en-US" b="1"/>
+              <a:t>ログイン</a:t>
+            </a:r>
+            <a:endParaRPr lang="en-US" b="1" dirty="0"/>
+          </a:p>
+        </p:txBody>
+      </p:sp>
+      <p:sp>
+        <p:nvSpPr>
+          <p:cNvPr id="12" name="TextBox 11">
+            <a:extLst>
+              <a:ext uri="{FF2B5EF4-FFF2-40B4-BE49-F238E27FC236}">
+                <a16:creationId xmlns:a16="http://schemas.microsoft.com/office/drawing/2014/main" id="{85F5B439-F773-8B45-A0C2-C557D19867EF}"/>
+              </a:ext>
+            </a:extLst>
+          </p:cNvPr>
+          <p:cNvSpPr txBox="1"/>
+          <p:nvPr/>
+        </p:nvSpPr>
+        <p:spPr>
+          <a:xfrm>
+            <a:off x="1662533" y="5450050"/>
+            <a:ext cx="1338828" cy="369332"/>
+          </a:xfrm>
+          <a:prstGeom prst="rect">
+            <a:avLst/>
+          </a:prstGeom>
+          <a:noFill/>
+        </p:spPr>
+        <p:txBody>
+          <a:bodyPr wrap="none" rtlCol="0">
+            <a:spAutoFit/>
+          </a:bodyPr>
+          <a:lstStyle/>
+          <a:p>
+            <a:r>
+              <a:rPr lang="ja-JP" altLang="en-US" b="1"/>
+              <a:t>ログアウト</a:t>
+            </a:r>
+            <a:endParaRPr lang="en-US" b="1" dirty="0"/>
+          </a:p>
+        </p:txBody>
+      </p:sp>
+      <p:sp>
+        <p:nvSpPr>
+          <p:cNvPr id="13" name="Right Arrow 12">
+            <a:extLst>
+              <a:ext uri="{FF2B5EF4-FFF2-40B4-BE49-F238E27FC236}">
+                <a16:creationId xmlns:a16="http://schemas.microsoft.com/office/drawing/2014/main" id="{1E3F38A4-CD08-2145-A80C-EF55E04F2569}"/>
+              </a:ext>
+            </a:extLst>
+          </p:cNvPr>
+          <p:cNvSpPr/>
+          <p:nvPr/>
+        </p:nvSpPr>
+        <p:spPr>
+          <a:xfrm rot="5400000">
+            <a:off x="326677" y="3356373"/>
+            <a:ext cx="3603820" cy="394636"/>
+          </a:xfrm>
+          <a:prstGeom prst="rightArrow">
+            <a:avLst/>
+          </a:prstGeom>
+          <a:solidFill>
+            <a:schemeClr val="accent2"/>
+          </a:solidFill>
+          <a:ln>
+            <a:noFill/>
+          </a:ln>
+        </p:spPr>
+        <p:style>
+          <a:lnRef idx="2">
+            <a:schemeClr val="accent1">
+              <a:shade val="50000"/>
+            </a:schemeClr>
+          </a:lnRef>
+          <a:fillRef idx="1">
+            <a:schemeClr val="accent1"/>
+          </a:fillRef>
+          <a:effectRef idx="0">
+            <a:schemeClr val="accent1"/>
+          </a:effectRef>
+          <a:fontRef idx="minor">
+            <a:schemeClr val="lt1"/>
+          </a:fontRef>
+        </p:style>
+        <p:txBody>
+          <a:bodyPr rtlCol="0" anchor="ctr"/>
+          <a:lstStyle/>
+          <a:p>
+            <a:pPr algn="ctr"/>
+            <a:endParaRPr lang="en-US"/>
+          </a:p>
+        </p:txBody>
+      </p:sp>
+      <p:sp>
+        <p:nvSpPr>
+          <p:cNvPr id="14" name="Rectangle 13">
+            <a:extLst>
+              <a:ext uri="{FF2B5EF4-FFF2-40B4-BE49-F238E27FC236}">
+                <a16:creationId xmlns:a16="http://schemas.microsoft.com/office/drawing/2014/main" id="{783FBE75-6DB8-0242-967B-1930282932E7}"/>
+              </a:ext>
+            </a:extLst>
+          </p:cNvPr>
+          <p:cNvSpPr/>
+          <p:nvPr/>
+        </p:nvSpPr>
+        <p:spPr>
+          <a:xfrm rot="10800000">
+            <a:off x="2034120" y="1606224"/>
+            <a:ext cx="824169" cy="238734"/>
+          </a:xfrm>
+          <a:prstGeom prst="rect">
+            <a:avLst/>
+          </a:prstGeom>
+          <a:solidFill>
+            <a:schemeClr val="accent2"/>
+          </a:solidFill>
+          <a:ln>
+            <a:noFill/>
+          </a:ln>
+        </p:spPr>
+        <p:style>
+          <a:lnRef idx="2">
+            <a:schemeClr val="accent1">
+              <a:shade val="50000"/>
+            </a:schemeClr>
+          </a:lnRef>
+          <a:fillRef idx="1">
+            <a:schemeClr val="accent1"/>
+          </a:fillRef>
+          <a:effectRef idx="0">
+            <a:schemeClr val="accent1"/>
+          </a:effectRef>
+          <a:fontRef idx="minor">
+            <a:schemeClr val="lt1"/>
+          </a:fontRef>
+        </p:style>
+        <p:txBody>
+          <a:bodyPr rtlCol="0" anchor="ctr"/>
+          <a:lstStyle/>
+          <a:p>
+            <a:pPr algn="ctr"/>
+            <a:endParaRPr lang="en-US"/>
+          </a:p>
+        </p:txBody>
+      </p:sp>
+      <p:sp>
+        <p:nvSpPr>
+          <p:cNvPr id="15" name="Rectangle 14">
+            <a:extLst>
+              <a:ext uri="{FF2B5EF4-FFF2-40B4-BE49-F238E27FC236}">
+                <a16:creationId xmlns:a16="http://schemas.microsoft.com/office/drawing/2014/main" id="{7765A2AA-C49E-474F-A1CF-C8D2B69DB4EA}"/>
+              </a:ext>
+            </a:extLst>
+          </p:cNvPr>
+          <p:cNvSpPr/>
+          <p:nvPr/>
+        </p:nvSpPr>
+        <p:spPr>
+          <a:xfrm rot="10800000">
+            <a:off x="2053818" y="3695425"/>
+            <a:ext cx="824169" cy="238734"/>
+          </a:xfrm>
+          <a:prstGeom prst="rect">
+            <a:avLst/>
+          </a:prstGeom>
+          <a:solidFill>
+            <a:schemeClr val="accent2"/>
+          </a:solidFill>
+          <a:ln>
+            <a:noFill/>
+          </a:ln>
+        </p:spPr>
+        <p:style>
+          <a:lnRef idx="2">
+            <a:schemeClr val="accent1">
+              <a:shade val="50000"/>
+            </a:schemeClr>
+          </a:lnRef>
+          <a:fillRef idx="1">
+            <a:schemeClr val="accent1"/>
+          </a:fillRef>
+          <a:effectRef idx="0">
+            <a:schemeClr val="accent1"/>
+          </a:effectRef>
+          <a:fontRef idx="minor">
+            <a:schemeClr val="lt1"/>
+          </a:fontRef>
+        </p:style>
+        <p:txBody>
+          <a:bodyPr rtlCol="0" anchor="ctr"/>
+          <a:lstStyle/>
+          <a:p>
+            <a:pPr algn="ctr"/>
+            <a:endParaRPr lang="en-US"/>
+          </a:p>
+        </p:txBody>
+      </p:sp>
+      <p:sp>
+        <p:nvSpPr>
+          <p:cNvPr id="16" name="TextBox 15">
+            <a:extLst>
+              <a:ext uri="{FF2B5EF4-FFF2-40B4-BE49-F238E27FC236}">
+                <a16:creationId xmlns:a16="http://schemas.microsoft.com/office/drawing/2014/main" id="{EAF9C68D-E757-C44F-B2B4-EC11BF502525}"/>
+              </a:ext>
+            </a:extLst>
+          </p:cNvPr>
+          <p:cNvSpPr txBox="1"/>
+          <p:nvPr/>
+        </p:nvSpPr>
+        <p:spPr>
+          <a:xfrm>
+            <a:off x="2271804" y="4362092"/>
+            <a:ext cx="640047" cy="461665"/>
+          </a:xfrm>
+          <a:prstGeom prst="rect">
+            <a:avLst/>
+          </a:prstGeom>
+          <a:noFill/>
+        </p:spPr>
+        <p:txBody>
+          <a:bodyPr wrap="none" rtlCol="0">
+            <a:spAutoFit/>
+          </a:bodyPr>
+          <a:lstStyle/>
+          <a:p>
+            <a:r>
+              <a:rPr lang="en-US" sz="2400" dirty="0"/>
+              <a:t>exit</a:t>
+            </a:r>
+          </a:p>
+        </p:txBody>
+      </p:sp>
+      <p:sp>
+        <p:nvSpPr>
+          <p:cNvPr id="18" name="Rectangle 17">
+            <a:extLst>
+              <a:ext uri="{FF2B5EF4-FFF2-40B4-BE49-F238E27FC236}">
+                <a16:creationId xmlns:a16="http://schemas.microsoft.com/office/drawing/2014/main" id="{4168F3D7-0147-6240-8A88-12F627605002}"/>
+              </a:ext>
+            </a:extLst>
+          </p:cNvPr>
+          <p:cNvSpPr/>
+          <p:nvPr/>
+        </p:nvSpPr>
+        <p:spPr>
+          <a:xfrm>
+            <a:off x="6345874" y="3326846"/>
+            <a:ext cx="2646948" cy="1464888"/>
+          </a:xfrm>
+          <a:prstGeom prst="rect">
+            <a:avLst/>
+          </a:prstGeom>
+          <a:solidFill>
+            <a:schemeClr val="tx1"/>
+          </a:solidFill>
+          <a:ln>
+            <a:noFill/>
+          </a:ln>
+        </p:spPr>
+        <p:style>
+          <a:lnRef idx="2">
+            <a:schemeClr val="accent1">
+              <a:shade val="50000"/>
+            </a:schemeClr>
+          </a:lnRef>
+          <a:fillRef idx="1">
+            <a:schemeClr val="accent1"/>
+          </a:fillRef>
+          <a:effectRef idx="0">
+            <a:schemeClr val="accent1"/>
+          </a:effectRef>
+          <a:fontRef idx="minor">
+            <a:schemeClr val="lt1"/>
+          </a:fontRef>
+        </p:style>
+        <p:txBody>
+          <a:bodyPr rtlCol="0" anchor="ctr"/>
+          <a:lstStyle/>
+          <a:p>
+            <a:pPr algn="ctr"/>
+            <a:endParaRPr lang="en-US"/>
+          </a:p>
+        </p:txBody>
+      </p:sp>
+      <p:sp>
+        <p:nvSpPr>
+          <p:cNvPr id="19" name="TextBox 18">
+            <a:extLst>
+              <a:ext uri="{FF2B5EF4-FFF2-40B4-BE49-F238E27FC236}">
+                <a16:creationId xmlns:a16="http://schemas.microsoft.com/office/drawing/2014/main" id="{B769D004-C24D-F34B-A037-790D0EB18564}"/>
+              </a:ext>
+            </a:extLst>
+          </p:cNvPr>
+          <p:cNvSpPr txBox="1"/>
+          <p:nvPr/>
+        </p:nvSpPr>
+        <p:spPr>
+          <a:xfrm>
+            <a:off x="6448882" y="3398769"/>
+            <a:ext cx="1454244" cy="400110"/>
+          </a:xfrm>
+          <a:prstGeom prst="rect">
+            <a:avLst/>
+          </a:prstGeom>
+          <a:noFill/>
+        </p:spPr>
+        <p:txBody>
+          <a:bodyPr wrap="none" rtlCol="0">
+            <a:spAutoFit/>
+          </a:bodyPr>
+          <a:lstStyle/>
+          <a:p>
+            <a:r>
+              <a:rPr lang="en-US" sz="2000" b="1" dirty="0">
+                <a:solidFill>
+                  <a:schemeClr val="bg1"/>
+                </a:solidFill>
+                <a:latin typeface="Consolas" panose="020B0609020204030204" pitchFamily="49" charset="0"/>
+                <a:cs typeface="Consolas" panose="020B0609020204030204" pitchFamily="49" charset="0"/>
+              </a:rPr>
+              <a:t>HostName&gt;</a:t>
+            </a:r>
+          </a:p>
+        </p:txBody>
+      </p:sp>
+      <p:sp>
+        <p:nvSpPr>
+          <p:cNvPr id="20" name="Rectangle 19">
+            <a:extLst>
+              <a:ext uri="{FF2B5EF4-FFF2-40B4-BE49-F238E27FC236}">
+                <a16:creationId xmlns:a16="http://schemas.microsoft.com/office/drawing/2014/main" id="{DF9E84C4-30DC-5F41-A09A-BBF5FA3E793A}"/>
+              </a:ext>
+            </a:extLst>
+          </p:cNvPr>
+          <p:cNvSpPr/>
+          <p:nvPr/>
+        </p:nvSpPr>
+        <p:spPr>
+          <a:xfrm>
+            <a:off x="6345874" y="894208"/>
+            <a:ext cx="2646948" cy="1464888"/>
+          </a:xfrm>
+          <a:prstGeom prst="rect">
+            <a:avLst/>
+          </a:prstGeom>
+          <a:solidFill>
+            <a:schemeClr val="tx1"/>
+          </a:solidFill>
+          <a:ln>
+            <a:noFill/>
+          </a:ln>
+        </p:spPr>
+        <p:style>
+          <a:lnRef idx="2">
+            <a:schemeClr val="accent1">
+              <a:shade val="50000"/>
+            </a:schemeClr>
+          </a:lnRef>
+          <a:fillRef idx="1">
+            <a:schemeClr val="accent1"/>
+          </a:fillRef>
+          <a:effectRef idx="0">
+            <a:schemeClr val="accent1"/>
+          </a:effectRef>
+          <a:fontRef idx="minor">
+            <a:schemeClr val="lt1"/>
+          </a:fontRef>
+        </p:style>
+        <p:txBody>
+          <a:bodyPr rtlCol="0" anchor="ctr"/>
+          <a:lstStyle/>
+          <a:p>
+            <a:pPr algn="ctr"/>
+            <a:endParaRPr lang="en-US"/>
+          </a:p>
+        </p:txBody>
+      </p:sp>
+      <p:sp>
+        <p:nvSpPr>
+          <p:cNvPr id="21" name="TextBox 20">
+            <a:extLst>
+              <a:ext uri="{FF2B5EF4-FFF2-40B4-BE49-F238E27FC236}">
+                <a16:creationId xmlns:a16="http://schemas.microsoft.com/office/drawing/2014/main" id="{A6D3184B-E076-214A-954B-B3AE74A42F37}"/>
+              </a:ext>
+            </a:extLst>
+          </p:cNvPr>
+          <p:cNvSpPr txBox="1"/>
+          <p:nvPr/>
+        </p:nvSpPr>
+        <p:spPr>
+          <a:xfrm>
+            <a:off x="6448882" y="966131"/>
+            <a:ext cx="1454244" cy="400110"/>
+          </a:xfrm>
+          <a:prstGeom prst="rect">
+            <a:avLst/>
+          </a:prstGeom>
+          <a:noFill/>
+        </p:spPr>
+        <p:txBody>
+          <a:bodyPr wrap="none" rtlCol="0">
+            <a:spAutoFit/>
+          </a:bodyPr>
+          <a:lstStyle/>
+          <a:p>
+            <a:r>
+              <a:rPr lang="en-US" sz="2000" b="1" dirty="0">
+                <a:solidFill>
+                  <a:schemeClr val="bg1"/>
+                </a:solidFill>
+                <a:latin typeface="Consolas" panose="020B0609020204030204" pitchFamily="49" charset="0"/>
+                <a:cs typeface="Consolas" panose="020B0609020204030204" pitchFamily="49" charset="0"/>
+              </a:rPr>
+              <a:t>HostName#</a:t>
+            </a:r>
+          </a:p>
+        </p:txBody>
+      </p:sp>
+      <p:sp>
+        <p:nvSpPr>
+          <p:cNvPr id="22" name="TextBox 21">
+            <a:extLst>
+              <a:ext uri="{FF2B5EF4-FFF2-40B4-BE49-F238E27FC236}">
+                <a16:creationId xmlns:a16="http://schemas.microsoft.com/office/drawing/2014/main" id="{D303F26C-6807-CC47-BA67-C5609B7E3AA7}"/>
+              </a:ext>
+            </a:extLst>
+          </p:cNvPr>
+          <p:cNvSpPr txBox="1"/>
+          <p:nvPr/>
+        </p:nvSpPr>
+        <p:spPr>
+          <a:xfrm>
+            <a:off x="6307436" y="5384481"/>
+            <a:ext cx="2723823" cy="369332"/>
+          </a:xfrm>
+          <a:prstGeom prst="rect">
+            <a:avLst/>
+          </a:prstGeom>
+          <a:noFill/>
+        </p:spPr>
+        <p:txBody>
+          <a:bodyPr wrap="none" rtlCol="0">
+            <a:spAutoFit/>
+          </a:bodyPr>
+          <a:lstStyle/>
+          <a:p>
+            <a:r>
+              <a:rPr lang="ja-JP" altLang="en-US" b="1"/>
+              <a:t>コンソールのプロンプト</a:t>
+            </a:r>
+            <a:endParaRPr lang="en-US" b="1" dirty="0"/>
+          </a:p>
+        </p:txBody>
+      </p:sp>
+    </p:spTree>
+    <p:extLst>
+      <p:ext uri="{BB962C8B-B14F-4D97-AF65-F5344CB8AC3E}">
+        <p14:creationId xmlns:p14="http://schemas.microsoft.com/office/powerpoint/2010/main" val="4113696490"/>
+      </p:ext>
+    </p:extLst>
+  </p:cSld>
+  <p:clrMapOvr>
+    <a:masterClrMapping/>
+  </p:clrMapOvr>
+</p:sld>
+</file>
+
+<file path=ppt/slides/slide5.xml><?xml version="1.0" encoding="utf-8"?>
+<p:sld xmlns:a="http://schemas.openxmlformats.org/drawingml/2006/main" xmlns:r="http://schemas.openxmlformats.org/officeDocument/2006/relationships" xmlns:p="http://schemas.openxmlformats.org/presentationml/2006/main">
+  <p:cSld>
+    <p:spTree>
+      <p:nvGrpSpPr>
+        <p:cNvPr id="1" name=""/>
+        <p:cNvGrpSpPr/>
+        <p:nvPr/>
+      </p:nvGrpSpPr>
+      <p:grpSpPr>
+        <a:xfrm>
+          <a:off x="0" y="0"/>
+          <a:ext cx="0" cy="0"/>
+          <a:chOff x="0" y="0"/>
+          <a:chExt cx="0" cy="0"/>
+        </a:xfrm>
+      </p:grpSpPr>
+      <p:sp>
+        <p:nvSpPr>
+          <p:cNvPr id="5" name="Rounded Rectangle 4">
+            <a:extLst>
+              <a:ext uri="{FF2B5EF4-FFF2-40B4-BE49-F238E27FC236}">
+                <a16:creationId xmlns:a16="http://schemas.microsoft.com/office/drawing/2014/main" id="{9B60EBBE-35F5-CA49-8110-36ADCA01FEC2}"/>
+              </a:ext>
+            </a:extLst>
+          </p:cNvPr>
+          <p:cNvSpPr/>
+          <p:nvPr/>
+        </p:nvSpPr>
+        <p:spPr>
+          <a:xfrm>
+            <a:off x="1468862" y="4966506"/>
+            <a:ext cx="2117558" cy="693019"/>
+          </a:xfrm>
+          <a:prstGeom prst="roundRect">
+            <a:avLst/>
+          </a:prstGeom>
+          <a:ln>
+            <a:noFill/>
+          </a:ln>
+        </p:spPr>
+        <p:style>
+          <a:lnRef idx="2">
+            <a:schemeClr val="accent1">
+              <a:shade val="50000"/>
+            </a:schemeClr>
+          </a:lnRef>
+          <a:fillRef idx="1">
+            <a:schemeClr val="accent1"/>
+          </a:fillRef>
+          <a:effectRef idx="0">
+            <a:schemeClr val="accent1"/>
+          </a:effectRef>
+          <a:fontRef idx="minor">
+            <a:schemeClr val="lt1"/>
+          </a:fontRef>
+        </p:style>
+        <p:txBody>
+          <a:bodyPr rtlCol="0" anchor="ctr"/>
+          <a:lstStyle/>
+          <a:p>
+            <a:pPr algn="ctr"/>
+            <a:r>
+              <a:rPr lang="ja-JP" altLang="en-US" b="1"/>
+              <a:t>特権モード</a:t>
+            </a:r>
+            <a:endParaRPr lang="en-US" b="1" dirty="0"/>
+          </a:p>
+        </p:txBody>
+      </p:sp>
+      <p:sp>
+        <p:nvSpPr>
+          <p:cNvPr id="6" name="Rounded Rectangle 5">
+            <a:extLst>
+              <a:ext uri="{FF2B5EF4-FFF2-40B4-BE49-F238E27FC236}">
+                <a16:creationId xmlns:a16="http://schemas.microsoft.com/office/drawing/2014/main" id="{73FB6691-D53B-234E-90CE-D1A72A9A80ED}"/>
+              </a:ext>
+            </a:extLst>
+          </p:cNvPr>
+          <p:cNvSpPr/>
+          <p:nvPr/>
+        </p:nvSpPr>
+        <p:spPr>
+          <a:xfrm>
+            <a:off x="1468862" y="1578537"/>
+            <a:ext cx="2117558" cy="693019"/>
+          </a:xfrm>
+          <a:prstGeom prst="roundRect">
+            <a:avLst/>
+          </a:prstGeom>
+          <a:ln>
+            <a:noFill/>
+          </a:ln>
+        </p:spPr>
+        <p:style>
+          <a:lnRef idx="2">
+            <a:schemeClr val="accent1">
+              <a:shade val="50000"/>
+            </a:schemeClr>
+          </a:lnRef>
+          <a:fillRef idx="1">
+            <a:schemeClr val="accent1"/>
+          </a:fillRef>
+          <a:effectRef idx="0">
+            <a:schemeClr val="accent1"/>
+          </a:effectRef>
+          <a:fontRef idx="minor">
+            <a:schemeClr val="lt1"/>
+          </a:fontRef>
+        </p:style>
+        <p:txBody>
+          <a:bodyPr rtlCol="0" anchor="ctr"/>
+          <a:lstStyle/>
+          <a:p>
+            <a:pPr algn="ctr"/>
+            <a:r>
+              <a:rPr lang="ja-JP" altLang="en-US" b="1"/>
+              <a:t>グローバル</a:t>
+            </a:r>
+            <a:endParaRPr lang="en-US" altLang="ja-JP" b="1" dirty="0"/>
+          </a:p>
+          <a:p>
+            <a:pPr algn="ctr"/>
+            <a:r>
+              <a:rPr lang="ja-JP" altLang="en-US" b="1"/>
+              <a:t>設定モード</a:t>
+            </a:r>
+            <a:endParaRPr lang="en-US" b="1" dirty="0"/>
+          </a:p>
+        </p:txBody>
+      </p:sp>
+      <p:sp>
+        <p:nvSpPr>
+          <p:cNvPr id="7" name="Rounded Rectangle 6">
+            <a:extLst>
+              <a:ext uri="{FF2B5EF4-FFF2-40B4-BE49-F238E27FC236}">
+                <a16:creationId xmlns:a16="http://schemas.microsoft.com/office/drawing/2014/main" id="{14572971-AF73-124B-99CA-879DD4739776}"/>
+              </a:ext>
+            </a:extLst>
+          </p:cNvPr>
+          <p:cNvSpPr/>
+          <p:nvPr/>
+        </p:nvSpPr>
+        <p:spPr>
+          <a:xfrm>
+            <a:off x="8128531" y="1742165"/>
+            <a:ext cx="2117558" cy="693019"/>
+          </a:xfrm>
+          <a:prstGeom prst="roundRect">
+            <a:avLst/>
+          </a:prstGeom>
+          <a:ln>
+            <a:noFill/>
+          </a:ln>
+        </p:spPr>
+        <p:style>
+          <a:lnRef idx="2">
+            <a:schemeClr val="accent1">
+              <a:shade val="50000"/>
+            </a:schemeClr>
+          </a:lnRef>
+          <a:fillRef idx="1">
+            <a:schemeClr val="accent1"/>
+          </a:fillRef>
+          <a:effectRef idx="0">
+            <a:schemeClr val="accent1"/>
+          </a:effectRef>
+          <a:fontRef idx="minor">
+            <a:schemeClr val="lt1"/>
+          </a:fontRef>
+        </p:style>
+        <p:txBody>
+          <a:bodyPr rtlCol="0" anchor="ctr"/>
+          <a:lstStyle/>
+          <a:p>
+            <a:pPr algn="ctr"/>
+            <a:r>
+              <a:rPr lang="ja-JP" altLang="en-US" b="1"/>
+              <a:t>インターフェース</a:t>
+            </a:r>
+            <a:endParaRPr lang="en-US" altLang="ja-JP" b="1" dirty="0"/>
+          </a:p>
+          <a:p>
+            <a:pPr algn="ctr"/>
+            <a:r>
+              <a:rPr lang="ja-JP" altLang="en-US" b="1"/>
+              <a:t>設定モード</a:t>
+            </a:r>
+            <a:endParaRPr lang="en-US" b="1" dirty="0"/>
+          </a:p>
+        </p:txBody>
+      </p:sp>
+      <p:sp>
+        <p:nvSpPr>
+          <p:cNvPr id="12" name="Rounded Rectangle 11">
+            <a:extLst>
+              <a:ext uri="{FF2B5EF4-FFF2-40B4-BE49-F238E27FC236}">
+                <a16:creationId xmlns:a16="http://schemas.microsoft.com/office/drawing/2014/main" id="{862F7C72-4007-9848-B01D-761A6633D37B}"/>
+              </a:ext>
+            </a:extLst>
+          </p:cNvPr>
+          <p:cNvSpPr/>
+          <p:nvPr/>
+        </p:nvSpPr>
+        <p:spPr>
+          <a:xfrm>
+            <a:off x="8099712" y="4494870"/>
+            <a:ext cx="2117558" cy="693019"/>
+          </a:xfrm>
+          <a:prstGeom prst="roundRect">
+            <a:avLst/>
+          </a:prstGeom>
+          <a:ln>
+            <a:noFill/>
+          </a:ln>
+        </p:spPr>
+        <p:style>
+          <a:lnRef idx="2">
+            <a:schemeClr val="accent1">
+              <a:shade val="50000"/>
+            </a:schemeClr>
+          </a:lnRef>
+          <a:fillRef idx="1">
+            <a:schemeClr val="accent1"/>
+          </a:fillRef>
+          <a:effectRef idx="0">
+            <a:schemeClr val="accent1"/>
+          </a:effectRef>
+          <a:fontRef idx="minor">
+            <a:schemeClr val="lt1"/>
+          </a:fontRef>
+        </p:style>
+        <p:txBody>
+          <a:bodyPr rtlCol="0" anchor="ctr"/>
+          <a:lstStyle/>
+          <a:p>
+            <a:pPr algn="ctr"/>
+            <a:r>
+              <a:rPr lang="ja-JP" altLang="en-US" b="1"/>
+              <a:t>プロトコル</a:t>
+            </a:r>
+            <a:endParaRPr lang="en-US" altLang="ja-JP" b="1" dirty="0"/>
+          </a:p>
+          <a:p>
+            <a:pPr algn="ctr"/>
+            <a:r>
+              <a:rPr lang="ja-JP" altLang="en-US" b="1"/>
+              <a:t>設定モード</a:t>
+            </a:r>
+            <a:endParaRPr lang="en-US" b="1" dirty="0"/>
+          </a:p>
+        </p:txBody>
+      </p:sp>
+      <p:sp>
+        <p:nvSpPr>
+          <p:cNvPr id="17" name="Left-Right Arrow 16">
+            <a:extLst>
+              <a:ext uri="{FF2B5EF4-FFF2-40B4-BE49-F238E27FC236}">
+                <a16:creationId xmlns:a16="http://schemas.microsoft.com/office/drawing/2014/main" id="{8D7B6784-4DFB-F746-8EC4-89D99AC82D49}"/>
+              </a:ext>
+            </a:extLst>
+          </p:cNvPr>
+          <p:cNvSpPr/>
+          <p:nvPr/>
+        </p:nvSpPr>
+        <p:spPr>
+          <a:xfrm>
+            <a:off x="3811604" y="1715694"/>
+            <a:ext cx="4004110" cy="418703"/>
+          </a:xfrm>
+          <a:prstGeom prst="leftRightArrow">
+            <a:avLst/>
+          </a:prstGeom>
+          <a:solidFill>
+            <a:schemeClr val="accent2"/>
+          </a:solidFill>
+          <a:ln>
+            <a:noFill/>
+          </a:ln>
+        </p:spPr>
+        <p:style>
+          <a:lnRef idx="2">
+            <a:schemeClr val="accent1">
+              <a:shade val="50000"/>
+            </a:schemeClr>
+          </a:lnRef>
+          <a:fillRef idx="1">
+            <a:schemeClr val="accent1"/>
+          </a:fillRef>
+          <a:effectRef idx="0">
+            <a:schemeClr val="accent1"/>
+          </a:effectRef>
+          <a:fontRef idx="minor">
+            <a:schemeClr val="lt1"/>
+          </a:fontRef>
+        </p:style>
+        <p:txBody>
+          <a:bodyPr rtlCol="0" anchor="ctr"/>
+          <a:lstStyle/>
+          <a:p>
+            <a:pPr algn="ctr"/>
+            <a:endParaRPr lang="en-US"/>
+          </a:p>
+        </p:txBody>
+      </p:sp>
+      <p:sp>
+        <p:nvSpPr>
+          <p:cNvPr id="18" name="Right Arrow 17">
+            <a:extLst>
+              <a:ext uri="{FF2B5EF4-FFF2-40B4-BE49-F238E27FC236}">
+                <a16:creationId xmlns:a16="http://schemas.microsoft.com/office/drawing/2014/main" id="{01B16780-4515-3045-9496-9D11A2BF9A98}"/>
+              </a:ext>
+            </a:extLst>
+          </p:cNvPr>
+          <p:cNvSpPr/>
+          <p:nvPr/>
+        </p:nvSpPr>
+        <p:spPr>
+          <a:xfrm>
+            <a:off x="6321318" y="5079363"/>
+            <a:ext cx="1475697" cy="394636"/>
+          </a:xfrm>
+          <a:prstGeom prst="rightArrow">
+            <a:avLst/>
+          </a:prstGeom>
+          <a:solidFill>
+            <a:schemeClr val="accent2"/>
+          </a:solidFill>
+          <a:ln>
+            <a:noFill/>
+          </a:ln>
+        </p:spPr>
+        <p:style>
+          <a:lnRef idx="2">
+            <a:schemeClr val="accent1">
+              <a:shade val="50000"/>
+            </a:schemeClr>
+          </a:lnRef>
+          <a:fillRef idx="1">
+            <a:schemeClr val="accent1"/>
+          </a:fillRef>
+          <a:effectRef idx="0">
+            <a:schemeClr val="accent1"/>
+          </a:effectRef>
+          <a:fontRef idx="minor">
+            <a:schemeClr val="lt1"/>
+          </a:fontRef>
+        </p:style>
+        <p:txBody>
+          <a:bodyPr rtlCol="0" anchor="ctr"/>
+          <a:lstStyle/>
+          <a:p>
+            <a:pPr algn="ctr"/>
+            <a:endParaRPr lang="en-US"/>
+          </a:p>
+        </p:txBody>
+      </p:sp>
+      <p:sp>
+        <p:nvSpPr>
+          <p:cNvPr id="21" name="Rectangle 20">
+            <a:extLst>
+              <a:ext uri="{FF2B5EF4-FFF2-40B4-BE49-F238E27FC236}">
+                <a16:creationId xmlns:a16="http://schemas.microsoft.com/office/drawing/2014/main" id="{E75E0D07-B38F-C541-87DC-364E649C7A9F}"/>
+              </a:ext>
+            </a:extLst>
+          </p:cNvPr>
+          <p:cNvSpPr/>
+          <p:nvPr/>
+        </p:nvSpPr>
+        <p:spPr>
+          <a:xfrm rot="5400000">
+            <a:off x="3933519" y="2855487"/>
+            <a:ext cx="4840707" cy="209357"/>
+          </a:xfrm>
+          <a:prstGeom prst="rect">
+            <a:avLst/>
+          </a:prstGeom>
+          <a:solidFill>
+            <a:schemeClr val="accent2"/>
+          </a:solidFill>
+          <a:ln>
+            <a:noFill/>
+          </a:ln>
+        </p:spPr>
+        <p:style>
+          <a:lnRef idx="2">
+            <a:schemeClr val="accent1">
+              <a:shade val="50000"/>
+            </a:schemeClr>
+          </a:lnRef>
+          <a:fillRef idx="1">
+            <a:schemeClr val="accent1"/>
+          </a:fillRef>
+          <a:effectRef idx="0">
+            <a:schemeClr val="accent1"/>
+          </a:effectRef>
+          <a:fontRef idx="minor">
+            <a:schemeClr val="lt1"/>
+          </a:fontRef>
+        </p:style>
+        <p:txBody>
+          <a:bodyPr rtlCol="0" anchor="ctr"/>
+          <a:lstStyle/>
+          <a:p>
+            <a:pPr algn="ctr"/>
+            <a:endParaRPr lang="en-US"/>
+          </a:p>
+        </p:txBody>
+      </p:sp>
+      <p:sp>
+        <p:nvSpPr>
+          <p:cNvPr id="22" name="Right Arrow 21">
+            <a:extLst>
+              <a:ext uri="{FF2B5EF4-FFF2-40B4-BE49-F238E27FC236}">
+                <a16:creationId xmlns:a16="http://schemas.microsoft.com/office/drawing/2014/main" id="{9C1CA6DF-2E1C-7B40-AFE4-D705460200F1}"/>
+              </a:ext>
+            </a:extLst>
+          </p:cNvPr>
+          <p:cNvSpPr/>
+          <p:nvPr/>
+        </p:nvSpPr>
+        <p:spPr>
+          <a:xfrm rot="16200000">
+            <a:off x="1664022" y="3416969"/>
+            <a:ext cx="2223443" cy="394636"/>
+          </a:xfrm>
+          <a:prstGeom prst="rightArrow">
+            <a:avLst/>
+          </a:prstGeom>
+          <a:solidFill>
+            <a:schemeClr val="accent2"/>
+          </a:solidFill>
+          <a:ln>
+            <a:noFill/>
+          </a:ln>
+        </p:spPr>
+        <p:style>
+          <a:lnRef idx="2">
+            <a:schemeClr val="accent1">
+              <a:shade val="50000"/>
+            </a:schemeClr>
+          </a:lnRef>
+          <a:fillRef idx="1">
+            <a:schemeClr val="accent1"/>
+          </a:fillRef>
+          <a:effectRef idx="0">
+            <a:schemeClr val="accent1"/>
+          </a:effectRef>
+          <a:fontRef idx="minor">
+            <a:schemeClr val="lt1"/>
+          </a:fontRef>
+        </p:style>
+        <p:txBody>
+          <a:bodyPr rtlCol="0" anchor="ctr"/>
+          <a:lstStyle/>
+          <a:p>
+            <a:pPr algn="ctr"/>
+            <a:endParaRPr lang="en-US"/>
+          </a:p>
+        </p:txBody>
+      </p:sp>
+      <p:sp>
+        <p:nvSpPr>
+          <p:cNvPr id="23" name="Right Arrow 22">
+            <a:extLst>
+              <a:ext uri="{FF2B5EF4-FFF2-40B4-BE49-F238E27FC236}">
+                <a16:creationId xmlns:a16="http://schemas.microsoft.com/office/drawing/2014/main" id="{6152FB57-9C52-0F4C-969B-A85B5EF5A4F3}"/>
+              </a:ext>
+            </a:extLst>
+          </p:cNvPr>
+          <p:cNvSpPr/>
+          <p:nvPr/>
+        </p:nvSpPr>
+        <p:spPr>
+          <a:xfrm rot="5400000">
+            <a:off x="1111451" y="3416970"/>
+            <a:ext cx="2223442" cy="394636"/>
+          </a:xfrm>
+          <a:prstGeom prst="rightArrow">
+            <a:avLst/>
+          </a:prstGeom>
+          <a:solidFill>
+            <a:schemeClr val="accent2"/>
+          </a:solidFill>
+          <a:ln>
+            <a:noFill/>
+          </a:ln>
+        </p:spPr>
+        <p:style>
+          <a:lnRef idx="2">
+            <a:schemeClr val="accent1">
+              <a:shade val="50000"/>
+            </a:schemeClr>
+          </a:lnRef>
+          <a:fillRef idx="1">
+            <a:schemeClr val="accent1"/>
+          </a:fillRef>
+          <a:effectRef idx="0">
+            <a:schemeClr val="accent1"/>
+          </a:effectRef>
+          <a:fontRef idx="minor">
+            <a:schemeClr val="lt1"/>
+          </a:fontRef>
+        </p:style>
+        <p:txBody>
+          <a:bodyPr rtlCol="0" anchor="ctr"/>
+          <a:lstStyle/>
+          <a:p>
+            <a:pPr algn="ctr"/>
+            <a:endParaRPr lang="en-US"/>
+          </a:p>
+        </p:txBody>
+      </p:sp>
+      <p:sp>
+        <p:nvSpPr>
+          <p:cNvPr id="32" name="TextBox 31">
+            <a:extLst>
+              <a:ext uri="{FF2B5EF4-FFF2-40B4-BE49-F238E27FC236}">
+                <a16:creationId xmlns:a16="http://schemas.microsoft.com/office/drawing/2014/main" id="{40DD465A-CD45-C944-8027-25EED2310BA2}"/>
+              </a:ext>
+            </a:extLst>
+          </p:cNvPr>
+          <p:cNvSpPr txBox="1"/>
+          <p:nvPr/>
+        </p:nvSpPr>
+        <p:spPr>
+          <a:xfrm rot="16200000">
+            <a:off x="1561778" y="3317964"/>
+            <a:ext cx="640047" cy="461665"/>
+          </a:xfrm>
+          <a:prstGeom prst="rect">
+            <a:avLst/>
+          </a:prstGeom>
+          <a:noFill/>
+        </p:spPr>
+        <p:txBody>
+          <a:bodyPr wrap="none" rtlCol="0">
+            <a:spAutoFit/>
+          </a:bodyPr>
+          <a:lstStyle/>
+          <a:p>
+            <a:r>
+              <a:rPr lang="en-US" sz="2400" dirty="0"/>
+              <a:t>exit</a:t>
+            </a:r>
+          </a:p>
+        </p:txBody>
+      </p:sp>
+      <p:sp>
+        <p:nvSpPr>
+          <p:cNvPr id="34" name="Rectangle 33">
+            <a:extLst>
+              <a:ext uri="{FF2B5EF4-FFF2-40B4-BE49-F238E27FC236}">
+                <a16:creationId xmlns:a16="http://schemas.microsoft.com/office/drawing/2014/main" id="{F4199757-63FA-0B4A-BE86-9E47E128F252}"/>
+              </a:ext>
+            </a:extLst>
+          </p:cNvPr>
+          <p:cNvSpPr/>
+          <p:nvPr/>
+        </p:nvSpPr>
+        <p:spPr>
+          <a:xfrm rot="10800000">
+            <a:off x="393924" y="403760"/>
+            <a:ext cx="6074248" cy="238734"/>
+          </a:xfrm>
+          <a:prstGeom prst="rect">
+            <a:avLst/>
+          </a:prstGeom>
+          <a:solidFill>
+            <a:schemeClr val="accent2"/>
+          </a:solidFill>
+          <a:ln>
+            <a:noFill/>
+          </a:ln>
+        </p:spPr>
+        <p:style>
+          <a:lnRef idx="2">
+            <a:schemeClr val="accent1">
+              <a:shade val="50000"/>
+            </a:schemeClr>
+          </a:lnRef>
+          <a:fillRef idx="1">
+            <a:schemeClr val="accent1"/>
+          </a:fillRef>
+          <a:effectRef idx="0">
+            <a:schemeClr val="accent1"/>
+          </a:effectRef>
+          <a:fontRef idx="minor">
+            <a:schemeClr val="lt1"/>
+          </a:fontRef>
+        </p:style>
+        <p:txBody>
+          <a:bodyPr rtlCol="0" anchor="ctr"/>
+          <a:lstStyle/>
+          <a:p>
+            <a:pPr algn="ctr"/>
+            <a:endParaRPr lang="en-US"/>
+          </a:p>
+        </p:txBody>
+      </p:sp>
+      <p:sp>
+        <p:nvSpPr>
+          <p:cNvPr id="35" name="TextBox 34">
+            <a:extLst>
+              <a:ext uri="{FF2B5EF4-FFF2-40B4-BE49-F238E27FC236}">
+                <a16:creationId xmlns:a16="http://schemas.microsoft.com/office/drawing/2014/main" id="{4FB9D9BA-7834-2949-AFE8-963CB962D208}"/>
+              </a:ext>
+            </a:extLst>
+          </p:cNvPr>
+          <p:cNvSpPr txBox="1"/>
+          <p:nvPr/>
+        </p:nvSpPr>
+        <p:spPr>
+          <a:xfrm rot="16200000">
+            <a:off x="511018" y="3274016"/>
+            <a:ext cx="662361" cy="461665"/>
+          </a:xfrm>
+          <a:prstGeom prst="rect">
+            <a:avLst/>
+          </a:prstGeom>
+          <a:noFill/>
+        </p:spPr>
+        <p:txBody>
+          <a:bodyPr wrap="none" rtlCol="0">
+            <a:spAutoFit/>
+          </a:bodyPr>
+          <a:lstStyle/>
+          <a:p>
+            <a:r>
+              <a:rPr lang="en-US" sz="2400" dirty="0"/>
+              <a:t>end</a:t>
+            </a:r>
+          </a:p>
+        </p:txBody>
+      </p:sp>
+      <p:sp>
+        <p:nvSpPr>
+          <p:cNvPr id="36" name="TextBox 35">
+            <a:extLst>
+              <a:ext uri="{FF2B5EF4-FFF2-40B4-BE49-F238E27FC236}">
+                <a16:creationId xmlns:a16="http://schemas.microsoft.com/office/drawing/2014/main" id="{BF3665CA-0439-5842-A324-1B616519EB00}"/>
+              </a:ext>
+            </a:extLst>
+          </p:cNvPr>
+          <p:cNvSpPr txBox="1"/>
+          <p:nvPr/>
+        </p:nvSpPr>
+        <p:spPr>
+          <a:xfrm>
+            <a:off x="4541376" y="1306799"/>
+            <a:ext cx="640047" cy="461665"/>
+          </a:xfrm>
+          <a:prstGeom prst="rect">
+            <a:avLst/>
+          </a:prstGeom>
+          <a:noFill/>
+        </p:spPr>
+        <p:txBody>
+          <a:bodyPr wrap="none" rtlCol="0">
+            <a:spAutoFit/>
+          </a:bodyPr>
+          <a:lstStyle/>
+          <a:p>
+            <a:r>
+              <a:rPr lang="en-US" sz="2400" dirty="0"/>
+              <a:t>exit</a:t>
+            </a:r>
+          </a:p>
+        </p:txBody>
+      </p:sp>
+      <p:sp>
+        <p:nvSpPr>
+          <p:cNvPr id="37" name="TextBox 36">
+            <a:extLst>
+              <a:ext uri="{FF2B5EF4-FFF2-40B4-BE49-F238E27FC236}">
+                <a16:creationId xmlns:a16="http://schemas.microsoft.com/office/drawing/2014/main" id="{74514F2D-69C2-194D-9205-0F271F1F0E02}"/>
+              </a:ext>
+            </a:extLst>
+          </p:cNvPr>
+          <p:cNvSpPr txBox="1"/>
+          <p:nvPr/>
+        </p:nvSpPr>
+        <p:spPr>
+          <a:xfrm rot="16200000">
+            <a:off x="1887503" y="3384595"/>
+            <a:ext cx="2487669" cy="461665"/>
+          </a:xfrm>
+          <a:prstGeom prst="rect">
+            <a:avLst/>
+          </a:prstGeom>
+          <a:noFill/>
+        </p:spPr>
+        <p:txBody>
+          <a:bodyPr wrap="none" rtlCol="0">
+            <a:spAutoFit/>
+          </a:bodyPr>
+          <a:lstStyle/>
+          <a:p>
+            <a:r>
+              <a:rPr lang="en-US" sz="2400" dirty="0"/>
+              <a:t>configure terminal</a:t>
+            </a:r>
+          </a:p>
+        </p:txBody>
+      </p:sp>
+      <p:sp>
+        <p:nvSpPr>
+          <p:cNvPr id="38" name="TextBox 37">
+            <a:extLst>
+              <a:ext uri="{FF2B5EF4-FFF2-40B4-BE49-F238E27FC236}">
+                <a16:creationId xmlns:a16="http://schemas.microsoft.com/office/drawing/2014/main" id="{646449CF-0B71-4947-8AAA-B62799963A80}"/>
+              </a:ext>
+            </a:extLst>
+          </p:cNvPr>
+          <p:cNvSpPr txBox="1"/>
+          <p:nvPr/>
+        </p:nvSpPr>
+        <p:spPr>
+          <a:xfrm>
+            <a:off x="6523062" y="2237701"/>
+            <a:ext cx="1576650" cy="461665"/>
+          </a:xfrm>
+          <a:prstGeom prst="rect">
+            <a:avLst/>
+          </a:prstGeom>
+          <a:noFill/>
+        </p:spPr>
+        <p:txBody>
+          <a:bodyPr wrap="none" rtlCol="0">
+            <a:spAutoFit/>
+          </a:bodyPr>
+          <a:lstStyle/>
+          <a:p>
+            <a:r>
+              <a:rPr lang="en-US" sz="2400" dirty="0"/>
+              <a:t>interface …</a:t>
+            </a:r>
+          </a:p>
+        </p:txBody>
+      </p:sp>
+      <p:sp>
+        <p:nvSpPr>
+          <p:cNvPr id="39" name="TextBox 38">
+            <a:extLst>
+              <a:ext uri="{FF2B5EF4-FFF2-40B4-BE49-F238E27FC236}">
+                <a16:creationId xmlns:a16="http://schemas.microsoft.com/office/drawing/2014/main" id="{5CF1D932-8105-AA41-87D7-9191D4EEFFAD}"/>
+              </a:ext>
+            </a:extLst>
+          </p:cNvPr>
+          <p:cNvSpPr txBox="1"/>
+          <p:nvPr/>
+        </p:nvSpPr>
+        <p:spPr>
+          <a:xfrm>
+            <a:off x="5931167" y="5469047"/>
+            <a:ext cx="1858586" cy="461665"/>
+          </a:xfrm>
+          <a:prstGeom prst="rect">
+            <a:avLst/>
+          </a:prstGeom>
+          <a:noFill/>
+        </p:spPr>
+        <p:txBody>
+          <a:bodyPr wrap="none" rtlCol="0">
+            <a:spAutoFit/>
+          </a:bodyPr>
+          <a:lstStyle/>
+          <a:p>
+            <a:r>
+              <a:rPr lang="en-US" sz="2400" dirty="0"/>
+              <a:t>router ospf …</a:t>
+            </a:r>
+          </a:p>
+        </p:txBody>
+      </p:sp>
+      <p:sp>
+        <p:nvSpPr>
+          <p:cNvPr id="47" name="Rectangle 46">
+            <a:extLst>
+              <a:ext uri="{FF2B5EF4-FFF2-40B4-BE49-F238E27FC236}">
+                <a16:creationId xmlns:a16="http://schemas.microsoft.com/office/drawing/2014/main" id="{6AC61672-6D9E-8044-AC87-723BF9E51A46}"/>
+              </a:ext>
+            </a:extLst>
+          </p:cNvPr>
+          <p:cNvSpPr/>
+          <p:nvPr/>
+        </p:nvSpPr>
+        <p:spPr>
+          <a:xfrm rot="5400000">
+            <a:off x="2021525" y="921600"/>
+            <a:ext cx="920242" cy="193558"/>
+          </a:xfrm>
+          <a:prstGeom prst="rect">
+            <a:avLst/>
+          </a:prstGeom>
+          <a:solidFill>
+            <a:schemeClr val="accent2"/>
+          </a:solidFill>
+          <a:ln>
+            <a:noFill/>
+          </a:ln>
+        </p:spPr>
+        <p:style>
+          <a:lnRef idx="2">
+            <a:schemeClr val="accent1">
+              <a:shade val="50000"/>
+            </a:schemeClr>
+          </a:lnRef>
+          <a:fillRef idx="1">
+            <a:schemeClr val="accent1"/>
+          </a:fillRef>
+          <a:effectRef idx="0">
+            <a:schemeClr val="accent1"/>
+          </a:effectRef>
+          <a:fontRef idx="minor">
+            <a:schemeClr val="lt1"/>
+          </a:fontRef>
+        </p:style>
+        <p:txBody>
+          <a:bodyPr rtlCol="0" anchor="ctr"/>
+          <a:lstStyle/>
+          <a:p>
+            <a:pPr algn="ctr"/>
+            <a:endParaRPr lang="en-US"/>
+          </a:p>
+        </p:txBody>
+      </p:sp>
+      <p:sp>
+        <p:nvSpPr>
+          <p:cNvPr id="48" name="Right Arrow 47">
+            <a:extLst>
+              <a:ext uri="{FF2B5EF4-FFF2-40B4-BE49-F238E27FC236}">
+                <a16:creationId xmlns:a16="http://schemas.microsoft.com/office/drawing/2014/main" id="{AD4D9121-0FE8-154D-B3D9-EC9C22F3AFB0}"/>
+              </a:ext>
+            </a:extLst>
+          </p:cNvPr>
+          <p:cNvSpPr/>
+          <p:nvPr/>
+        </p:nvSpPr>
+        <p:spPr>
+          <a:xfrm rot="16200000">
+            <a:off x="8658176" y="3290956"/>
+            <a:ext cx="1721743" cy="394636"/>
+          </a:xfrm>
+          <a:prstGeom prst="rightArrow">
+            <a:avLst/>
+          </a:prstGeom>
+          <a:solidFill>
+            <a:schemeClr val="accent2"/>
+          </a:solidFill>
+          <a:ln>
+            <a:noFill/>
+          </a:ln>
+        </p:spPr>
+        <p:style>
+          <a:lnRef idx="2">
+            <a:schemeClr val="accent1">
+              <a:shade val="50000"/>
+            </a:schemeClr>
+          </a:lnRef>
+          <a:fillRef idx="1">
+            <a:schemeClr val="accent1"/>
+          </a:fillRef>
+          <a:effectRef idx="0">
+            <a:schemeClr val="accent1"/>
+          </a:effectRef>
+          <a:fontRef idx="minor">
+            <a:schemeClr val="lt1"/>
+          </a:fontRef>
+        </p:style>
+        <p:txBody>
+          <a:bodyPr rtlCol="0" anchor="ctr"/>
+          <a:lstStyle/>
+          <a:p>
+            <a:pPr algn="ctr"/>
+            <a:endParaRPr lang="en-US"/>
+          </a:p>
+        </p:txBody>
+      </p:sp>
+      <p:sp>
+        <p:nvSpPr>
+          <p:cNvPr id="49" name="Right Arrow 48">
+            <a:extLst>
+              <a:ext uri="{FF2B5EF4-FFF2-40B4-BE49-F238E27FC236}">
+                <a16:creationId xmlns:a16="http://schemas.microsoft.com/office/drawing/2014/main" id="{B64FF072-AEB6-A142-9347-2C8D50C52466}"/>
+              </a:ext>
+            </a:extLst>
+          </p:cNvPr>
+          <p:cNvSpPr/>
+          <p:nvPr/>
+        </p:nvSpPr>
+        <p:spPr>
+          <a:xfrm rot="5400000">
+            <a:off x="8147366" y="3290958"/>
+            <a:ext cx="1721744" cy="394636"/>
+          </a:xfrm>
+          <a:prstGeom prst="rightArrow">
+            <a:avLst/>
+          </a:prstGeom>
+          <a:solidFill>
+            <a:schemeClr val="accent2"/>
+          </a:solidFill>
+          <a:ln>
+            <a:noFill/>
+          </a:ln>
+        </p:spPr>
+        <p:style>
+          <a:lnRef idx="2">
+            <a:schemeClr val="accent1">
+              <a:shade val="50000"/>
+            </a:schemeClr>
+          </a:lnRef>
+          <a:fillRef idx="1">
+            <a:schemeClr val="accent1"/>
+          </a:fillRef>
+          <a:effectRef idx="0">
+            <a:schemeClr val="accent1"/>
+          </a:effectRef>
+          <a:fontRef idx="minor">
+            <a:schemeClr val="lt1"/>
+          </a:fontRef>
+        </p:style>
+        <p:txBody>
+          <a:bodyPr rtlCol="0" anchor="ctr"/>
+          <a:lstStyle/>
+          <a:p>
+            <a:pPr algn="ctr"/>
+            <a:endParaRPr lang="en-US"/>
+          </a:p>
+        </p:txBody>
+      </p:sp>
+      <p:sp>
+        <p:nvSpPr>
+          <p:cNvPr id="50" name="TextBox 49">
+            <a:extLst>
+              <a:ext uri="{FF2B5EF4-FFF2-40B4-BE49-F238E27FC236}">
+                <a16:creationId xmlns:a16="http://schemas.microsoft.com/office/drawing/2014/main" id="{7FC91E76-D29D-1447-87AD-770EA538C311}"/>
+              </a:ext>
+            </a:extLst>
+          </p:cNvPr>
+          <p:cNvSpPr txBox="1"/>
+          <p:nvPr/>
+        </p:nvSpPr>
+        <p:spPr>
+          <a:xfrm rot="16200000">
+            <a:off x="9047056" y="3241661"/>
+            <a:ext cx="1600695" cy="461665"/>
+          </a:xfrm>
+          <a:prstGeom prst="rect">
+            <a:avLst/>
+          </a:prstGeom>
+          <a:noFill/>
+        </p:spPr>
+        <p:txBody>
+          <a:bodyPr wrap="none" rtlCol="0">
+            <a:spAutoFit/>
+          </a:bodyPr>
+          <a:lstStyle/>
+          <a:p>
+            <a:r>
+              <a:rPr lang="en-US" sz="2400" dirty="0"/>
+              <a:t>Interface …</a:t>
+            </a:r>
+          </a:p>
+        </p:txBody>
+      </p:sp>
+      <p:sp>
+        <p:nvSpPr>
+          <p:cNvPr id="51" name="TextBox 50">
+            <a:extLst>
+              <a:ext uri="{FF2B5EF4-FFF2-40B4-BE49-F238E27FC236}">
+                <a16:creationId xmlns:a16="http://schemas.microsoft.com/office/drawing/2014/main" id="{DE344842-07BF-BA4D-BC50-3BBEAF4E6CA5}"/>
+              </a:ext>
+            </a:extLst>
+          </p:cNvPr>
+          <p:cNvSpPr txBox="1"/>
+          <p:nvPr/>
+        </p:nvSpPr>
+        <p:spPr>
+          <a:xfrm rot="16200000">
+            <a:off x="7519755" y="3274015"/>
+            <a:ext cx="1858586" cy="461665"/>
+          </a:xfrm>
+          <a:prstGeom prst="rect">
+            <a:avLst/>
+          </a:prstGeom>
+          <a:noFill/>
+        </p:spPr>
+        <p:txBody>
+          <a:bodyPr wrap="none" rtlCol="0">
+            <a:spAutoFit/>
+          </a:bodyPr>
+          <a:lstStyle/>
+          <a:p>
+            <a:r>
+              <a:rPr lang="en-US" sz="2400" dirty="0"/>
+              <a:t>router ospf …</a:t>
+            </a:r>
+          </a:p>
+        </p:txBody>
+      </p:sp>
+      <p:sp>
+        <p:nvSpPr>
+          <p:cNvPr id="52" name="Right Arrow 51">
+            <a:extLst>
+              <a:ext uri="{FF2B5EF4-FFF2-40B4-BE49-F238E27FC236}">
+                <a16:creationId xmlns:a16="http://schemas.microsoft.com/office/drawing/2014/main" id="{EBCE2967-885A-3946-8DA1-C88274C6439D}"/>
+              </a:ext>
+            </a:extLst>
+          </p:cNvPr>
+          <p:cNvSpPr/>
+          <p:nvPr/>
+        </p:nvSpPr>
+        <p:spPr>
+          <a:xfrm>
+            <a:off x="393924" y="5079363"/>
+            <a:ext cx="864426" cy="394636"/>
+          </a:xfrm>
+          <a:prstGeom prst="rightArrow">
+            <a:avLst/>
+          </a:prstGeom>
+          <a:solidFill>
+            <a:schemeClr val="accent2"/>
+          </a:solidFill>
+          <a:ln>
+            <a:noFill/>
+          </a:ln>
+        </p:spPr>
+        <p:style>
+          <a:lnRef idx="2">
+            <a:schemeClr val="accent1">
+              <a:shade val="50000"/>
+            </a:schemeClr>
+          </a:lnRef>
+          <a:fillRef idx="1">
+            <a:schemeClr val="accent1"/>
+          </a:fillRef>
+          <a:effectRef idx="0">
+            <a:schemeClr val="accent1"/>
+          </a:effectRef>
+          <a:fontRef idx="minor">
+            <a:schemeClr val="lt1"/>
+          </a:fontRef>
+        </p:style>
+        <p:txBody>
+          <a:bodyPr rtlCol="0" anchor="ctr"/>
+          <a:lstStyle/>
+          <a:p>
+            <a:pPr algn="ctr"/>
+            <a:endParaRPr lang="en-US"/>
+          </a:p>
+        </p:txBody>
+      </p:sp>
+      <p:sp>
+        <p:nvSpPr>
+          <p:cNvPr id="53" name="Rectangle 52">
+            <a:extLst>
+              <a:ext uri="{FF2B5EF4-FFF2-40B4-BE49-F238E27FC236}">
+                <a16:creationId xmlns:a16="http://schemas.microsoft.com/office/drawing/2014/main" id="{5A97B8DA-0698-7641-95C1-DD7CA18B8196}"/>
+              </a:ext>
+            </a:extLst>
+          </p:cNvPr>
+          <p:cNvSpPr/>
+          <p:nvPr/>
+        </p:nvSpPr>
+        <p:spPr>
+          <a:xfrm rot="5400000">
+            <a:off x="-1921751" y="2855487"/>
+            <a:ext cx="4840707" cy="209357"/>
+          </a:xfrm>
+          <a:prstGeom prst="rect">
+            <a:avLst/>
+          </a:prstGeom>
+          <a:solidFill>
+            <a:schemeClr val="accent2"/>
+          </a:solidFill>
+          <a:ln>
+            <a:noFill/>
+          </a:ln>
+        </p:spPr>
+        <p:style>
+          <a:lnRef idx="2">
+            <a:schemeClr val="accent1">
+              <a:shade val="50000"/>
+            </a:schemeClr>
+          </a:lnRef>
+          <a:fillRef idx="1">
+            <a:schemeClr val="accent1"/>
+          </a:fillRef>
+          <a:effectRef idx="0">
+            <a:schemeClr val="accent1"/>
+          </a:effectRef>
+          <a:fontRef idx="minor">
+            <a:schemeClr val="lt1"/>
+          </a:fontRef>
+        </p:style>
+        <p:txBody>
+          <a:bodyPr rtlCol="0" anchor="ctr"/>
+          <a:lstStyle/>
+          <a:p>
+            <a:pPr algn="ctr"/>
+            <a:endParaRPr lang="en-US"/>
+          </a:p>
+        </p:txBody>
+      </p:sp>
+      <p:sp>
+        <p:nvSpPr>
+          <p:cNvPr id="54" name="Rectangle 53">
+            <a:extLst>
+              <a:ext uri="{FF2B5EF4-FFF2-40B4-BE49-F238E27FC236}">
+                <a16:creationId xmlns:a16="http://schemas.microsoft.com/office/drawing/2014/main" id="{73A3D6D4-E067-BF4F-A24E-DECE0D146F90}"/>
+              </a:ext>
+            </a:extLst>
+          </p:cNvPr>
+          <p:cNvSpPr/>
+          <p:nvPr/>
+        </p:nvSpPr>
+        <p:spPr>
+          <a:xfrm>
+            <a:off x="3687807" y="2252268"/>
+            <a:ext cx="2203934" cy="1299451"/>
+          </a:xfrm>
+          <a:prstGeom prst="rect">
+            <a:avLst/>
+          </a:prstGeom>
+          <a:solidFill>
+            <a:schemeClr val="tx1"/>
+          </a:solidFill>
+          <a:ln>
+            <a:noFill/>
+          </a:ln>
+        </p:spPr>
+        <p:style>
+          <a:lnRef idx="2">
+            <a:schemeClr val="accent1">
+              <a:shade val="50000"/>
+            </a:schemeClr>
+          </a:lnRef>
+          <a:fillRef idx="1">
+            <a:schemeClr val="accent1"/>
+          </a:fillRef>
+          <a:effectRef idx="0">
+            <a:schemeClr val="accent1"/>
+          </a:effectRef>
+          <a:fontRef idx="minor">
+            <a:schemeClr val="lt1"/>
+          </a:fontRef>
+        </p:style>
+        <p:txBody>
+          <a:bodyPr rtlCol="0" anchor="ctr"/>
+          <a:lstStyle/>
+          <a:p>
+            <a:pPr algn="ctr"/>
+            <a:endParaRPr lang="en-US"/>
+          </a:p>
+        </p:txBody>
+      </p:sp>
+      <p:sp>
+        <p:nvSpPr>
+          <p:cNvPr id="55" name="Rectangle 54">
+            <a:extLst>
+              <a:ext uri="{FF2B5EF4-FFF2-40B4-BE49-F238E27FC236}">
+                <a16:creationId xmlns:a16="http://schemas.microsoft.com/office/drawing/2014/main" id="{FAC8B89A-5349-344B-86E5-43CDCBD637B1}"/>
+              </a:ext>
+            </a:extLst>
+          </p:cNvPr>
+          <p:cNvSpPr/>
+          <p:nvPr/>
+        </p:nvSpPr>
+        <p:spPr>
+          <a:xfrm>
+            <a:off x="3687278" y="3775539"/>
+            <a:ext cx="2203934" cy="1299451"/>
+          </a:xfrm>
+          <a:prstGeom prst="rect">
+            <a:avLst/>
+          </a:prstGeom>
+          <a:solidFill>
+            <a:schemeClr val="tx1"/>
+          </a:solidFill>
+          <a:ln>
+            <a:noFill/>
+          </a:ln>
+        </p:spPr>
+        <p:style>
+          <a:lnRef idx="2">
+            <a:schemeClr val="accent1">
+              <a:shade val="50000"/>
+            </a:schemeClr>
+          </a:lnRef>
+          <a:fillRef idx="1">
+            <a:schemeClr val="accent1"/>
+          </a:fillRef>
+          <a:effectRef idx="0">
+            <a:schemeClr val="accent1"/>
+          </a:effectRef>
+          <a:fontRef idx="minor">
+            <a:schemeClr val="lt1"/>
+          </a:fontRef>
+        </p:style>
+        <p:txBody>
+          <a:bodyPr rtlCol="0" anchor="ctr"/>
+          <a:lstStyle/>
+          <a:p>
+            <a:pPr algn="ctr"/>
+            <a:endParaRPr lang="en-US"/>
+          </a:p>
+        </p:txBody>
+      </p:sp>
+      <p:sp>
+        <p:nvSpPr>
+          <p:cNvPr id="56" name="TextBox 55">
+            <a:extLst>
+              <a:ext uri="{FF2B5EF4-FFF2-40B4-BE49-F238E27FC236}">
+                <a16:creationId xmlns:a16="http://schemas.microsoft.com/office/drawing/2014/main" id="{2FC0EF58-0015-1141-B091-9859342E5161}"/>
+              </a:ext>
+            </a:extLst>
+          </p:cNvPr>
+          <p:cNvSpPr txBox="1"/>
+          <p:nvPr/>
+        </p:nvSpPr>
+        <p:spPr>
+          <a:xfrm>
+            <a:off x="3758321" y="3813715"/>
+            <a:ext cx="817853" cy="369332"/>
+          </a:xfrm>
+          <a:prstGeom prst="rect">
+            <a:avLst/>
+          </a:prstGeom>
+          <a:noFill/>
+        </p:spPr>
+        <p:txBody>
+          <a:bodyPr wrap="none" rtlCol="0">
+            <a:spAutoFit/>
+          </a:bodyPr>
+          <a:lstStyle/>
+          <a:p>
+            <a:r>
+              <a:rPr lang="en-US" b="1" dirty="0">
+                <a:solidFill>
+                  <a:schemeClr val="bg1"/>
+                </a:solidFill>
+                <a:latin typeface="Consolas" panose="020B0609020204030204" pitchFamily="49" charset="0"/>
+                <a:cs typeface="Consolas" panose="020B0609020204030204" pitchFamily="49" charset="0"/>
+              </a:rPr>
+              <a:t>Host#</a:t>
+            </a:r>
+          </a:p>
+        </p:txBody>
+      </p:sp>
+      <p:sp>
+        <p:nvSpPr>
+          <p:cNvPr id="57" name="TextBox 56">
+            <a:extLst>
+              <a:ext uri="{FF2B5EF4-FFF2-40B4-BE49-F238E27FC236}">
+                <a16:creationId xmlns:a16="http://schemas.microsoft.com/office/drawing/2014/main" id="{003BB3E7-7A33-A045-B7BF-1D0438EAA627}"/>
+              </a:ext>
+            </a:extLst>
+          </p:cNvPr>
+          <p:cNvSpPr txBox="1"/>
+          <p:nvPr/>
+        </p:nvSpPr>
+        <p:spPr>
+          <a:xfrm>
+            <a:off x="3758320" y="2326727"/>
+            <a:ext cx="1830950" cy="369332"/>
+          </a:xfrm>
+          <a:prstGeom prst="rect">
+            <a:avLst/>
+          </a:prstGeom>
+          <a:noFill/>
+        </p:spPr>
+        <p:txBody>
+          <a:bodyPr wrap="none" rtlCol="0">
+            <a:spAutoFit/>
+          </a:bodyPr>
+          <a:lstStyle/>
+          <a:p>
+            <a:r>
+              <a:rPr lang="en-US" b="1" dirty="0">
+                <a:solidFill>
+                  <a:schemeClr val="bg1"/>
+                </a:solidFill>
+                <a:latin typeface="Consolas" panose="020B0609020204030204" pitchFamily="49" charset="0"/>
+                <a:cs typeface="Consolas" panose="020B0609020204030204" pitchFamily="49" charset="0"/>
+              </a:rPr>
+              <a:t>Host(config)#</a:t>
+            </a:r>
+          </a:p>
+        </p:txBody>
+      </p:sp>
+      <p:sp>
+        <p:nvSpPr>
+          <p:cNvPr id="58" name="Rectangle 57">
+            <a:extLst>
+              <a:ext uri="{FF2B5EF4-FFF2-40B4-BE49-F238E27FC236}">
+                <a16:creationId xmlns:a16="http://schemas.microsoft.com/office/drawing/2014/main" id="{6957312E-FA25-BD4F-893A-9FFBB6F8EAAE}"/>
+              </a:ext>
+            </a:extLst>
+          </p:cNvPr>
+          <p:cNvSpPr/>
+          <p:nvPr/>
+        </p:nvSpPr>
+        <p:spPr>
+          <a:xfrm>
+            <a:off x="8128530" y="5356476"/>
+            <a:ext cx="3585415" cy="1299451"/>
+          </a:xfrm>
+          <a:prstGeom prst="rect">
+            <a:avLst/>
+          </a:prstGeom>
+          <a:solidFill>
+            <a:schemeClr val="tx1"/>
+          </a:solidFill>
+          <a:ln>
+            <a:noFill/>
+          </a:ln>
+        </p:spPr>
+        <p:style>
+          <a:lnRef idx="2">
+            <a:schemeClr val="accent1">
+              <a:shade val="50000"/>
+            </a:schemeClr>
+          </a:lnRef>
+          <a:fillRef idx="1">
+            <a:schemeClr val="accent1"/>
+          </a:fillRef>
+          <a:effectRef idx="0">
+            <a:schemeClr val="accent1"/>
+          </a:effectRef>
+          <a:fontRef idx="minor">
+            <a:schemeClr val="lt1"/>
+          </a:fontRef>
+        </p:style>
+        <p:txBody>
+          <a:bodyPr rtlCol="0" anchor="ctr"/>
+          <a:lstStyle/>
+          <a:p>
+            <a:pPr algn="ctr"/>
+            <a:endParaRPr lang="en-US"/>
+          </a:p>
+        </p:txBody>
+      </p:sp>
+      <p:sp>
+        <p:nvSpPr>
+          <p:cNvPr id="59" name="TextBox 58">
+            <a:extLst>
+              <a:ext uri="{FF2B5EF4-FFF2-40B4-BE49-F238E27FC236}">
+                <a16:creationId xmlns:a16="http://schemas.microsoft.com/office/drawing/2014/main" id="{2F3F3BE9-B802-CA40-9C8B-BAD28AB52225}"/>
+              </a:ext>
+            </a:extLst>
+          </p:cNvPr>
+          <p:cNvSpPr txBox="1"/>
+          <p:nvPr/>
+        </p:nvSpPr>
+        <p:spPr>
+          <a:xfrm>
+            <a:off x="8199044" y="5430935"/>
+            <a:ext cx="2717411" cy="369332"/>
+          </a:xfrm>
+          <a:prstGeom prst="rect">
+            <a:avLst/>
+          </a:prstGeom>
+          <a:noFill/>
+        </p:spPr>
+        <p:txBody>
+          <a:bodyPr wrap="none" rtlCol="0">
+            <a:spAutoFit/>
+          </a:bodyPr>
+          <a:lstStyle/>
+          <a:p>
+            <a:r>
+              <a:rPr lang="en-US" b="1" dirty="0">
+                <a:solidFill>
+                  <a:schemeClr val="bg1"/>
+                </a:solidFill>
+                <a:latin typeface="Consolas" panose="020B0609020204030204" pitchFamily="49" charset="0"/>
+                <a:cs typeface="Consolas" panose="020B0609020204030204" pitchFamily="49" charset="0"/>
+              </a:rPr>
+              <a:t>Host(config-router)#</a:t>
+            </a:r>
+          </a:p>
+        </p:txBody>
+      </p:sp>
+      <p:sp>
+        <p:nvSpPr>
+          <p:cNvPr id="60" name="Rectangle 59">
+            <a:extLst>
+              <a:ext uri="{FF2B5EF4-FFF2-40B4-BE49-F238E27FC236}">
+                <a16:creationId xmlns:a16="http://schemas.microsoft.com/office/drawing/2014/main" id="{C8775047-3507-2C4D-9558-2E8F6373DC9B}"/>
+              </a:ext>
+            </a:extLst>
+          </p:cNvPr>
+          <p:cNvSpPr/>
+          <p:nvPr/>
+        </p:nvSpPr>
+        <p:spPr>
+          <a:xfrm>
+            <a:off x="8152312" y="250494"/>
+            <a:ext cx="3585415" cy="1299451"/>
+          </a:xfrm>
+          <a:prstGeom prst="rect">
+            <a:avLst/>
+          </a:prstGeom>
+          <a:solidFill>
+            <a:schemeClr val="tx1"/>
+          </a:solidFill>
+          <a:ln>
+            <a:noFill/>
+          </a:ln>
+        </p:spPr>
+        <p:style>
+          <a:lnRef idx="2">
+            <a:schemeClr val="accent1">
+              <a:shade val="50000"/>
+            </a:schemeClr>
+          </a:lnRef>
+          <a:fillRef idx="1">
+            <a:schemeClr val="accent1"/>
+          </a:fillRef>
+          <a:effectRef idx="0">
+            <a:schemeClr val="accent1"/>
+          </a:effectRef>
+          <a:fontRef idx="minor">
+            <a:schemeClr val="lt1"/>
+          </a:fontRef>
+        </p:style>
+        <p:txBody>
+          <a:bodyPr rtlCol="0" anchor="ctr"/>
+          <a:lstStyle/>
+          <a:p>
+            <a:pPr algn="ctr"/>
+            <a:endParaRPr lang="en-US"/>
+          </a:p>
+        </p:txBody>
+      </p:sp>
+      <p:sp>
+        <p:nvSpPr>
+          <p:cNvPr id="61" name="TextBox 60">
+            <a:extLst>
+              <a:ext uri="{FF2B5EF4-FFF2-40B4-BE49-F238E27FC236}">
+                <a16:creationId xmlns:a16="http://schemas.microsoft.com/office/drawing/2014/main" id="{C1AD2036-27A4-0146-B140-CE0002B512C9}"/>
+              </a:ext>
+            </a:extLst>
+          </p:cNvPr>
+          <p:cNvSpPr txBox="1"/>
+          <p:nvPr/>
+        </p:nvSpPr>
+        <p:spPr>
+          <a:xfrm>
+            <a:off x="8222826" y="324953"/>
+            <a:ext cx="2210862" cy="369332"/>
+          </a:xfrm>
+          <a:prstGeom prst="rect">
+            <a:avLst/>
+          </a:prstGeom>
+          <a:noFill/>
+        </p:spPr>
+        <p:txBody>
+          <a:bodyPr wrap="none" rtlCol="0">
+            <a:spAutoFit/>
+          </a:bodyPr>
+          <a:lstStyle/>
+          <a:p>
+            <a:r>
+              <a:rPr lang="en-US" b="1" dirty="0">
+                <a:solidFill>
+                  <a:schemeClr val="bg1"/>
+                </a:solidFill>
+                <a:latin typeface="Consolas" panose="020B0609020204030204" pitchFamily="49" charset="0"/>
+                <a:cs typeface="Consolas" panose="020B0609020204030204" pitchFamily="49" charset="0"/>
+              </a:rPr>
+              <a:t>Host(config-if)#</a:t>
+            </a:r>
+          </a:p>
+        </p:txBody>
+      </p:sp>
+    </p:spTree>
+    <p:extLst>
+      <p:ext uri="{BB962C8B-B14F-4D97-AF65-F5344CB8AC3E}">
+        <p14:creationId xmlns:p14="http://schemas.microsoft.com/office/powerpoint/2010/main" val="22398199"/>
+      </p:ext>
+    </p:extLst>
+  </p:cSld>
+  <p:clrMapOvr>
+    <a:masterClrMapping/>
+  </p:clrMapOvr>
+</p:sld>
+</file>
+
+<file path=ppt/slides/slide6.xml><?xml version="1.0" encoding="utf-8"?>
+<p:sld xmlns:a="http://schemas.openxmlformats.org/drawingml/2006/main" xmlns:r="http://schemas.openxmlformats.org/officeDocument/2006/relationships" xmlns:p="http://schemas.openxmlformats.org/presentationml/2006/main">
+  <p:cSld>
+    <p:spTree>
+      <p:nvGrpSpPr>
+        <p:cNvPr id="1" name=""/>
+        <p:cNvGrpSpPr/>
+        <p:nvPr/>
+      </p:nvGrpSpPr>
+      <p:grpSpPr>
+        <a:xfrm>
+          <a:off x="0" y="0"/>
+          <a:ext cx="0" cy="0"/>
+          <a:chOff x="0" y="0"/>
+          <a:chExt cx="0" cy="0"/>
+        </a:xfrm>
+      </p:grpSpPr>
+      <p:pic>
+        <p:nvPicPr>
+          <p:cNvPr id="5" name="Picture 4">
+            <a:extLst>
+              <a:ext uri="{FF2B5EF4-FFF2-40B4-BE49-F238E27FC236}">
+                <a16:creationId xmlns:a16="http://schemas.microsoft.com/office/drawing/2014/main" id="{9611D3B0-749C-3040-9968-46040773FEFF}"/>
+              </a:ext>
+            </a:extLst>
+          </p:cNvPr>
+          <p:cNvPicPr>
+            <a:picLocks noChangeAspect="1"/>
+          </p:cNvPicPr>
+          <p:nvPr/>
+        </p:nvPicPr>
+        <p:blipFill>
+          <a:blip r:embed="rId2">
+            <a:extLst>
+              <a:ext uri="{28A0092B-C50C-407E-A947-70E740481C1C}">
+                <a14:useLocalDpi xmlns:a14="http://schemas.microsoft.com/office/drawing/2010/main" val="0"/>
+              </a:ext>
+            </a:extLst>
+          </a:blip>
+          <a:stretch>
+            <a:fillRect/>
+          </a:stretch>
+        </p:blipFill>
+        <p:spPr>
+          <a:xfrm>
+            <a:off x="2705499" y="885523"/>
+            <a:ext cx="1716773" cy="1716773"/>
+          </a:xfrm>
+          <a:prstGeom prst="rect">
+            <a:avLst/>
+          </a:prstGeom>
+        </p:spPr>
+      </p:pic>
+      <p:pic>
+        <p:nvPicPr>
+          <p:cNvPr id="6" name="Picture 5">
+            <a:extLst>
+              <a:ext uri="{FF2B5EF4-FFF2-40B4-BE49-F238E27FC236}">
+                <a16:creationId xmlns:a16="http://schemas.microsoft.com/office/drawing/2014/main" id="{C8E18B8F-6460-CD49-9F9B-52CD74F6D6F1}"/>
+              </a:ext>
+            </a:extLst>
+          </p:cNvPr>
+          <p:cNvPicPr>
+            <a:picLocks noChangeAspect="1"/>
+          </p:cNvPicPr>
+          <p:nvPr/>
+        </p:nvPicPr>
+        <p:blipFill>
+          <a:blip r:embed="rId2">
+            <a:extLst>
+              <a:ext uri="{28A0092B-C50C-407E-A947-70E740481C1C}">
+                <a14:useLocalDpi xmlns:a14="http://schemas.microsoft.com/office/drawing/2010/main" val="0"/>
+              </a:ext>
+            </a:extLst>
+          </a:blip>
+          <a:stretch>
+            <a:fillRect/>
+          </a:stretch>
+        </p:blipFill>
+        <p:spPr>
+          <a:xfrm>
+            <a:off x="7150766" y="885521"/>
+            <a:ext cx="1716773" cy="1716773"/>
+          </a:xfrm>
+          <a:prstGeom prst="rect">
+            <a:avLst/>
+          </a:prstGeom>
+        </p:spPr>
+      </p:pic>
+      <p:cxnSp>
+        <p:nvCxnSpPr>
+          <p:cNvPr id="8" name="Straight Connector 7">
+            <a:extLst>
+              <a:ext uri="{FF2B5EF4-FFF2-40B4-BE49-F238E27FC236}">
+                <a16:creationId xmlns:a16="http://schemas.microsoft.com/office/drawing/2014/main" id="{E3488C64-4F24-C04C-8AF2-2EEDA61B9710}"/>
+              </a:ext>
+            </a:extLst>
+          </p:cNvPr>
+          <p:cNvCxnSpPr>
+            <a:cxnSpLocks/>
+            <a:stCxn id="5" idx="3"/>
+            <a:endCxn id="6" idx="1"/>
+          </p:cNvCxnSpPr>
+          <p:nvPr/>
+        </p:nvCxnSpPr>
+        <p:spPr>
+          <a:xfrm flipV="1">
+            <a:off x="4422272" y="1743908"/>
+            <a:ext cx="2728494" cy="2"/>
+          </a:xfrm>
+          <a:prstGeom prst="line">
+            <a:avLst/>
+          </a:prstGeom>
+          <a:ln w="38100">
+            <a:solidFill>
+              <a:schemeClr val="tx1"/>
+            </a:solidFill>
+          </a:ln>
+        </p:spPr>
+        <p:style>
+          <a:lnRef idx="1">
+            <a:schemeClr val="accent1"/>
+          </a:lnRef>
+          <a:fillRef idx="0">
+            <a:schemeClr val="accent1"/>
+          </a:fillRef>
+          <a:effectRef idx="0">
+            <a:schemeClr val="accent1"/>
+          </a:effectRef>
+          <a:fontRef idx="minor">
+            <a:schemeClr val="tx1"/>
+          </a:fontRef>
+        </p:style>
+      </p:cxnSp>
+      <p:sp>
+        <p:nvSpPr>
+          <p:cNvPr id="10" name="TextBox 9">
+            <a:extLst>
+              <a:ext uri="{FF2B5EF4-FFF2-40B4-BE49-F238E27FC236}">
+                <a16:creationId xmlns:a16="http://schemas.microsoft.com/office/drawing/2014/main" id="{B0BFAD4A-78AE-0B4B-8BD9-5E67C0431313}"/>
+              </a:ext>
+            </a:extLst>
+          </p:cNvPr>
+          <p:cNvSpPr txBox="1"/>
+          <p:nvPr/>
+        </p:nvSpPr>
+        <p:spPr>
+          <a:xfrm>
+            <a:off x="4422272" y="945383"/>
+            <a:ext cx="1441420" cy="646331"/>
+          </a:xfrm>
+          <a:prstGeom prst="rect">
+            <a:avLst/>
+          </a:prstGeom>
+          <a:noFill/>
+        </p:spPr>
+        <p:txBody>
+          <a:bodyPr wrap="none" rtlCol="0">
+            <a:spAutoFit/>
+          </a:bodyPr>
+          <a:lstStyle/>
+          <a:p>
+            <a:r>
+              <a:rPr lang="en-US" dirty="0"/>
+              <a:t>IF: g0/1</a:t>
+            </a:r>
+          </a:p>
+          <a:p>
+            <a:r>
+              <a:rPr lang="en-US" dirty="0"/>
+              <a:t>IP: 10.0.0.1/8</a:t>
+            </a:r>
+          </a:p>
+        </p:txBody>
+      </p:sp>
+      <p:sp>
+        <p:nvSpPr>
+          <p:cNvPr id="11" name="TextBox 10">
+            <a:extLst>
+              <a:ext uri="{FF2B5EF4-FFF2-40B4-BE49-F238E27FC236}">
+                <a16:creationId xmlns:a16="http://schemas.microsoft.com/office/drawing/2014/main" id="{582A12E4-F4C3-C745-A0C2-F9EF2B2AC7C1}"/>
+              </a:ext>
+            </a:extLst>
+          </p:cNvPr>
+          <p:cNvSpPr txBox="1"/>
+          <p:nvPr/>
+        </p:nvSpPr>
+        <p:spPr>
+          <a:xfrm>
+            <a:off x="5863692" y="1818680"/>
+            <a:ext cx="1441420" cy="646331"/>
+          </a:xfrm>
+          <a:prstGeom prst="rect">
+            <a:avLst/>
+          </a:prstGeom>
+          <a:noFill/>
+        </p:spPr>
+        <p:txBody>
+          <a:bodyPr wrap="none" rtlCol="0">
+            <a:spAutoFit/>
+          </a:bodyPr>
+          <a:lstStyle/>
+          <a:p>
+            <a:r>
+              <a:rPr lang="en-US" dirty="0"/>
+              <a:t>IF: g0/1</a:t>
+            </a:r>
+          </a:p>
+          <a:p>
+            <a:r>
+              <a:rPr lang="en-US" dirty="0"/>
+              <a:t>IP: 10.0.0.2/8</a:t>
+            </a:r>
+          </a:p>
+        </p:txBody>
+      </p:sp>
+      <p:sp>
+        <p:nvSpPr>
+          <p:cNvPr id="14" name="TextBox 13">
+            <a:extLst>
+              <a:ext uri="{FF2B5EF4-FFF2-40B4-BE49-F238E27FC236}">
+                <a16:creationId xmlns:a16="http://schemas.microsoft.com/office/drawing/2014/main" id="{BCA7666D-2BE0-824E-AE26-7822EB33DE2F}"/>
+              </a:ext>
+            </a:extLst>
+          </p:cNvPr>
+          <p:cNvSpPr txBox="1"/>
+          <p:nvPr/>
+        </p:nvSpPr>
+        <p:spPr>
+          <a:xfrm>
+            <a:off x="3232704" y="2417628"/>
+            <a:ext cx="662361" cy="461665"/>
+          </a:xfrm>
+          <a:prstGeom prst="rect">
+            <a:avLst/>
+          </a:prstGeom>
+          <a:noFill/>
+        </p:spPr>
+        <p:txBody>
+          <a:bodyPr wrap="none" rtlCol="0">
+            <a:spAutoFit/>
+          </a:bodyPr>
+          <a:lstStyle/>
+          <a:p>
+            <a:r>
+              <a:rPr lang="en-US" sz="2400" dirty="0"/>
+              <a:t>PC1</a:t>
+            </a:r>
+          </a:p>
+        </p:txBody>
+      </p:sp>
+      <p:sp>
+        <p:nvSpPr>
+          <p:cNvPr id="15" name="TextBox 14">
+            <a:extLst>
+              <a:ext uri="{FF2B5EF4-FFF2-40B4-BE49-F238E27FC236}">
+                <a16:creationId xmlns:a16="http://schemas.microsoft.com/office/drawing/2014/main" id="{B149533A-6C28-D84C-B032-C4AC8449153C}"/>
+              </a:ext>
+            </a:extLst>
+          </p:cNvPr>
+          <p:cNvSpPr txBox="1"/>
+          <p:nvPr/>
+        </p:nvSpPr>
+        <p:spPr>
+          <a:xfrm>
+            <a:off x="7677971" y="2418968"/>
+            <a:ext cx="662361" cy="461665"/>
+          </a:xfrm>
+          <a:prstGeom prst="rect">
+            <a:avLst/>
+          </a:prstGeom>
+          <a:noFill/>
+        </p:spPr>
+        <p:txBody>
+          <a:bodyPr wrap="none" rtlCol="0">
+            <a:spAutoFit/>
+          </a:bodyPr>
+          <a:lstStyle/>
+          <a:p>
+            <a:r>
+              <a:rPr lang="en-US" sz="2400" dirty="0"/>
+              <a:t>PC2</a:t>
+            </a:r>
+          </a:p>
+        </p:txBody>
+      </p:sp>
+      <p:sp>
+        <p:nvSpPr>
+          <p:cNvPr id="9" name="Rectangle 8">
+            <a:extLst>
+              <a:ext uri="{FF2B5EF4-FFF2-40B4-BE49-F238E27FC236}">
+                <a16:creationId xmlns:a16="http://schemas.microsoft.com/office/drawing/2014/main" id="{ACABBEF4-05DE-F84A-A71F-9062DA86E6DF}"/>
+              </a:ext>
+            </a:extLst>
+          </p:cNvPr>
+          <p:cNvSpPr/>
+          <p:nvPr/>
+        </p:nvSpPr>
+        <p:spPr>
+          <a:xfrm>
+            <a:off x="836857" y="3850343"/>
+            <a:ext cx="3585415" cy="1299451"/>
+          </a:xfrm>
+          <a:prstGeom prst="rect">
+            <a:avLst/>
+          </a:prstGeom>
+          <a:solidFill>
+            <a:schemeClr val="tx1"/>
+          </a:solidFill>
+          <a:ln>
+            <a:noFill/>
+          </a:ln>
+        </p:spPr>
+        <p:style>
+          <a:lnRef idx="2">
+            <a:schemeClr val="accent1">
+              <a:shade val="50000"/>
+            </a:schemeClr>
+          </a:lnRef>
+          <a:fillRef idx="1">
+            <a:schemeClr val="accent1"/>
+          </a:fillRef>
+          <a:effectRef idx="0">
+            <a:schemeClr val="accent1"/>
+          </a:effectRef>
+          <a:fontRef idx="minor">
+            <a:schemeClr val="lt1"/>
+          </a:fontRef>
+        </p:style>
+        <p:txBody>
+          <a:bodyPr rtlCol="0" anchor="ctr"/>
+          <a:lstStyle/>
+          <a:p>
+            <a:pPr algn="ctr"/>
+            <a:endParaRPr lang="en-US"/>
+          </a:p>
+        </p:txBody>
+      </p:sp>
+      <p:sp>
+        <p:nvSpPr>
+          <p:cNvPr id="12" name="TextBox 11">
+            <a:extLst>
+              <a:ext uri="{FF2B5EF4-FFF2-40B4-BE49-F238E27FC236}">
+                <a16:creationId xmlns:a16="http://schemas.microsoft.com/office/drawing/2014/main" id="{6A80BF7E-4DE1-E94D-8D53-055C6C6B8F20}"/>
+              </a:ext>
+            </a:extLst>
+          </p:cNvPr>
+          <p:cNvSpPr txBox="1"/>
+          <p:nvPr/>
+        </p:nvSpPr>
+        <p:spPr>
+          <a:xfrm>
+            <a:off x="907371" y="3924802"/>
+            <a:ext cx="2084225" cy="369332"/>
+          </a:xfrm>
+          <a:prstGeom prst="rect">
+            <a:avLst/>
+          </a:prstGeom>
+          <a:noFill/>
+        </p:spPr>
+        <p:txBody>
+          <a:bodyPr wrap="none" rtlCol="0">
+            <a:spAutoFit/>
+          </a:bodyPr>
+          <a:lstStyle/>
+          <a:p>
+            <a:r>
+              <a:rPr lang="en-US" b="1" dirty="0">
+                <a:solidFill>
+                  <a:schemeClr val="bg1"/>
+                </a:solidFill>
+                <a:latin typeface="Consolas" panose="020B0609020204030204" pitchFamily="49" charset="0"/>
+                <a:cs typeface="Consolas" panose="020B0609020204030204" pitchFamily="49" charset="0"/>
+              </a:rPr>
+              <a:t>PC1(config-if)#</a:t>
+            </a:r>
+          </a:p>
+        </p:txBody>
+      </p:sp>
+      <p:sp>
+        <p:nvSpPr>
+          <p:cNvPr id="13" name="Rectangle 12">
+            <a:extLst>
+              <a:ext uri="{FF2B5EF4-FFF2-40B4-BE49-F238E27FC236}">
+                <a16:creationId xmlns:a16="http://schemas.microsoft.com/office/drawing/2014/main" id="{061DD7CF-6D74-0D43-A81C-47EBC9465A8E}"/>
+              </a:ext>
+            </a:extLst>
+          </p:cNvPr>
+          <p:cNvSpPr/>
+          <p:nvPr/>
+        </p:nvSpPr>
+        <p:spPr>
+          <a:xfrm>
+            <a:off x="6639286" y="3850343"/>
+            <a:ext cx="3585415" cy="1299451"/>
+          </a:xfrm>
+          <a:prstGeom prst="rect">
+            <a:avLst/>
+          </a:prstGeom>
+          <a:solidFill>
+            <a:schemeClr val="tx1"/>
+          </a:solidFill>
+          <a:ln>
+            <a:noFill/>
+          </a:ln>
+        </p:spPr>
+        <p:style>
+          <a:lnRef idx="2">
+            <a:schemeClr val="accent1">
+              <a:shade val="50000"/>
+            </a:schemeClr>
+          </a:lnRef>
+          <a:fillRef idx="1">
+            <a:schemeClr val="accent1"/>
+          </a:fillRef>
+          <a:effectRef idx="0">
+            <a:schemeClr val="accent1"/>
+          </a:effectRef>
+          <a:fontRef idx="minor">
+            <a:schemeClr val="lt1"/>
+          </a:fontRef>
+        </p:style>
+        <p:txBody>
+          <a:bodyPr rtlCol="0" anchor="ctr"/>
+          <a:lstStyle/>
+          <a:p>
+            <a:pPr algn="ctr"/>
+            <a:endParaRPr lang="en-US"/>
+          </a:p>
+        </p:txBody>
+      </p:sp>
+      <p:sp>
+        <p:nvSpPr>
+          <p:cNvPr id="16" name="TextBox 15">
+            <a:extLst>
+              <a:ext uri="{FF2B5EF4-FFF2-40B4-BE49-F238E27FC236}">
+                <a16:creationId xmlns:a16="http://schemas.microsoft.com/office/drawing/2014/main" id="{AF0AFDB4-84DC-1E42-A511-C0F284EF3194}"/>
+              </a:ext>
+            </a:extLst>
+          </p:cNvPr>
+          <p:cNvSpPr txBox="1"/>
+          <p:nvPr/>
+        </p:nvSpPr>
+        <p:spPr>
+          <a:xfrm>
+            <a:off x="6709800" y="3924802"/>
+            <a:ext cx="2084225" cy="369332"/>
+          </a:xfrm>
+          <a:prstGeom prst="rect">
+            <a:avLst/>
+          </a:prstGeom>
+          <a:noFill/>
+        </p:spPr>
+        <p:txBody>
+          <a:bodyPr wrap="none" rtlCol="0">
+            <a:spAutoFit/>
+          </a:bodyPr>
+          <a:lstStyle/>
+          <a:p>
+            <a:r>
+              <a:rPr lang="en-US" b="1" dirty="0">
+                <a:solidFill>
+                  <a:schemeClr val="bg1"/>
+                </a:solidFill>
+                <a:latin typeface="Consolas" panose="020B0609020204030204" pitchFamily="49" charset="0"/>
+                <a:cs typeface="Consolas" panose="020B0609020204030204" pitchFamily="49" charset="0"/>
+              </a:rPr>
+              <a:t>PC2(config-if)#</a:t>
+            </a:r>
+          </a:p>
+        </p:txBody>
+      </p:sp>
+    </p:spTree>
+    <p:extLst>
+      <p:ext uri="{BB962C8B-B14F-4D97-AF65-F5344CB8AC3E}">
+        <p14:creationId xmlns:p14="http://schemas.microsoft.com/office/powerpoint/2010/main" val="3678606312"/>
       </p:ext>
     </p:extLst>
   </p:cSld>

--- a/slides/0020.pptx
+++ b/slides/0020.pptx
@@ -11,6 +11,7 @@
     <p:sldId id="259" r:id="rId5"/>
     <p:sldId id="260" r:id="rId6"/>
     <p:sldId id="261" r:id="rId7"/>
+    <p:sldId id="262" r:id="rId8"/>
   </p:sldIdLst>
   <p:sldSz cx="12192000" cy="6858000"/>
   <p:notesSz cx="6858000" cy="9144000"/>
@@ -264,7 +265,7 @@
           <a:p>
             <a:fld id="{5AEC58D5-D0FD-5D43-AC21-2C9A8E377766}" type="datetimeFigureOut">
               <a:rPr lang="en-US" smtClean="0"/>
-              <a:t>4/12/18</a:t>
+              <a:t>4/13/18</a:t>
             </a:fld>
             <a:endParaRPr lang="en-US"/>
           </a:p>
@@ -462,7 +463,7 @@
           <a:p>
             <a:fld id="{5AEC58D5-D0FD-5D43-AC21-2C9A8E377766}" type="datetimeFigureOut">
               <a:rPr lang="en-US" smtClean="0"/>
-              <a:t>4/12/18</a:t>
+              <a:t>4/13/18</a:t>
             </a:fld>
             <a:endParaRPr lang="en-US"/>
           </a:p>
@@ -670,7 +671,7 @@
           <a:p>
             <a:fld id="{5AEC58D5-D0FD-5D43-AC21-2C9A8E377766}" type="datetimeFigureOut">
               <a:rPr lang="en-US" smtClean="0"/>
-              <a:t>4/12/18</a:t>
+              <a:t>4/13/18</a:t>
             </a:fld>
             <a:endParaRPr lang="en-US"/>
           </a:p>
@@ -868,7 +869,7 @@
           <a:p>
             <a:fld id="{5AEC58D5-D0FD-5D43-AC21-2C9A8E377766}" type="datetimeFigureOut">
               <a:rPr lang="en-US" smtClean="0"/>
-              <a:t>4/12/18</a:t>
+              <a:t>4/13/18</a:t>
             </a:fld>
             <a:endParaRPr lang="en-US"/>
           </a:p>
@@ -1143,7 +1144,7 @@
           <a:p>
             <a:fld id="{5AEC58D5-D0FD-5D43-AC21-2C9A8E377766}" type="datetimeFigureOut">
               <a:rPr lang="en-US" smtClean="0"/>
-              <a:t>4/12/18</a:t>
+              <a:t>4/13/18</a:t>
             </a:fld>
             <a:endParaRPr lang="en-US"/>
           </a:p>
@@ -1408,7 +1409,7 @@
           <a:p>
             <a:fld id="{5AEC58D5-D0FD-5D43-AC21-2C9A8E377766}" type="datetimeFigureOut">
               <a:rPr lang="en-US" smtClean="0"/>
-              <a:t>4/12/18</a:t>
+              <a:t>4/13/18</a:t>
             </a:fld>
             <a:endParaRPr lang="en-US"/>
           </a:p>
@@ -1820,7 +1821,7 @@
           <a:p>
             <a:fld id="{5AEC58D5-D0FD-5D43-AC21-2C9A8E377766}" type="datetimeFigureOut">
               <a:rPr lang="en-US" smtClean="0"/>
-              <a:t>4/12/18</a:t>
+              <a:t>4/13/18</a:t>
             </a:fld>
             <a:endParaRPr lang="en-US"/>
           </a:p>
@@ -1961,7 +1962,7 @@
           <a:p>
             <a:fld id="{5AEC58D5-D0FD-5D43-AC21-2C9A8E377766}" type="datetimeFigureOut">
               <a:rPr lang="en-US" smtClean="0"/>
-              <a:t>4/12/18</a:t>
+              <a:t>4/13/18</a:t>
             </a:fld>
             <a:endParaRPr lang="en-US"/>
           </a:p>
@@ -2074,7 +2075,7 @@
           <a:p>
             <a:fld id="{5AEC58D5-D0FD-5D43-AC21-2C9A8E377766}" type="datetimeFigureOut">
               <a:rPr lang="en-US" smtClean="0"/>
-              <a:t>4/12/18</a:t>
+              <a:t>4/13/18</a:t>
             </a:fld>
             <a:endParaRPr lang="en-US"/>
           </a:p>
@@ -2385,7 +2386,7 @@
           <a:p>
             <a:fld id="{5AEC58D5-D0FD-5D43-AC21-2C9A8E377766}" type="datetimeFigureOut">
               <a:rPr lang="en-US" smtClean="0"/>
-              <a:t>4/12/18</a:t>
+              <a:t>4/13/18</a:t>
             </a:fld>
             <a:endParaRPr lang="en-US"/>
           </a:p>
@@ -2673,7 +2674,7 @@
           <a:p>
             <a:fld id="{5AEC58D5-D0FD-5D43-AC21-2C9A8E377766}" type="datetimeFigureOut">
               <a:rPr lang="en-US" smtClean="0"/>
-              <a:t>4/12/18</a:t>
+              <a:t>4/13/18</a:t>
             </a:fld>
             <a:endParaRPr lang="en-US"/>
           </a:p>
@@ -2914,7 +2915,7 @@
           <a:p>
             <a:fld id="{5AEC58D5-D0FD-5D43-AC21-2C9A8E377766}" type="datetimeFigureOut">
               <a:rPr lang="en-US" smtClean="0"/>
-              <a:t>4/12/18</a:t>
+              <a:t>4/13/18</a:t>
             </a:fld>
             <a:endParaRPr lang="en-US"/>
           </a:p>
@@ -9549,7 +9550,7 @@
         </p:blipFill>
         <p:spPr>
           <a:xfrm>
-            <a:off x="2705499" y="885523"/>
+            <a:off x="2936505" y="961042"/>
             <a:ext cx="1716773" cy="1716773"/>
           </a:xfrm>
           <a:prstGeom prst="rect">
@@ -9585,7 +9586,7 @@
         </p:blipFill>
         <p:spPr>
           <a:xfrm>
-            <a:off x="7150766" y="885521"/>
+            <a:off x="7381772" y="961040"/>
             <a:ext cx="1716773" cy="1716773"/>
           </a:xfrm>
           <a:prstGeom prst="rect">
@@ -9611,7 +9612,7 @@
         </p:nvCxnSpPr>
         <p:spPr>
           <a:xfrm flipV="1">
-            <a:off x="4422272" y="1743908"/>
+            <a:off x="4653278" y="1819427"/>
             <a:ext cx="2728494" cy="2"/>
           </a:xfrm>
           <a:prstGeom prst="line">
@@ -9652,7 +9653,7 @@
         </p:nvSpPr>
         <p:spPr>
           <a:xfrm>
-            <a:off x="4422272" y="945383"/>
+            <a:off x="4653278" y="1020902"/>
             <a:ext cx="1441420" cy="646331"/>
           </a:xfrm>
           <a:prstGeom prst="rect">
@@ -9693,7 +9694,7 @@
         </p:nvSpPr>
         <p:spPr>
           <a:xfrm>
-            <a:off x="5863692" y="1818680"/>
+            <a:off x="6094698" y="1894199"/>
             <a:ext cx="1441420" cy="646331"/>
           </a:xfrm>
           <a:prstGeom prst="rect">
@@ -9734,7 +9735,7 @@
         </p:nvSpPr>
         <p:spPr>
           <a:xfrm>
-            <a:off x="3232704" y="2417628"/>
+            <a:off x="3463710" y="2493147"/>
             <a:ext cx="662361" cy="461665"/>
           </a:xfrm>
           <a:prstGeom prst="rect">
@@ -9769,7 +9770,7 @@
         </p:nvSpPr>
         <p:spPr>
           <a:xfrm>
-            <a:off x="7677971" y="2418968"/>
+            <a:off x="7908977" y="2494487"/>
             <a:ext cx="662361" cy="461665"/>
           </a:xfrm>
           <a:prstGeom prst="rect">
@@ -9804,8 +9805,8 @@
         </p:nvSpPr>
         <p:spPr>
           <a:xfrm>
-            <a:off x="836857" y="3850343"/>
-            <a:ext cx="3585415" cy="1299451"/>
+            <a:off x="1113886" y="3212132"/>
+            <a:ext cx="6037186" cy="1069343"/>
           </a:xfrm>
           <a:prstGeom prst="rect">
             <a:avLst/>
@@ -9856,8 +9857,8 @@
         </p:nvSpPr>
         <p:spPr>
           <a:xfrm>
-            <a:off x="907371" y="3924802"/>
-            <a:ext cx="2084225" cy="369332"/>
+            <a:off x="1184400" y="3286590"/>
+            <a:ext cx="5883342" cy="923330"/>
           </a:xfrm>
           <a:prstGeom prst="rect">
             <a:avLst/>
@@ -9878,7 +9879,31 @@
                 <a:latin typeface="Consolas" panose="020B0609020204030204" pitchFamily="49" charset="0"/>
                 <a:cs typeface="Consolas" panose="020B0609020204030204" pitchFamily="49" charset="0"/>
               </a:rPr>
-              <a:t>PC1(config-if)#</a:t>
+              <a:t>PC1(config)# interface g0/1</a:t>
+            </a:r>
+          </a:p>
+          <a:p>
+            <a:r>
+              <a:rPr lang="en-US" b="1" dirty="0">
+                <a:solidFill>
+                  <a:schemeClr val="bg1"/>
+                </a:solidFill>
+                <a:latin typeface="Consolas" panose="020B0609020204030204" pitchFamily="49" charset="0"/>
+                <a:cs typeface="Consolas" panose="020B0609020204030204" pitchFamily="49" charset="0"/>
+              </a:rPr>
+              <a:t>PC1(config-if)# ip address 10.0.0.1 255.0.0.0</a:t>
+            </a:r>
+          </a:p>
+          <a:p>
+            <a:r>
+              <a:rPr lang="en-US" b="1" dirty="0">
+                <a:solidFill>
+                  <a:schemeClr val="bg1"/>
+                </a:solidFill>
+                <a:latin typeface="Consolas" panose="020B0609020204030204" pitchFamily="49" charset="0"/>
+                <a:cs typeface="Consolas" panose="020B0609020204030204" pitchFamily="49" charset="0"/>
+              </a:rPr>
+              <a:t>PC1(config-if)# no shutdown</a:t>
             </a:r>
           </a:p>
         </p:txBody>
@@ -9897,8 +9922,8 @@
         </p:nvSpPr>
         <p:spPr>
           <a:xfrm>
-            <a:off x="6639286" y="3850343"/>
-            <a:ext cx="3585415" cy="1299451"/>
+            <a:off x="4049149" y="4602495"/>
+            <a:ext cx="6037186" cy="1071683"/>
           </a:xfrm>
           <a:prstGeom prst="rect">
             <a:avLst/>
@@ -9937,10 +9962,10 @@
       </p:sp>
       <p:sp>
         <p:nvSpPr>
-          <p:cNvPr id="16" name="TextBox 15">
-            <a:extLst>
-              <a:ext uri="{FF2B5EF4-FFF2-40B4-BE49-F238E27FC236}">
-                <a16:creationId xmlns:a16="http://schemas.microsoft.com/office/drawing/2014/main" id="{AF0AFDB4-84DC-1E42-A511-C0F284EF3194}"/>
+          <p:cNvPr id="17" name="TextBox 16">
+            <a:extLst>
+              <a:ext uri="{FF2B5EF4-FFF2-40B4-BE49-F238E27FC236}">
+                <a16:creationId xmlns:a16="http://schemas.microsoft.com/office/drawing/2014/main" id="{CFB67FE9-5305-CB41-99B5-C62FC9E1E816}"/>
               </a:ext>
             </a:extLst>
           </p:cNvPr>
@@ -9949,8 +9974,8 @@
         </p:nvSpPr>
         <p:spPr>
           <a:xfrm>
-            <a:off x="6709800" y="3924802"/>
-            <a:ext cx="2084225" cy="369332"/>
+            <a:off x="4126071" y="4670623"/>
+            <a:ext cx="5883342" cy="923330"/>
           </a:xfrm>
           <a:prstGeom prst="rect">
             <a:avLst/>
@@ -9971,7 +9996,31 @@
                 <a:latin typeface="Consolas" panose="020B0609020204030204" pitchFamily="49" charset="0"/>
                 <a:cs typeface="Consolas" panose="020B0609020204030204" pitchFamily="49" charset="0"/>
               </a:rPr>
-              <a:t>PC2(config-if)#</a:t>
+              <a:t>PC2(config)# interface g0/1</a:t>
+            </a:r>
+          </a:p>
+          <a:p>
+            <a:r>
+              <a:rPr lang="en-US" b="1" dirty="0">
+                <a:solidFill>
+                  <a:schemeClr val="bg1"/>
+                </a:solidFill>
+                <a:latin typeface="Consolas" panose="020B0609020204030204" pitchFamily="49" charset="0"/>
+                <a:cs typeface="Consolas" panose="020B0609020204030204" pitchFamily="49" charset="0"/>
+              </a:rPr>
+              <a:t>PC2(config-if)# ip address 10.0.0.2 255.0.0.0</a:t>
+            </a:r>
+          </a:p>
+          <a:p>
+            <a:r>
+              <a:rPr lang="en-US" b="1" dirty="0">
+                <a:solidFill>
+                  <a:schemeClr val="bg1"/>
+                </a:solidFill>
+                <a:latin typeface="Consolas" panose="020B0609020204030204" pitchFamily="49" charset="0"/>
+                <a:cs typeface="Consolas" panose="020B0609020204030204" pitchFamily="49" charset="0"/>
+              </a:rPr>
+              <a:t>PC2(config-if)# no shutdown</a:t>
             </a:r>
           </a:p>
         </p:txBody>
@@ -9980,6 +10029,712 @@
     <p:extLst>
       <p:ext uri="{BB962C8B-B14F-4D97-AF65-F5344CB8AC3E}">
         <p14:creationId xmlns:p14="http://schemas.microsoft.com/office/powerpoint/2010/main" val="3678606312"/>
+      </p:ext>
+    </p:extLst>
+  </p:cSld>
+  <p:clrMapOvr>
+    <a:masterClrMapping/>
+  </p:clrMapOvr>
+</p:sld>
+</file>
+
+<file path=ppt/slides/slide7.xml><?xml version="1.0" encoding="utf-8"?>
+<p:sld xmlns:a="http://schemas.openxmlformats.org/drawingml/2006/main" xmlns:r="http://schemas.openxmlformats.org/officeDocument/2006/relationships" xmlns:p="http://schemas.openxmlformats.org/presentationml/2006/main">
+  <p:cSld>
+    <p:spTree>
+      <p:nvGrpSpPr>
+        <p:cNvPr id="1" name=""/>
+        <p:cNvGrpSpPr/>
+        <p:nvPr/>
+      </p:nvGrpSpPr>
+      <p:grpSpPr>
+        <a:xfrm>
+          <a:off x="0" y="0"/>
+          <a:ext cx="0" cy="0"/>
+          <a:chOff x="0" y="0"/>
+          <a:chExt cx="0" cy="0"/>
+        </a:xfrm>
+      </p:grpSpPr>
+      <p:pic>
+        <p:nvPicPr>
+          <p:cNvPr id="4" name="Picture 3">
+            <a:extLst>
+              <a:ext uri="{FF2B5EF4-FFF2-40B4-BE49-F238E27FC236}">
+                <a16:creationId xmlns:a16="http://schemas.microsoft.com/office/drawing/2014/main" id="{2559AA6D-0396-5040-AB62-26FFFB481D50}"/>
+              </a:ext>
+            </a:extLst>
+          </p:cNvPr>
+          <p:cNvPicPr>
+            <a:picLocks noChangeAspect="1"/>
+          </p:cNvPicPr>
+          <p:nvPr/>
+        </p:nvPicPr>
+        <p:blipFill>
+          <a:blip r:embed="rId2">
+            <a:extLst>
+              <a:ext uri="{28A0092B-C50C-407E-A947-70E740481C1C}">
+                <a14:useLocalDpi xmlns:a14="http://schemas.microsoft.com/office/drawing/2010/main" val="0"/>
+              </a:ext>
+            </a:extLst>
+          </a:blip>
+          <a:stretch>
+            <a:fillRect/>
+          </a:stretch>
+        </p:blipFill>
+        <p:spPr>
+          <a:xfrm>
+            <a:off x="7229640" y="139854"/>
+            <a:ext cx="1716773" cy="1716773"/>
+          </a:xfrm>
+          <a:prstGeom prst="rect">
+            <a:avLst/>
+          </a:prstGeom>
+        </p:spPr>
+      </p:pic>
+      <p:sp>
+        <p:nvSpPr>
+          <p:cNvPr id="6" name="Rectangle 5">
+            <a:extLst>
+              <a:ext uri="{FF2B5EF4-FFF2-40B4-BE49-F238E27FC236}">
+                <a16:creationId xmlns:a16="http://schemas.microsoft.com/office/drawing/2014/main" id="{DBD25B67-258B-5140-8433-713273122E1A}"/>
+              </a:ext>
+            </a:extLst>
+          </p:cNvPr>
+          <p:cNvSpPr/>
+          <p:nvPr/>
+        </p:nvSpPr>
+        <p:spPr>
+          <a:xfrm>
+            <a:off x="1365983" y="2464068"/>
+            <a:ext cx="2012484" cy="1414914"/>
+          </a:xfrm>
+          <a:prstGeom prst="rect">
+            <a:avLst/>
+          </a:prstGeom>
+          <a:solidFill>
+            <a:schemeClr val="bg2"/>
+          </a:solidFill>
+          <a:ln>
+            <a:noFill/>
+          </a:ln>
+        </p:spPr>
+        <p:style>
+          <a:lnRef idx="2">
+            <a:schemeClr val="accent1">
+              <a:shade val="50000"/>
+            </a:schemeClr>
+          </a:lnRef>
+          <a:fillRef idx="1">
+            <a:schemeClr val="accent1"/>
+          </a:fillRef>
+          <a:effectRef idx="0">
+            <a:schemeClr val="accent1"/>
+          </a:effectRef>
+          <a:fontRef idx="minor">
+            <a:schemeClr val="lt1"/>
+          </a:fontRef>
+        </p:style>
+        <p:txBody>
+          <a:bodyPr rtlCol="0" anchor="ctr"/>
+          <a:lstStyle/>
+          <a:p>
+            <a:pPr algn="ctr"/>
+            <a:endParaRPr lang="en-US"/>
+          </a:p>
+        </p:txBody>
+      </p:sp>
+      <p:sp>
+        <p:nvSpPr>
+          <p:cNvPr id="7" name="TextBox 6">
+            <a:extLst>
+              <a:ext uri="{FF2B5EF4-FFF2-40B4-BE49-F238E27FC236}">
+                <a16:creationId xmlns:a16="http://schemas.microsoft.com/office/drawing/2014/main" id="{3D124E13-E0D3-8540-8758-709DAFA65745}"/>
+              </a:ext>
+            </a:extLst>
+          </p:cNvPr>
+          <p:cNvSpPr txBox="1"/>
+          <p:nvPr/>
+        </p:nvSpPr>
+        <p:spPr>
+          <a:xfrm>
+            <a:off x="1383813" y="2743545"/>
+            <a:ext cx="1976823" cy="461665"/>
+          </a:xfrm>
+          <a:prstGeom prst="rect">
+            <a:avLst/>
+          </a:prstGeom>
+          <a:noFill/>
+        </p:spPr>
+        <p:txBody>
+          <a:bodyPr wrap="none" rtlCol="0">
+            <a:spAutoFit/>
+          </a:bodyPr>
+          <a:lstStyle/>
+          <a:p>
+            <a:r>
+              <a:rPr lang="en-US" sz="2400" b="1" dirty="0"/>
+              <a:t>startup-config</a:t>
+            </a:r>
+          </a:p>
+        </p:txBody>
+      </p:sp>
+      <p:sp>
+        <p:nvSpPr>
+          <p:cNvPr id="15" name="TextBox 14">
+            <a:extLst>
+              <a:ext uri="{FF2B5EF4-FFF2-40B4-BE49-F238E27FC236}">
+                <a16:creationId xmlns:a16="http://schemas.microsoft.com/office/drawing/2014/main" id="{A2D1EB30-BE86-3D4D-A9DF-57212ED00661}"/>
+              </a:ext>
+            </a:extLst>
+          </p:cNvPr>
+          <p:cNvSpPr txBox="1"/>
+          <p:nvPr/>
+        </p:nvSpPr>
+        <p:spPr>
+          <a:xfrm>
+            <a:off x="1558539" y="3141987"/>
+            <a:ext cx="1627369" cy="400110"/>
+          </a:xfrm>
+          <a:prstGeom prst="rect">
+            <a:avLst/>
+          </a:prstGeom>
+          <a:noFill/>
+        </p:spPr>
+        <p:txBody>
+          <a:bodyPr wrap="none" rtlCol="0">
+            <a:spAutoFit/>
+          </a:bodyPr>
+          <a:lstStyle/>
+          <a:p>
+            <a:r>
+              <a:rPr lang="en-US" altLang="ja-JP" sz="2000" b="1" dirty="0"/>
+              <a:t>(</a:t>
+            </a:r>
+            <a:r>
+              <a:rPr lang="ja-JP" altLang="en-US" sz="2000" b="1"/>
+              <a:t>保存される</a:t>
+            </a:r>
+            <a:r>
+              <a:rPr lang="en-US" altLang="ja-JP" sz="2000" b="1" dirty="0"/>
+              <a:t>)</a:t>
+            </a:r>
+            <a:endParaRPr lang="en-US" sz="2000" b="1" dirty="0"/>
+          </a:p>
+        </p:txBody>
+      </p:sp>
+      <p:sp>
+        <p:nvSpPr>
+          <p:cNvPr id="16" name="Right Arrow 15">
+            <a:extLst>
+              <a:ext uri="{FF2B5EF4-FFF2-40B4-BE49-F238E27FC236}">
+                <a16:creationId xmlns:a16="http://schemas.microsoft.com/office/drawing/2014/main" id="{74E2EF02-B135-6441-9420-B6800C2354F9}"/>
+              </a:ext>
+            </a:extLst>
+          </p:cNvPr>
+          <p:cNvSpPr/>
+          <p:nvPr/>
+        </p:nvSpPr>
+        <p:spPr>
+          <a:xfrm>
+            <a:off x="4116203" y="2509212"/>
+            <a:ext cx="2208595" cy="510285"/>
+          </a:xfrm>
+          <a:prstGeom prst="rightArrow">
+            <a:avLst/>
+          </a:prstGeom>
+          <a:ln>
+            <a:noFill/>
+          </a:ln>
+        </p:spPr>
+        <p:style>
+          <a:lnRef idx="2">
+            <a:schemeClr val="accent1">
+              <a:shade val="50000"/>
+            </a:schemeClr>
+          </a:lnRef>
+          <a:fillRef idx="1">
+            <a:schemeClr val="accent1"/>
+          </a:fillRef>
+          <a:effectRef idx="0">
+            <a:schemeClr val="accent1"/>
+          </a:effectRef>
+          <a:fontRef idx="minor">
+            <a:schemeClr val="lt1"/>
+          </a:fontRef>
+        </p:style>
+        <p:txBody>
+          <a:bodyPr rtlCol="0" anchor="ctr"/>
+          <a:lstStyle/>
+          <a:p>
+            <a:pPr algn="ctr"/>
+            <a:endParaRPr lang="en-US"/>
+          </a:p>
+        </p:txBody>
+      </p:sp>
+      <p:sp>
+        <p:nvSpPr>
+          <p:cNvPr id="17" name="TextBox 16">
+            <a:extLst>
+              <a:ext uri="{FF2B5EF4-FFF2-40B4-BE49-F238E27FC236}">
+                <a16:creationId xmlns:a16="http://schemas.microsoft.com/office/drawing/2014/main" id="{35CED693-625B-D34D-9E35-7C970EA715E7}"/>
+              </a:ext>
+            </a:extLst>
+          </p:cNvPr>
+          <p:cNvSpPr txBox="1"/>
+          <p:nvPr/>
+        </p:nvSpPr>
+        <p:spPr>
+          <a:xfrm>
+            <a:off x="4116203" y="2063958"/>
+            <a:ext cx="2236510" cy="400110"/>
+          </a:xfrm>
+          <a:prstGeom prst="rect">
+            <a:avLst/>
+          </a:prstGeom>
+          <a:noFill/>
+        </p:spPr>
+        <p:txBody>
+          <a:bodyPr wrap="none" rtlCol="0">
+            <a:spAutoFit/>
+          </a:bodyPr>
+          <a:lstStyle/>
+          <a:p>
+            <a:r>
+              <a:rPr lang="ja-JP" altLang="en-US" sz="2000" b="1"/>
+              <a:t>起動時に読み込み</a:t>
+            </a:r>
+            <a:endParaRPr lang="en-US" sz="2000" b="1" dirty="0"/>
+          </a:p>
+        </p:txBody>
+      </p:sp>
+      <p:sp>
+        <p:nvSpPr>
+          <p:cNvPr id="18" name="Right Arrow 17">
+            <a:extLst>
+              <a:ext uri="{FF2B5EF4-FFF2-40B4-BE49-F238E27FC236}">
+                <a16:creationId xmlns:a16="http://schemas.microsoft.com/office/drawing/2014/main" id="{7CF5D3C2-81B6-5F45-80D3-F2712AE848AC}"/>
+              </a:ext>
+            </a:extLst>
+          </p:cNvPr>
+          <p:cNvSpPr/>
+          <p:nvPr/>
+        </p:nvSpPr>
+        <p:spPr>
+          <a:xfrm rot="10800000">
+            <a:off x="4116203" y="3205208"/>
+            <a:ext cx="2208595" cy="510285"/>
+          </a:xfrm>
+          <a:prstGeom prst="rightArrow">
+            <a:avLst/>
+          </a:prstGeom>
+          <a:ln>
+            <a:noFill/>
+          </a:ln>
+        </p:spPr>
+        <p:style>
+          <a:lnRef idx="2">
+            <a:schemeClr val="accent1">
+              <a:shade val="50000"/>
+            </a:schemeClr>
+          </a:lnRef>
+          <a:fillRef idx="1">
+            <a:schemeClr val="accent1"/>
+          </a:fillRef>
+          <a:effectRef idx="0">
+            <a:schemeClr val="accent1"/>
+          </a:effectRef>
+          <a:fontRef idx="minor">
+            <a:schemeClr val="lt1"/>
+          </a:fontRef>
+        </p:style>
+        <p:txBody>
+          <a:bodyPr rtlCol="0" anchor="ctr"/>
+          <a:lstStyle/>
+          <a:p>
+            <a:pPr algn="ctr"/>
+            <a:endParaRPr lang="en-US"/>
+          </a:p>
+        </p:txBody>
+      </p:sp>
+      <p:sp>
+        <p:nvSpPr>
+          <p:cNvPr id="19" name="TextBox 18">
+            <a:extLst>
+              <a:ext uri="{FF2B5EF4-FFF2-40B4-BE49-F238E27FC236}">
+                <a16:creationId xmlns:a16="http://schemas.microsoft.com/office/drawing/2014/main" id="{B4A8ACA2-7B3C-3C4A-BFFA-994B9CC6A229}"/>
+              </a:ext>
+            </a:extLst>
+          </p:cNvPr>
+          <p:cNvSpPr txBox="1"/>
+          <p:nvPr/>
+        </p:nvSpPr>
+        <p:spPr>
+          <a:xfrm>
+            <a:off x="3628056" y="3901205"/>
+            <a:ext cx="3212803" cy="400110"/>
+          </a:xfrm>
+          <a:prstGeom prst="rect">
+            <a:avLst/>
+          </a:prstGeom>
+          <a:noFill/>
+        </p:spPr>
+        <p:txBody>
+          <a:bodyPr wrap="none" rtlCol="0">
+            <a:spAutoFit/>
+          </a:bodyPr>
+          <a:lstStyle/>
+          <a:p>
+            <a:r>
+              <a:rPr lang="ja-JP" altLang="en-US" sz="2000" b="1"/>
+              <a:t>設定を保存</a:t>
+            </a:r>
+            <a:r>
+              <a:rPr lang="en-US" altLang="ja-JP" sz="2000" b="1" dirty="0"/>
+              <a:t>(write</a:t>
+            </a:r>
+            <a:r>
+              <a:rPr lang="ja-JP" altLang="en-US" sz="2000" b="1"/>
+              <a:t>コマンド</a:t>
+            </a:r>
+            <a:r>
+              <a:rPr lang="en-US" altLang="ja-JP" sz="2000" b="1" dirty="0"/>
+              <a:t>)</a:t>
+            </a:r>
+            <a:endParaRPr lang="en-US" sz="2000" b="1" dirty="0"/>
+          </a:p>
+        </p:txBody>
+      </p:sp>
+      <p:sp>
+        <p:nvSpPr>
+          <p:cNvPr id="20" name="Right Arrow 19">
+            <a:extLst>
+              <a:ext uri="{FF2B5EF4-FFF2-40B4-BE49-F238E27FC236}">
+                <a16:creationId xmlns:a16="http://schemas.microsoft.com/office/drawing/2014/main" id="{DD515C5B-E180-1642-9AE6-79FFB950B795}"/>
+              </a:ext>
+            </a:extLst>
+          </p:cNvPr>
+          <p:cNvSpPr/>
+          <p:nvPr/>
+        </p:nvSpPr>
+        <p:spPr>
+          <a:xfrm rot="16200000">
+            <a:off x="6688939" y="2916382"/>
+            <a:ext cx="2798176" cy="510285"/>
+          </a:xfrm>
+          <a:prstGeom prst="rightArrow">
+            <a:avLst/>
+          </a:prstGeom>
+          <a:solidFill>
+            <a:schemeClr val="accent2"/>
+          </a:solidFill>
+          <a:ln>
+            <a:noFill/>
+          </a:ln>
+        </p:spPr>
+        <p:style>
+          <a:lnRef idx="2">
+            <a:schemeClr val="accent1">
+              <a:shade val="50000"/>
+            </a:schemeClr>
+          </a:lnRef>
+          <a:fillRef idx="1">
+            <a:schemeClr val="accent1"/>
+          </a:fillRef>
+          <a:effectRef idx="0">
+            <a:schemeClr val="accent1"/>
+          </a:effectRef>
+          <a:fontRef idx="minor">
+            <a:schemeClr val="lt1"/>
+          </a:fontRef>
+        </p:style>
+        <p:txBody>
+          <a:bodyPr rtlCol="0" anchor="ctr"/>
+          <a:lstStyle/>
+          <a:p>
+            <a:pPr algn="ctr"/>
+            <a:endParaRPr lang="en-US"/>
+          </a:p>
+        </p:txBody>
+      </p:sp>
+      <p:sp>
+        <p:nvSpPr>
+          <p:cNvPr id="21" name="Rectangle 20">
+            <a:extLst>
+              <a:ext uri="{FF2B5EF4-FFF2-40B4-BE49-F238E27FC236}">
+                <a16:creationId xmlns:a16="http://schemas.microsoft.com/office/drawing/2014/main" id="{5C109C7E-2DF8-CC47-BEE3-B4E9722A81A2}"/>
+              </a:ext>
+            </a:extLst>
+          </p:cNvPr>
+          <p:cNvSpPr/>
+          <p:nvPr/>
+        </p:nvSpPr>
+        <p:spPr>
+          <a:xfrm>
+            <a:off x="7081786" y="2464068"/>
+            <a:ext cx="2012484" cy="1414914"/>
+          </a:xfrm>
+          <a:prstGeom prst="rect">
+            <a:avLst/>
+          </a:prstGeom>
+          <a:solidFill>
+            <a:schemeClr val="bg2"/>
+          </a:solidFill>
+          <a:ln>
+            <a:noFill/>
+          </a:ln>
+        </p:spPr>
+        <p:style>
+          <a:lnRef idx="2">
+            <a:schemeClr val="accent1">
+              <a:shade val="50000"/>
+            </a:schemeClr>
+          </a:lnRef>
+          <a:fillRef idx="1">
+            <a:schemeClr val="accent1"/>
+          </a:fillRef>
+          <a:effectRef idx="0">
+            <a:schemeClr val="accent1"/>
+          </a:effectRef>
+          <a:fontRef idx="minor">
+            <a:schemeClr val="lt1"/>
+          </a:fontRef>
+        </p:style>
+        <p:txBody>
+          <a:bodyPr rtlCol="0" anchor="ctr"/>
+          <a:lstStyle/>
+          <a:p>
+            <a:pPr algn="ctr"/>
+            <a:endParaRPr lang="en-US"/>
+          </a:p>
+        </p:txBody>
+      </p:sp>
+      <p:sp>
+        <p:nvSpPr>
+          <p:cNvPr id="22" name="TextBox 21">
+            <a:extLst>
+              <a:ext uri="{FF2B5EF4-FFF2-40B4-BE49-F238E27FC236}">
+                <a16:creationId xmlns:a16="http://schemas.microsoft.com/office/drawing/2014/main" id="{347C54F5-1989-A74F-8F79-1A2BDFB01684}"/>
+              </a:ext>
+            </a:extLst>
+          </p:cNvPr>
+          <p:cNvSpPr txBox="1"/>
+          <p:nvPr/>
+        </p:nvSpPr>
+        <p:spPr>
+          <a:xfrm>
+            <a:off x="7081786" y="2743543"/>
+            <a:ext cx="2044214" cy="461665"/>
+          </a:xfrm>
+          <a:prstGeom prst="rect">
+            <a:avLst/>
+          </a:prstGeom>
+          <a:noFill/>
+        </p:spPr>
+        <p:txBody>
+          <a:bodyPr wrap="none" rtlCol="0">
+            <a:spAutoFit/>
+          </a:bodyPr>
+          <a:lstStyle/>
+          <a:p>
+            <a:r>
+              <a:rPr lang="en-US" sz="2400" b="1" dirty="0"/>
+              <a:t>running-config</a:t>
+            </a:r>
+          </a:p>
+        </p:txBody>
+      </p:sp>
+      <p:sp>
+        <p:nvSpPr>
+          <p:cNvPr id="23" name="TextBox 22">
+            <a:extLst>
+              <a:ext uri="{FF2B5EF4-FFF2-40B4-BE49-F238E27FC236}">
+                <a16:creationId xmlns:a16="http://schemas.microsoft.com/office/drawing/2014/main" id="{2221F81A-DB1B-E845-81E5-512DB778BA7C}"/>
+              </a:ext>
+            </a:extLst>
+          </p:cNvPr>
+          <p:cNvSpPr txBox="1"/>
+          <p:nvPr/>
+        </p:nvSpPr>
+        <p:spPr>
+          <a:xfrm>
+            <a:off x="7190872" y="3141985"/>
+            <a:ext cx="1883849" cy="400110"/>
+          </a:xfrm>
+          <a:prstGeom prst="rect">
+            <a:avLst/>
+          </a:prstGeom>
+          <a:noFill/>
+        </p:spPr>
+        <p:txBody>
+          <a:bodyPr wrap="none" rtlCol="0">
+            <a:spAutoFit/>
+          </a:bodyPr>
+          <a:lstStyle/>
+          <a:p>
+            <a:r>
+              <a:rPr lang="en-US" altLang="ja-JP" sz="2000" b="1" dirty="0"/>
+              <a:t>(</a:t>
+            </a:r>
+            <a:r>
+              <a:rPr lang="ja-JP" altLang="en-US" sz="2000" b="1"/>
+              <a:t>保存されない</a:t>
+            </a:r>
+            <a:r>
+              <a:rPr lang="en-US" altLang="ja-JP" sz="2000" b="1" dirty="0"/>
+              <a:t>)</a:t>
+            </a:r>
+            <a:endParaRPr lang="en-US" sz="2000" b="1" dirty="0"/>
+          </a:p>
+        </p:txBody>
+      </p:sp>
+      <p:pic>
+        <p:nvPicPr>
+          <p:cNvPr id="25" name="Picture 24">
+            <a:extLst>
+              <a:ext uri="{FF2B5EF4-FFF2-40B4-BE49-F238E27FC236}">
+                <a16:creationId xmlns:a16="http://schemas.microsoft.com/office/drawing/2014/main" id="{0DEA37CD-E4C6-8D43-919E-6FFCE07BE61D}"/>
+              </a:ext>
+            </a:extLst>
+          </p:cNvPr>
+          <p:cNvPicPr>
+            <a:picLocks noChangeAspect="1"/>
+          </p:cNvPicPr>
+          <p:nvPr/>
+        </p:nvPicPr>
+        <p:blipFill>
+          <a:blip r:embed="rId3">
+            <a:extLst>
+              <a:ext uri="{28A0092B-C50C-407E-A947-70E740481C1C}">
+                <a14:useLocalDpi xmlns:a14="http://schemas.microsoft.com/office/drawing/2010/main" val="0"/>
+              </a:ext>
+            </a:extLst>
+          </a:blip>
+          <a:stretch>
+            <a:fillRect/>
+          </a:stretch>
+        </p:blipFill>
+        <p:spPr>
+          <a:xfrm>
+            <a:off x="7024554" y="4570613"/>
+            <a:ext cx="2101446" cy="2101446"/>
+          </a:xfrm>
+          <a:prstGeom prst="rect">
+            <a:avLst/>
+          </a:prstGeom>
+        </p:spPr>
+      </p:pic>
+      <p:sp>
+        <p:nvSpPr>
+          <p:cNvPr id="26" name="TextBox 25">
+            <a:extLst>
+              <a:ext uri="{FF2B5EF4-FFF2-40B4-BE49-F238E27FC236}">
+                <a16:creationId xmlns:a16="http://schemas.microsoft.com/office/drawing/2014/main" id="{CC0DBD6C-AC24-F449-9B09-7AE4D791D1DB}"/>
+              </a:ext>
+            </a:extLst>
+          </p:cNvPr>
+          <p:cNvSpPr txBox="1"/>
+          <p:nvPr/>
+        </p:nvSpPr>
+        <p:spPr>
+          <a:xfrm>
+            <a:off x="8946413" y="5436670"/>
+            <a:ext cx="954107" cy="400110"/>
+          </a:xfrm>
+          <a:prstGeom prst="rect">
+            <a:avLst/>
+          </a:prstGeom>
+          <a:noFill/>
+        </p:spPr>
+        <p:txBody>
+          <a:bodyPr wrap="none" rtlCol="0">
+            <a:spAutoFit/>
+          </a:bodyPr>
+          <a:lstStyle/>
+          <a:p>
+            <a:r>
+              <a:rPr lang="ja-JP" altLang="en-US" sz="2000" b="1"/>
+              <a:t>管理者</a:t>
+            </a:r>
+            <a:endParaRPr lang="en-US" sz="2000" b="1" dirty="0"/>
+          </a:p>
+        </p:txBody>
+      </p:sp>
+      <p:sp>
+        <p:nvSpPr>
+          <p:cNvPr id="27" name="TextBox 26">
+            <a:extLst>
+              <a:ext uri="{FF2B5EF4-FFF2-40B4-BE49-F238E27FC236}">
+                <a16:creationId xmlns:a16="http://schemas.microsoft.com/office/drawing/2014/main" id="{478F7C2A-8026-6345-9F6B-A264FCED88C6}"/>
+              </a:ext>
+            </a:extLst>
+          </p:cNvPr>
+          <p:cNvSpPr txBox="1"/>
+          <p:nvPr/>
+        </p:nvSpPr>
+        <p:spPr>
+          <a:xfrm>
+            <a:off x="8946413" y="798185"/>
+            <a:ext cx="1467068" cy="400110"/>
+          </a:xfrm>
+          <a:prstGeom prst="rect">
+            <a:avLst/>
+          </a:prstGeom>
+          <a:noFill/>
+        </p:spPr>
+        <p:txBody>
+          <a:bodyPr wrap="none" rtlCol="0">
+            <a:spAutoFit/>
+          </a:bodyPr>
+          <a:lstStyle/>
+          <a:p>
+            <a:r>
+              <a:rPr lang="ja-JP" altLang="en-US" sz="2000" b="1"/>
+              <a:t>機器の動作</a:t>
+            </a:r>
+            <a:endParaRPr lang="en-US" sz="2000" b="1" dirty="0"/>
+          </a:p>
+        </p:txBody>
+      </p:sp>
+      <p:sp>
+        <p:nvSpPr>
+          <p:cNvPr id="28" name="TextBox 27">
+            <a:extLst>
+              <a:ext uri="{FF2B5EF4-FFF2-40B4-BE49-F238E27FC236}">
+                <a16:creationId xmlns:a16="http://schemas.microsoft.com/office/drawing/2014/main" id="{290CB6B5-5161-BB4E-B2D5-A31C15B838EC}"/>
+              </a:ext>
+            </a:extLst>
+          </p:cNvPr>
+          <p:cNvSpPr txBox="1"/>
+          <p:nvPr/>
+        </p:nvSpPr>
+        <p:spPr>
+          <a:xfrm>
+            <a:off x="8381487" y="4170503"/>
+            <a:ext cx="1467068" cy="400110"/>
+          </a:xfrm>
+          <a:prstGeom prst="rect">
+            <a:avLst/>
+          </a:prstGeom>
+          <a:noFill/>
+        </p:spPr>
+        <p:txBody>
+          <a:bodyPr wrap="none" rtlCol="0">
+            <a:spAutoFit/>
+          </a:bodyPr>
+          <a:lstStyle/>
+          <a:p>
+            <a:r>
+              <a:rPr lang="ja-JP" altLang="en-US" sz="2000" b="1"/>
+              <a:t>設定の変更</a:t>
+            </a:r>
+            <a:endParaRPr lang="en-US" sz="2000" b="1" dirty="0"/>
+          </a:p>
+        </p:txBody>
+      </p:sp>
+    </p:spTree>
+    <p:extLst>
+      <p:ext uri="{BB962C8B-B14F-4D97-AF65-F5344CB8AC3E}">
+        <p14:creationId xmlns:p14="http://schemas.microsoft.com/office/powerpoint/2010/main" val="2668809434"/>
       </p:ext>
     </p:extLst>
   </p:cSld>

--- a/slides/0020.pptx
+++ b/slides/0020.pptx
@@ -265,7 +265,7 @@
           <a:p>
             <a:fld id="{5AEC58D5-D0FD-5D43-AC21-2C9A8E377766}" type="datetimeFigureOut">
               <a:rPr lang="en-US" smtClean="0"/>
-              <a:t>4/13/18</a:t>
+              <a:t>7/22/18</a:t>
             </a:fld>
             <a:endParaRPr lang="en-US"/>
           </a:p>
@@ -463,7 +463,7 @@
           <a:p>
             <a:fld id="{5AEC58D5-D0FD-5D43-AC21-2C9A8E377766}" type="datetimeFigureOut">
               <a:rPr lang="en-US" smtClean="0"/>
-              <a:t>4/13/18</a:t>
+              <a:t>7/22/18</a:t>
             </a:fld>
             <a:endParaRPr lang="en-US"/>
           </a:p>
@@ -671,7 +671,7 @@
           <a:p>
             <a:fld id="{5AEC58D5-D0FD-5D43-AC21-2C9A8E377766}" type="datetimeFigureOut">
               <a:rPr lang="en-US" smtClean="0"/>
-              <a:t>4/13/18</a:t>
+              <a:t>7/22/18</a:t>
             </a:fld>
             <a:endParaRPr lang="en-US"/>
           </a:p>
@@ -869,7 +869,7 @@
           <a:p>
             <a:fld id="{5AEC58D5-D0FD-5D43-AC21-2C9A8E377766}" type="datetimeFigureOut">
               <a:rPr lang="en-US" smtClean="0"/>
-              <a:t>4/13/18</a:t>
+              <a:t>7/22/18</a:t>
             </a:fld>
             <a:endParaRPr lang="en-US"/>
           </a:p>
@@ -1144,7 +1144,7 @@
           <a:p>
             <a:fld id="{5AEC58D5-D0FD-5D43-AC21-2C9A8E377766}" type="datetimeFigureOut">
               <a:rPr lang="en-US" smtClean="0"/>
-              <a:t>4/13/18</a:t>
+              <a:t>7/22/18</a:t>
             </a:fld>
             <a:endParaRPr lang="en-US"/>
           </a:p>
@@ -1409,7 +1409,7 @@
           <a:p>
             <a:fld id="{5AEC58D5-D0FD-5D43-AC21-2C9A8E377766}" type="datetimeFigureOut">
               <a:rPr lang="en-US" smtClean="0"/>
-              <a:t>4/13/18</a:t>
+              <a:t>7/22/18</a:t>
             </a:fld>
             <a:endParaRPr lang="en-US"/>
           </a:p>
@@ -1821,7 +1821,7 @@
           <a:p>
             <a:fld id="{5AEC58D5-D0FD-5D43-AC21-2C9A8E377766}" type="datetimeFigureOut">
               <a:rPr lang="en-US" smtClean="0"/>
-              <a:t>4/13/18</a:t>
+              <a:t>7/22/18</a:t>
             </a:fld>
             <a:endParaRPr lang="en-US"/>
           </a:p>
@@ -1962,7 +1962,7 @@
           <a:p>
             <a:fld id="{5AEC58D5-D0FD-5D43-AC21-2C9A8E377766}" type="datetimeFigureOut">
               <a:rPr lang="en-US" smtClean="0"/>
-              <a:t>4/13/18</a:t>
+              <a:t>7/22/18</a:t>
             </a:fld>
             <a:endParaRPr lang="en-US"/>
           </a:p>
@@ -2075,7 +2075,7 @@
           <a:p>
             <a:fld id="{5AEC58D5-D0FD-5D43-AC21-2C9A8E377766}" type="datetimeFigureOut">
               <a:rPr lang="en-US" smtClean="0"/>
-              <a:t>4/13/18</a:t>
+              <a:t>7/22/18</a:t>
             </a:fld>
             <a:endParaRPr lang="en-US"/>
           </a:p>
@@ -2386,7 +2386,7 @@
           <a:p>
             <a:fld id="{5AEC58D5-D0FD-5D43-AC21-2C9A8E377766}" type="datetimeFigureOut">
               <a:rPr lang="en-US" smtClean="0"/>
-              <a:t>4/13/18</a:t>
+              <a:t>7/22/18</a:t>
             </a:fld>
             <a:endParaRPr lang="en-US"/>
           </a:p>
@@ -2674,7 +2674,7 @@
           <a:p>
             <a:fld id="{5AEC58D5-D0FD-5D43-AC21-2C9A8E377766}" type="datetimeFigureOut">
               <a:rPr lang="en-US" smtClean="0"/>
-              <a:t>4/13/18</a:t>
+              <a:t>7/22/18</a:t>
             </a:fld>
             <a:endParaRPr lang="en-US"/>
           </a:p>
@@ -2915,7 +2915,7 @@
           <a:p>
             <a:fld id="{5AEC58D5-D0FD-5D43-AC21-2C9A8E377766}" type="datetimeFigureOut">
               <a:rPr lang="en-US" smtClean="0"/>
-              <a:t>4/13/18</a:t>
+              <a:t>7/22/18</a:t>
             </a:fld>
             <a:endParaRPr lang="en-US"/>
           </a:p>
@@ -7018,7 +7018,7 @@
         <p:spPr>
           <a:xfrm>
             <a:off x="4585902" y="2504676"/>
-            <a:ext cx="1441420" cy="646331"/>
+            <a:ext cx="1661032" cy="646331"/>
           </a:xfrm>
           <a:prstGeom prst="rect">
             <a:avLst/>
@@ -7032,13 +7032,19 @@
           <a:lstStyle/>
           <a:p>
             <a:r>
-              <a:rPr lang="en-US" dirty="0"/>
+              <a:rPr lang="en-US" b="1" dirty="0">
+                <a:latin typeface="Yu Gothic" panose="020B0400000000000000" pitchFamily="34" charset="-128"/>
+                <a:ea typeface="Yu Gothic" panose="020B0400000000000000" pitchFamily="34" charset="-128"/>
+              </a:rPr>
               <a:t>IF: g0/1</a:t>
             </a:r>
           </a:p>
           <a:p>
             <a:r>
-              <a:rPr lang="en-US" dirty="0"/>
+              <a:rPr lang="en-US" b="1" dirty="0">
+                <a:latin typeface="Yu Gothic" panose="020B0400000000000000" pitchFamily="34" charset="-128"/>
+                <a:ea typeface="Yu Gothic" panose="020B0400000000000000" pitchFamily="34" charset="-128"/>
+              </a:rPr>
               <a:t>IP: 10.0.0.1/8</a:t>
             </a:r>
           </a:p>
@@ -7058,8 +7064,8 @@
         </p:nvSpPr>
         <p:spPr>
           <a:xfrm>
-            <a:off x="6027322" y="3377973"/>
-            <a:ext cx="1441420" cy="646331"/>
+            <a:off x="5833594" y="3418257"/>
+            <a:ext cx="1661032" cy="646331"/>
           </a:xfrm>
           <a:prstGeom prst="rect">
             <a:avLst/>
@@ -7073,13 +7079,19 @@
           <a:lstStyle/>
           <a:p>
             <a:r>
-              <a:rPr lang="en-US" dirty="0"/>
+              <a:rPr lang="en-US" b="1" dirty="0">
+                <a:latin typeface="Yu Gothic" panose="020B0400000000000000" pitchFamily="34" charset="-128"/>
+                <a:ea typeface="Yu Gothic" panose="020B0400000000000000" pitchFamily="34" charset="-128"/>
+              </a:rPr>
               <a:t>IF: g0/1</a:t>
             </a:r>
           </a:p>
           <a:p>
             <a:r>
-              <a:rPr lang="en-US" dirty="0"/>
+              <a:rPr lang="en-US" b="1" dirty="0">
+                <a:latin typeface="Yu Gothic" panose="020B0400000000000000" pitchFamily="34" charset="-128"/>
+                <a:ea typeface="Yu Gothic" panose="020B0400000000000000" pitchFamily="34" charset="-128"/>
+              </a:rPr>
               <a:t>IP: 10.0.0.2/8</a:t>
             </a:r>
           </a:p>
@@ -9654,7 +9666,7 @@
         <p:spPr>
           <a:xfrm>
             <a:off x="4653278" y="1020902"/>
-            <a:ext cx="1441420" cy="646331"/>
+            <a:ext cx="1661032" cy="646331"/>
           </a:xfrm>
           <a:prstGeom prst="rect">
             <a:avLst/>
@@ -9668,13 +9680,19 @@
           <a:lstStyle/>
           <a:p>
             <a:r>
-              <a:rPr lang="en-US" dirty="0"/>
+              <a:rPr lang="en-US" b="1" dirty="0">
+                <a:latin typeface="Yu Gothic" panose="020B0400000000000000" pitchFamily="34" charset="-128"/>
+                <a:ea typeface="Yu Gothic" panose="020B0400000000000000" pitchFamily="34" charset="-128"/>
+              </a:rPr>
               <a:t>IF: g0/1</a:t>
             </a:r>
           </a:p>
           <a:p>
             <a:r>
-              <a:rPr lang="en-US" dirty="0"/>
+              <a:rPr lang="en-US" b="1" dirty="0">
+                <a:latin typeface="Yu Gothic" panose="020B0400000000000000" pitchFamily="34" charset="-128"/>
+                <a:ea typeface="Yu Gothic" panose="020B0400000000000000" pitchFamily="34" charset="-128"/>
+              </a:rPr>
               <a:t>IP: 10.0.0.1/8</a:t>
             </a:r>
           </a:p>
@@ -9694,8 +9712,8 @@
         </p:nvSpPr>
         <p:spPr>
           <a:xfrm>
-            <a:off x="6094698" y="1894199"/>
-            <a:ext cx="1441420" cy="646331"/>
+            <a:off x="5916467" y="1906975"/>
+            <a:ext cx="1661032" cy="646331"/>
           </a:xfrm>
           <a:prstGeom prst="rect">
             <a:avLst/>
@@ -9709,13 +9727,19 @@
           <a:lstStyle/>
           <a:p>
             <a:r>
-              <a:rPr lang="en-US" dirty="0"/>
+              <a:rPr lang="en-US" b="1" dirty="0">
+                <a:latin typeface="Yu Gothic" panose="020B0400000000000000" pitchFamily="34" charset="-128"/>
+                <a:ea typeface="Yu Gothic" panose="020B0400000000000000" pitchFamily="34" charset="-128"/>
+              </a:rPr>
               <a:t>IF: g0/1</a:t>
             </a:r>
           </a:p>
           <a:p>
             <a:r>
-              <a:rPr lang="en-US" dirty="0"/>
+              <a:rPr lang="en-US" b="1" dirty="0">
+                <a:latin typeface="Yu Gothic" panose="020B0400000000000000" pitchFamily="34" charset="-128"/>
+                <a:ea typeface="Yu Gothic" panose="020B0400000000000000" pitchFamily="34" charset="-128"/>
+              </a:rPr>
               <a:t>IP: 10.0.0.2/8</a:t>
             </a:r>
           </a:p>
@@ -10105,8 +10129,8 @@
         </p:nvSpPr>
         <p:spPr>
           <a:xfrm>
-            <a:off x="1365983" y="2464068"/>
-            <a:ext cx="2012484" cy="1414914"/>
+            <a:off x="869521" y="2458547"/>
+            <a:ext cx="2758535" cy="1414914"/>
           </a:xfrm>
           <a:prstGeom prst="rect">
             <a:avLst/>
@@ -10157,7 +10181,7 @@
         </p:nvSpPr>
         <p:spPr>
           <a:xfrm>
-            <a:off x="1383813" y="2743545"/>
+            <a:off x="1260376" y="2533521"/>
             <a:ext cx="1976823" cy="461665"/>
           </a:xfrm>
           <a:prstGeom prst="rect">
@@ -10192,8 +10216,8 @@
         </p:nvSpPr>
         <p:spPr>
           <a:xfrm>
-            <a:off x="1558539" y="3141987"/>
-            <a:ext cx="1627369" cy="400110"/>
+            <a:off x="844027" y="3130065"/>
+            <a:ext cx="2829621" cy="707886"/>
           </a:xfrm>
           <a:prstGeom prst="rect">
             <a:avLst/>
@@ -10206,13 +10230,22 @@
           </a:bodyPr>
           <a:lstStyle/>
           <a:p>
+            <a:pPr algn="ctr"/>
             <a:r>
               <a:rPr lang="en-US" altLang="ja-JP" sz="2000" b="1" dirty="0"/>
               <a:t>(</a:t>
             </a:r>
             <a:r>
               <a:rPr lang="ja-JP" altLang="en-US" sz="2000" b="1"/>
-              <a:t>保存される</a:t>
+              <a:t>保存され再起動後に</a:t>
+            </a:r>
+            <a:endParaRPr lang="en-US" altLang="ja-JP" sz="2000" b="1" dirty="0"/>
+          </a:p>
+          <a:p>
+            <a:pPr algn="ctr"/>
+            <a:r>
+              <a:rPr lang="ja-JP" altLang="en-US" sz="2000" b="1"/>
+              <a:t>読み込んで利用される</a:t>
             </a:r>
             <a:r>
               <a:rPr lang="en-US" altLang="ja-JP" sz="2000" b="1" dirty="0"/>
@@ -10522,7 +10555,7 @@
         </p:nvSpPr>
         <p:spPr>
           <a:xfrm>
-            <a:off x="7081786" y="2743543"/>
+            <a:off x="7081786" y="2509212"/>
             <a:ext cx="2044214" cy="461665"/>
           </a:xfrm>
           <a:prstGeom prst="rect">
@@ -10558,7 +10591,7 @@
         <p:spPr>
           <a:xfrm>
             <a:off x="7190872" y="3141985"/>
-            <a:ext cx="1883849" cy="400110"/>
+            <a:ext cx="1803699" cy="707886"/>
           </a:xfrm>
           <a:prstGeom prst="rect">
             <a:avLst/>
@@ -10575,6 +10608,13 @@
               <a:rPr lang="en-US" altLang="ja-JP" sz="2000" b="1" dirty="0"/>
               <a:t>(</a:t>
             </a:r>
+            <a:r>
+              <a:rPr lang="ja-JP" altLang="en-US" sz="2000" b="1"/>
+              <a:t>電源オフ時に</a:t>
+            </a:r>
+            <a:endParaRPr lang="en-US" altLang="ja-JP" sz="2000" b="1" dirty="0"/>
+          </a:p>
+          <a:p>
             <a:r>
               <a:rPr lang="ja-JP" altLang="en-US" sz="2000" b="1"/>
               <a:t>保存されない</a:t>

--- a/slides/0020.pptx
+++ b/slides/0020.pptx
@@ -265,7 +265,7 @@
           <a:p>
             <a:fld id="{5AEC58D5-D0FD-5D43-AC21-2C9A8E377766}" type="datetimeFigureOut">
               <a:rPr lang="en-US" smtClean="0"/>
-              <a:t>7/22/18</a:t>
+              <a:t>7/31/18</a:t>
             </a:fld>
             <a:endParaRPr lang="en-US"/>
           </a:p>
@@ -463,7 +463,7 @@
           <a:p>
             <a:fld id="{5AEC58D5-D0FD-5D43-AC21-2C9A8E377766}" type="datetimeFigureOut">
               <a:rPr lang="en-US" smtClean="0"/>
-              <a:t>7/22/18</a:t>
+              <a:t>7/31/18</a:t>
             </a:fld>
             <a:endParaRPr lang="en-US"/>
           </a:p>
@@ -671,7 +671,7 @@
           <a:p>
             <a:fld id="{5AEC58D5-D0FD-5D43-AC21-2C9A8E377766}" type="datetimeFigureOut">
               <a:rPr lang="en-US" smtClean="0"/>
-              <a:t>7/22/18</a:t>
+              <a:t>7/31/18</a:t>
             </a:fld>
             <a:endParaRPr lang="en-US"/>
           </a:p>
@@ -869,7 +869,7 @@
           <a:p>
             <a:fld id="{5AEC58D5-D0FD-5D43-AC21-2C9A8E377766}" type="datetimeFigureOut">
               <a:rPr lang="en-US" smtClean="0"/>
-              <a:t>7/22/18</a:t>
+              <a:t>7/31/18</a:t>
             </a:fld>
             <a:endParaRPr lang="en-US"/>
           </a:p>
@@ -1144,7 +1144,7 @@
           <a:p>
             <a:fld id="{5AEC58D5-D0FD-5D43-AC21-2C9A8E377766}" type="datetimeFigureOut">
               <a:rPr lang="en-US" smtClean="0"/>
-              <a:t>7/22/18</a:t>
+              <a:t>7/31/18</a:t>
             </a:fld>
             <a:endParaRPr lang="en-US"/>
           </a:p>
@@ -1409,7 +1409,7 @@
           <a:p>
             <a:fld id="{5AEC58D5-D0FD-5D43-AC21-2C9A8E377766}" type="datetimeFigureOut">
               <a:rPr lang="en-US" smtClean="0"/>
-              <a:t>7/22/18</a:t>
+              <a:t>7/31/18</a:t>
             </a:fld>
             <a:endParaRPr lang="en-US"/>
           </a:p>
@@ -1821,7 +1821,7 @@
           <a:p>
             <a:fld id="{5AEC58D5-D0FD-5D43-AC21-2C9A8E377766}" type="datetimeFigureOut">
               <a:rPr lang="en-US" smtClean="0"/>
-              <a:t>7/22/18</a:t>
+              <a:t>7/31/18</a:t>
             </a:fld>
             <a:endParaRPr lang="en-US"/>
           </a:p>
@@ -1962,7 +1962,7 @@
           <a:p>
             <a:fld id="{5AEC58D5-D0FD-5D43-AC21-2C9A8E377766}" type="datetimeFigureOut">
               <a:rPr lang="en-US" smtClean="0"/>
-              <a:t>7/22/18</a:t>
+              <a:t>7/31/18</a:t>
             </a:fld>
             <a:endParaRPr lang="en-US"/>
           </a:p>
@@ -2075,7 +2075,7 @@
           <a:p>
             <a:fld id="{5AEC58D5-D0FD-5D43-AC21-2C9A8E377766}" type="datetimeFigureOut">
               <a:rPr lang="en-US" smtClean="0"/>
-              <a:t>7/22/18</a:t>
+              <a:t>7/31/18</a:t>
             </a:fld>
             <a:endParaRPr lang="en-US"/>
           </a:p>
@@ -2386,7 +2386,7 @@
           <a:p>
             <a:fld id="{5AEC58D5-D0FD-5D43-AC21-2C9A8E377766}" type="datetimeFigureOut">
               <a:rPr lang="en-US" smtClean="0"/>
-              <a:t>7/22/18</a:t>
+              <a:t>7/31/18</a:t>
             </a:fld>
             <a:endParaRPr lang="en-US"/>
           </a:p>
@@ -2674,7 +2674,7 @@
           <a:p>
             <a:fld id="{5AEC58D5-D0FD-5D43-AC21-2C9A8E377766}" type="datetimeFigureOut">
               <a:rPr lang="en-US" smtClean="0"/>
-              <a:t>7/22/18</a:t>
+              <a:t>7/31/18</a:t>
             </a:fld>
             <a:endParaRPr lang="en-US"/>
           </a:p>
@@ -2915,7 +2915,7 @@
           <a:p>
             <a:fld id="{5AEC58D5-D0FD-5D43-AC21-2C9A8E377766}" type="datetimeFigureOut">
               <a:rPr lang="en-US" smtClean="0"/>
-              <a:t>7/22/18</a:t>
+              <a:t>7/31/18</a:t>
             </a:fld>
             <a:endParaRPr lang="en-US"/>
           </a:p>
@@ -3346,8 +3346,8 @@
         </p:nvSpPr>
         <p:spPr>
           <a:xfrm>
-            <a:off x="5890660" y="2704699"/>
-            <a:ext cx="5274644" cy="1193534"/>
+            <a:off x="8593809" y="2946937"/>
+            <a:ext cx="3307664" cy="1193534"/>
           </a:xfrm>
           <a:prstGeom prst="rect">
             <a:avLst/>
@@ -3383,7 +3383,10 @@
           <a:lstStyle/>
           <a:p>
             <a:pPr algn="ctr"/>
-            <a:endParaRPr lang="en-US"/>
+            <a:endParaRPr lang="en-US">
+              <a:latin typeface="Yu Gothic" panose="020B0400000000000000" pitchFamily="34" charset="-128"/>
+              <a:ea typeface="Yu Gothic" panose="020B0400000000000000" pitchFamily="34" charset="-128"/>
+            </a:endParaRPr>
           </a:p>
         </p:txBody>
       </p:sp>
@@ -3401,7 +3404,7 @@
         </p:nvSpPr>
         <p:spPr>
           <a:xfrm>
-            <a:off x="6918959" y="2849076"/>
+            <a:off x="9731901" y="3089134"/>
             <a:ext cx="423512" cy="423512"/>
           </a:xfrm>
           <a:prstGeom prst="rect">
@@ -3437,16 +3440,19 @@
           <a:lstStyle/>
           <a:p>
             <a:pPr algn="ctr"/>
-            <a:endParaRPr lang="en-US"/>
-          </a:p>
-        </p:txBody>
-      </p:sp>
-      <p:sp>
-        <p:nvSpPr>
-          <p:cNvPr id="7" name="Rectangle 6">
-            <a:extLst>
-              <a:ext uri="{FF2B5EF4-FFF2-40B4-BE49-F238E27FC236}">
-                <a16:creationId xmlns:a16="http://schemas.microsoft.com/office/drawing/2014/main" id="{4EB78050-EE20-1A4E-8315-F16AF3E7E5AE}"/>
+            <a:endParaRPr lang="en-US">
+              <a:latin typeface="Yu Gothic" panose="020B0400000000000000" pitchFamily="34" charset="-128"/>
+              <a:ea typeface="Yu Gothic" panose="020B0400000000000000" pitchFamily="34" charset="-128"/>
+            </a:endParaRPr>
+          </a:p>
+        </p:txBody>
+      </p:sp>
+      <p:sp>
+        <p:nvSpPr>
+          <p:cNvPr id="8" name="Rectangle 7">
+            <a:extLst>
+              <a:ext uri="{FF2B5EF4-FFF2-40B4-BE49-F238E27FC236}">
+                <a16:creationId xmlns:a16="http://schemas.microsoft.com/office/drawing/2014/main" id="{55DD4A57-5654-F946-9A9B-C311E3EC50B8}"/>
               </a:ext>
             </a:extLst>
           </p:cNvPr>
@@ -3455,7 +3461,7 @@
         </p:nvSpPr>
         <p:spPr>
           <a:xfrm>
-            <a:off x="6918959" y="3344778"/>
+            <a:off x="10230811" y="3089134"/>
             <a:ext cx="423512" cy="423512"/>
           </a:xfrm>
           <a:prstGeom prst="rect">
@@ -3491,16 +3497,19 @@
           <a:lstStyle/>
           <a:p>
             <a:pPr algn="ctr"/>
-            <a:endParaRPr lang="en-US"/>
-          </a:p>
-        </p:txBody>
-      </p:sp>
-      <p:sp>
-        <p:nvSpPr>
-          <p:cNvPr id="8" name="Rectangle 7">
-            <a:extLst>
-              <a:ext uri="{FF2B5EF4-FFF2-40B4-BE49-F238E27FC236}">
-                <a16:creationId xmlns:a16="http://schemas.microsoft.com/office/drawing/2014/main" id="{55DD4A57-5654-F946-9A9B-C311E3EC50B8}"/>
+            <a:endParaRPr lang="en-US">
+              <a:latin typeface="Yu Gothic" panose="020B0400000000000000" pitchFamily="34" charset="-128"/>
+              <a:ea typeface="Yu Gothic" panose="020B0400000000000000" pitchFamily="34" charset="-128"/>
+            </a:endParaRPr>
+          </a:p>
+        </p:txBody>
+      </p:sp>
+      <p:sp>
+        <p:nvSpPr>
+          <p:cNvPr id="9" name="Rectangle 8">
+            <a:extLst>
+              <a:ext uri="{FF2B5EF4-FFF2-40B4-BE49-F238E27FC236}">
+                <a16:creationId xmlns:a16="http://schemas.microsoft.com/office/drawing/2014/main" id="{3C649446-F0D1-3E44-AA1D-696E6878DFA5}"/>
               </a:ext>
             </a:extLst>
           </p:cNvPr>
@@ -3509,7 +3518,7 @@
         </p:nvSpPr>
         <p:spPr>
           <a:xfrm>
-            <a:off x="7417869" y="2849076"/>
+            <a:off x="10230810" y="3580022"/>
             <a:ext cx="423512" cy="423512"/>
           </a:xfrm>
           <a:prstGeom prst="rect">
@@ -3545,16 +3554,19 @@
           <a:lstStyle/>
           <a:p>
             <a:pPr algn="ctr"/>
-            <a:endParaRPr lang="en-US"/>
-          </a:p>
-        </p:txBody>
-      </p:sp>
-      <p:sp>
-        <p:nvSpPr>
-          <p:cNvPr id="9" name="Rectangle 8">
-            <a:extLst>
-              <a:ext uri="{FF2B5EF4-FFF2-40B4-BE49-F238E27FC236}">
-                <a16:creationId xmlns:a16="http://schemas.microsoft.com/office/drawing/2014/main" id="{3C649446-F0D1-3E44-AA1D-696E6878DFA5}"/>
+            <a:endParaRPr lang="en-US">
+              <a:latin typeface="Yu Gothic" panose="020B0400000000000000" pitchFamily="34" charset="-128"/>
+              <a:ea typeface="Yu Gothic" panose="020B0400000000000000" pitchFamily="34" charset="-128"/>
+            </a:endParaRPr>
+          </a:p>
+        </p:txBody>
+      </p:sp>
+      <p:sp>
+        <p:nvSpPr>
+          <p:cNvPr id="10" name="Rectangle 9">
+            <a:extLst>
+              <a:ext uri="{FF2B5EF4-FFF2-40B4-BE49-F238E27FC236}">
+                <a16:creationId xmlns:a16="http://schemas.microsoft.com/office/drawing/2014/main" id="{A679CF0E-FE92-5746-8227-007711D2AC2C}"/>
               </a:ext>
             </a:extLst>
           </p:cNvPr>
@@ -3563,7 +3575,7 @@
         </p:nvSpPr>
         <p:spPr>
           <a:xfrm>
-            <a:off x="7417868" y="3339964"/>
+            <a:off x="10736136" y="3089134"/>
             <a:ext cx="423512" cy="423512"/>
           </a:xfrm>
           <a:prstGeom prst="rect">
@@ -3599,16 +3611,19 @@
           <a:lstStyle/>
           <a:p>
             <a:pPr algn="ctr"/>
-            <a:endParaRPr lang="en-US"/>
-          </a:p>
-        </p:txBody>
-      </p:sp>
-      <p:sp>
-        <p:nvSpPr>
-          <p:cNvPr id="10" name="Rectangle 9">
-            <a:extLst>
-              <a:ext uri="{FF2B5EF4-FFF2-40B4-BE49-F238E27FC236}">
-                <a16:creationId xmlns:a16="http://schemas.microsoft.com/office/drawing/2014/main" id="{A679CF0E-FE92-5746-8227-007711D2AC2C}"/>
+            <a:endParaRPr lang="en-US">
+              <a:latin typeface="Yu Gothic" panose="020B0400000000000000" pitchFamily="34" charset="-128"/>
+              <a:ea typeface="Yu Gothic" panose="020B0400000000000000" pitchFamily="34" charset="-128"/>
+            </a:endParaRPr>
+          </a:p>
+        </p:txBody>
+      </p:sp>
+      <p:sp>
+        <p:nvSpPr>
+          <p:cNvPr id="12" name="Rectangle 11">
+            <a:extLst>
+              <a:ext uri="{FF2B5EF4-FFF2-40B4-BE49-F238E27FC236}">
+                <a16:creationId xmlns:a16="http://schemas.microsoft.com/office/drawing/2014/main" id="{8A2728AD-E495-6441-B75A-84B4E900B58E}"/>
               </a:ext>
             </a:extLst>
           </p:cNvPr>
@@ -3617,7 +3632,7 @@
         </p:nvSpPr>
         <p:spPr>
           <a:xfrm>
-            <a:off x="7923194" y="2849076"/>
+            <a:off x="11235046" y="3089134"/>
             <a:ext cx="423512" cy="423512"/>
           </a:xfrm>
           <a:prstGeom prst="rect">
@@ -3653,547 +3668,10 @@
           <a:lstStyle/>
           <a:p>
             <a:pPr algn="ctr"/>
-            <a:endParaRPr lang="en-US"/>
-          </a:p>
-        </p:txBody>
-      </p:sp>
-      <p:sp>
-        <p:nvSpPr>
-          <p:cNvPr id="11" name="Rectangle 10">
-            <a:extLst>
-              <a:ext uri="{FF2B5EF4-FFF2-40B4-BE49-F238E27FC236}">
-                <a16:creationId xmlns:a16="http://schemas.microsoft.com/office/drawing/2014/main" id="{1699A5E1-0D8F-8645-9E13-45185C12E486}"/>
-              </a:ext>
-            </a:extLst>
-          </p:cNvPr>
-          <p:cNvSpPr/>
-          <p:nvPr/>
-        </p:nvSpPr>
-        <p:spPr>
-          <a:xfrm>
-            <a:off x="7923194" y="3344778"/>
-            <a:ext cx="423512" cy="423512"/>
-          </a:xfrm>
-          <a:prstGeom prst="rect">
-            <a:avLst/>
-          </a:prstGeom>
-          <a:solidFill>
-            <a:schemeClr val="accent2"/>
-          </a:solidFill>
-          <a:ln w="38100">
-            <a:solidFill>
-              <a:schemeClr val="bg1"/>
-            </a:solidFill>
-          </a:ln>
-        </p:spPr>
-        <p:style>
-          <a:lnRef idx="2">
-            <a:schemeClr val="accent1">
-              <a:shade val="50000"/>
-            </a:schemeClr>
-          </a:lnRef>
-          <a:fillRef idx="1">
-            <a:schemeClr val="accent1"/>
-          </a:fillRef>
-          <a:effectRef idx="0">
-            <a:schemeClr val="accent1"/>
-          </a:effectRef>
-          <a:fontRef idx="minor">
-            <a:schemeClr val="lt1"/>
-          </a:fontRef>
-        </p:style>
-        <p:txBody>
-          <a:bodyPr rtlCol="0" anchor="ctr"/>
-          <a:lstStyle/>
-          <a:p>
-            <a:pPr algn="ctr"/>
-            <a:endParaRPr lang="en-US"/>
-          </a:p>
-        </p:txBody>
-      </p:sp>
-      <p:sp>
-        <p:nvSpPr>
-          <p:cNvPr id="12" name="Rectangle 11">
-            <a:extLst>
-              <a:ext uri="{FF2B5EF4-FFF2-40B4-BE49-F238E27FC236}">
-                <a16:creationId xmlns:a16="http://schemas.microsoft.com/office/drawing/2014/main" id="{8A2728AD-E495-6441-B75A-84B4E900B58E}"/>
-              </a:ext>
-            </a:extLst>
-          </p:cNvPr>
-          <p:cNvSpPr/>
-          <p:nvPr/>
-        </p:nvSpPr>
-        <p:spPr>
-          <a:xfrm>
-            <a:off x="8422104" y="2849076"/>
-            <a:ext cx="423512" cy="423512"/>
-          </a:xfrm>
-          <a:prstGeom prst="rect">
-            <a:avLst/>
-          </a:prstGeom>
-          <a:solidFill>
-            <a:schemeClr val="accent2"/>
-          </a:solidFill>
-          <a:ln w="38100">
-            <a:solidFill>
-              <a:schemeClr val="bg1"/>
-            </a:solidFill>
-          </a:ln>
-        </p:spPr>
-        <p:style>
-          <a:lnRef idx="2">
-            <a:schemeClr val="accent1">
-              <a:shade val="50000"/>
-            </a:schemeClr>
-          </a:lnRef>
-          <a:fillRef idx="1">
-            <a:schemeClr val="accent1"/>
-          </a:fillRef>
-          <a:effectRef idx="0">
-            <a:schemeClr val="accent1"/>
-          </a:effectRef>
-          <a:fontRef idx="minor">
-            <a:schemeClr val="lt1"/>
-          </a:fontRef>
-        </p:style>
-        <p:txBody>
-          <a:bodyPr rtlCol="0" anchor="ctr"/>
-          <a:lstStyle/>
-          <a:p>
-            <a:pPr algn="ctr"/>
-            <a:endParaRPr lang="en-US"/>
-          </a:p>
-        </p:txBody>
-      </p:sp>
-      <p:sp>
-        <p:nvSpPr>
-          <p:cNvPr id="13" name="Rectangle 12">
-            <a:extLst>
-              <a:ext uri="{FF2B5EF4-FFF2-40B4-BE49-F238E27FC236}">
-                <a16:creationId xmlns:a16="http://schemas.microsoft.com/office/drawing/2014/main" id="{B4E3BE4B-290C-8E45-A954-839CD2761FC3}"/>
-              </a:ext>
-            </a:extLst>
-          </p:cNvPr>
-          <p:cNvSpPr/>
-          <p:nvPr/>
-        </p:nvSpPr>
-        <p:spPr>
-          <a:xfrm>
-            <a:off x="8422103" y="3339964"/>
-            <a:ext cx="423512" cy="423512"/>
-          </a:xfrm>
-          <a:prstGeom prst="rect">
-            <a:avLst/>
-          </a:prstGeom>
-          <a:solidFill>
-            <a:schemeClr val="accent2"/>
-          </a:solidFill>
-          <a:ln w="38100">
-            <a:solidFill>
-              <a:schemeClr val="bg1"/>
-            </a:solidFill>
-          </a:ln>
-        </p:spPr>
-        <p:style>
-          <a:lnRef idx="2">
-            <a:schemeClr val="accent1">
-              <a:shade val="50000"/>
-            </a:schemeClr>
-          </a:lnRef>
-          <a:fillRef idx="1">
-            <a:schemeClr val="accent1"/>
-          </a:fillRef>
-          <a:effectRef idx="0">
-            <a:schemeClr val="accent1"/>
-          </a:effectRef>
-          <a:fontRef idx="minor">
-            <a:schemeClr val="lt1"/>
-          </a:fontRef>
-        </p:style>
-        <p:txBody>
-          <a:bodyPr rtlCol="0" anchor="ctr"/>
-          <a:lstStyle/>
-          <a:p>
-            <a:pPr algn="ctr"/>
-            <a:endParaRPr lang="en-US"/>
-          </a:p>
-        </p:txBody>
-      </p:sp>
-      <p:sp>
-        <p:nvSpPr>
-          <p:cNvPr id="14" name="Rectangle 13">
-            <a:extLst>
-              <a:ext uri="{FF2B5EF4-FFF2-40B4-BE49-F238E27FC236}">
-                <a16:creationId xmlns:a16="http://schemas.microsoft.com/office/drawing/2014/main" id="{8B34A227-FFCF-9D45-9B85-849F5B13F92D}"/>
-              </a:ext>
-            </a:extLst>
-          </p:cNvPr>
-          <p:cNvSpPr/>
-          <p:nvPr/>
-        </p:nvSpPr>
-        <p:spPr>
-          <a:xfrm>
-            <a:off x="9012454" y="2844262"/>
-            <a:ext cx="423512" cy="423512"/>
-          </a:xfrm>
-          <a:prstGeom prst="rect">
-            <a:avLst/>
-          </a:prstGeom>
-          <a:solidFill>
-            <a:schemeClr val="accent2"/>
-          </a:solidFill>
-          <a:ln w="38100">
-            <a:solidFill>
-              <a:schemeClr val="bg1"/>
-            </a:solidFill>
-          </a:ln>
-        </p:spPr>
-        <p:style>
-          <a:lnRef idx="2">
-            <a:schemeClr val="accent1">
-              <a:shade val="50000"/>
-            </a:schemeClr>
-          </a:lnRef>
-          <a:fillRef idx="1">
-            <a:schemeClr val="accent1"/>
-          </a:fillRef>
-          <a:effectRef idx="0">
-            <a:schemeClr val="accent1"/>
-          </a:effectRef>
-          <a:fontRef idx="minor">
-            <a:schemeClr val="lt1"/>
-          </a:fontRef>
-        </p:style>
-        <p:txBody>
-          <a:bodyPr rtlCol="0" anchor="ctr"/>
-          <a:lstStyle/>
-          <a:p>
-            <a:pPr algn="ctr"/>
-            <a:endParaRPr lang="en-US"/>
-          </a:p>
-        </p:txBody>
-      </p:sp>
-      <p:sp>
-        <p:nvSpPr>
-          <p:cNvPr id="16" name="Rectangle 15">
-            <a:extLst>
-              <a:ext uri="{FF2B5EF4-FFF2-40B4-BE49-F238E27FC236}">
-                <a16:creationId xmlns:a16="http://schemas.microsoft.com/office/drawing/2014/main" id="{FDD94DAA-C6AD-8242-89A4-C92E343BC2A0}"/>
-              </a:ext>
-            </a:extLst>
-          </p:cNvPr>
-          <p:cNvSpPr/>
-          <p:nvPr/>
-        </p:nvSpPr>
-        <p:spPr>
-          <a:xfrm>
-            <a:off x="9511364" y="2844262"/>
-            <a:ext cx="423512" cy="423512"/>
-          </a:xfrm>
-          <a:prstGeom prst="rect">
-            <a:avLst/>
-          </a:prstGeom>
-          <a:solidFill>
-            <a:schemeClr val="accent2"/>
-          </a:solidFill>
-          <a:ln w="38100">
-            <a:solidFill>
-              <a:schemeClr val="bg1"/>
-            </a:solidFill>
-          </a:ln>
-        </p:spPr>
-        <p:style>
-          <a:lnRef idx="2">
-            <a:schemeClr val="accent1">
-              <a:shade val="50000"/>
-            </a:schemeClr>
-          </a:lnRef>
-          <a:fillRef idx="1">
-            <a:schemeClr val="accent1"/>
-          </a:fillRef>
-          <a:effectRef idx="0">
-            <a:schemeClr val="accent1"/>
-          </a:effectRef>
-          <a:fontRef idx="minor">
-            <a:schemeClr val="lt1"/>
-          </a:fontRef>
-        </p:style>
-        <p:txBody>
-          <a:bodyPr rtlCol="0" anchor="ctr"/>
-          <a:lstStyle/>
-          <a:p>
-            <a:pPr algn="ctr"/>
-            <a:endParaRPr lang="en-US"/>
-          </a:p>
-        </p:txBody>
-      </p:sp>
-      <p:sp>
-        <p:nvSpPr>
-          <p:cNvPr id="17" name="Rectangle 16">
-            <a:extLst>
-              <a:ext uri="{FF2B5EF4-FFF2-40B4-BE49-F238E27FC236}">
-                <a16:creationId xmlns:a16="http://schemas.microsoft.com/office/drawing/2014/main" id="{2E7FD60F-D2F5-A846-95DF-1E29B0F0233D}"/>
-              </a:ext>
-            </a:extLst>
-          </p:cNvPr>
-          <p:cNvSpPr/>
-          <p:nvPr/>
-        </p:nvSpPr>
-        <p:spPr>
-          <a:xfrm>
-            <a:off x="9511363" y="3335150"/>
-            <a:ext cx="423512" cy="423512"/>
-          </a:xfrm>
-          <a:prstGeom prst="rect">
-            <a:avLst/>
-          </a:prstGeom>
-          <a:solidFill>
-            <a:schemeClr val="accent2"/>
-          </a:solidFill>
-          <a:ln w="38100">
-            <a:solidFill>
-              <a:schemeClr val="bg1"/>
-            </a:solidFill>
-          </a:ln>
-        </p:spPr>
-        <p:style>
-          <a:lnRef idx="2">
-            <a:schemeClr val="accent1">
-              <a:shade val="50000"/>
-            </a:schemeClr>
-          </a:lnRef>
-          <a:fillRef idx="1">
-            <a:schemeClr val="accent1"/>
-          </a:fillRef>
-          <a:effectRef idx="0">
-            <a:schemeClr val="accent1"/>
-          </a:effectRef>
-          <a:fontRef idx="minor">
-            <a:schemeClr val="lt1"/>
-          </a:fontRef>
-        </p:style>
-        <p:txBody>
-          <a:bodyPr rtlCol="0" anchor="ctr"/>
-          <a:lstStyle/>
-          <a:p>
-            <a:pPr algn="ctr"/>
-            <a:endParaRPr lang="en-US"/>
-          </a:p>
-        </p:txBody>
-      </p:sp>
-      <p:sp>
-        <p:nvSpPr>
-          <p:cNvPr id="18" name="Rectangle 17">
-            <a:extLst>
-              <a:ext uri="{FF2B5EF4-FFF2-40B4-BE49-F238E27FC236}">
-                <a16:creationId xmlns:a16="http://schemas.microsoft.com/office/drawing/2014/main" id="{A2F9B932-3C60-384D-8BC3-919328B9C9C7}"/>
-              </a:ext>
-            </a:extLst>
-          </p:cNvPr>
-          <p:cNvSpPr/>
-          <p:nvPr/>
-        </p:nvSpPr>
-        <p:spPr>
-          <a:xfrm>
-            <a:off x="10016689" y="2844262"/>
-            <a:ext cx="423512" cy="423512"/>
-          </a:xfrm>
-          <a:prstGeom prst="rect">
-            <a:avLst/>
-          </a:prstGeom>
-          <a:solidFill>
-            <a:schemeClr val="accent2"/>
-          </a:solidFill>
-          <a:ln w="38100">
-            <a:solidFill>
-              <a:schemeClr val="bg1"/>
-            </a:solidFill>
-          </a:ln>
-        </p:spPr>
-        <p:style>
-          <a:lnRef idx="2">
-            <a:schemeClr val="accent1">
-              <a:shade val="50000"/>
-            </a:schemeClr>
-          </a:lnRef>
-          <a:fillRef idx="1">
-            <a:schemeClr val="accent1"/>
-          </a:fillRef>
-          <a:effectRef idx="0">
-            <a:schemeClr val="accent1"/>
-          </a:effectRef>
-          <a:fontRef idx="minor">
-            <a:schemeClr val="lt1"/>
-          </a:fontRef>
-        </p:style>
-        <p:txBody>
-          <a:bodyPr rtlCol="0" anchor="ctr"/>
-          <a:lstStyle/>
-          <a:p>
-            <a:pPr algn="ctr"/>
-            <a:endParaRPr lang="en-US"/>
-          </a:p>
-        </p:txBody>
-      </p:sp>
-      <p:sp>
-        <p:nvSpPr>
-          <p:cNvPr id="19" name="Rectangle 18">
-            <a:extLst>
-              <a:ext uri="{FF2B5EF4-FFF2-40B4-BE49-F238E27FC236}">
-                <a16:creationId xmlns:a16="http://schemas.microsoft.com/office/drawing/2014/main" id="{BA53251B-A3E2-2045-B6F9-B1C1598AE378}"/>
-              </a:ext>
-            </a:extLst>
-          </p:cNvPr>
-          <p:cNvSpPr/>
-          <p:nvPr/>
-        </p:nvSpPr>
-        <p:spPr>
-          <a:xfrm>
-            <a:off x="10016689" y="3339964"/>
-            <a:ext cx="423512" cy="423512"/>
-          </a:xfrm>
-          <a:prstGeom prst="rect">
-            <a:avLst/>
-          </a:prstGeom>
-          <a:solidFill>
-            <a:schemeClr val="accent2"/>
-          </a:solidFill>
-          <a:ln w="38100">
-            <a:solidFill>
-              <a:schemeClr val="bg1"/>
-            </a:solidFill>
-          </a:ln>
-        </p:spPr>
-        <p:style>
-          <a:lnRef idx="2">
-            <a:schemeClr val="accent1">
-              <a:shade val="50000"/>
-            </a:schemeClr>
-          </a:lnRef>
-          <a:fillRef idx="1">
-            <a:schemeClr val="accent1"/>
-          </a:fillRef>
-          <a:effectRef idx="0">
-            <a:schemeClr val="accent1"/>
-          </a:effectRef>
-          <a:fontRef idx="minor">
-            <a:schemeClr val="lt1"/>
-          </a:fontRef>
-        </p:style>
-        <p:txBody>
-          <a:bodyPr rtlCol="0" anchor="ctr"/>
-          <a:lstStyle/>
-          <a:p>
-            <a:pPr algn="ctr"/>
-            <a:endParaRPr lang="en-US"/>
-          </a:p>
-        </p:txBody>
-      </p:sp>
-      <p:sp>
-        <p:nvSpPr>
-          <p:cNvPr id="20" name="Rectangle 19">
-            <a:extLst>
-              <a:ext uri="{FF2B5EF4-FFF2-40B4-BE49-F238E27FC236}">
-                <a16:creationId xmlns:a16="http://schemas.microsoft.com/office/drawing/2014/main" id="{F5183CC6-AADE-9042-B37B-016635F8279A}"/>
-              </a:ext>
-            </a:extLst>
-          </p:cNvPr>
-          <p:cNvSpPr/>
-          <p:nvPr/>
-        </p:nvSpPr>
-        <p:spPr>
-          <a:xfrm>
-            <a:off x="10534849" y="2844262"/>
-            <a:ext cx="423512" cy="423512"/>
-          </a:xfrm>
-          <a:prstGeom prst="rect">
-            <a:avLst/>
-          </a:prstGeom>
-          <a:solidFill>
-            <a:schemeClr val="accent2"/>
-          </a:solidFill>
-          <a:ln w="38100">
-            <a:solidFill>
-              <a:schemeClr val="bg1"/>
-            </a:solidFill>
-          </a:ln>
-        </p:spPr>
-        <p:style>
-          <a:lnRef idx="2">
-            <a:schemeClr val="accent1">
-              <a:shade val="50000"/>
-            </a:schemeClr>
-          </a:lnRef>
-          <a:fillRef idx="1">
-            <a:schemeClr val="accent1"/>
-          </a:fillRef>
-          <a:effectRef idx="0">
-            <a:schemeClr val="accent1"/>
-          </a:effectRef>
-          <a:fontRef idx="minor">
-            <a:schemeClr val="lt1"/>
-          </a:fontRef>
-        </p:style>
-        <p:txBody>
-          <a:bodyPr rtlCol="0" anchor="ctr"/>
-          <a:lstStyle/>
-          <a:p>
-            <a:pPr algn="ctr"/>
-            <a:endParaRPr lang="en-US"/>
-          </a:p>
-        </p:txBody>
-      </p:sp>
-      <p:sp>
-        <p:nvSpPr>
-          <p:cNvPr id="21" name="Rectangle 20">
-            <a:extLst>
-              <a:ext uri="{FF2B5EF4-FFF2-40B4-BE49-F238E27FC236}">
-                <a16:creationId xmlns:a16="http://schemas.microsoft.com/office/drawing/2014/main" id="{8C58D234-F184-E540-922A-BA2F32FB5214}"/>
-              </a:ext>
-            </a:extLst>
-          </p:cNvPr>
-          <p:cNvSpPr/>
-          <p:nvPr/>
-        </p:nvSpPr>
-        <p:spPr>
-          <a:xfrm>
-            <a:off x="10534848" y="3335150"/>
-            <a:ext cx="423512" cy="423512"/>
-          </a:xfrm>
-          <a:prstGeom prst="rect">
-            <a:avLst/>
-          </a:prstGeom>
-          <a:solidFill>
-            <a:schemeClr val="accent2"/>
-          </a:solidFill>
-          <a:ln w="38100">
-            <a:solidFill>
-              <a:schemeClr val="bg1"/>
-            </a:solidFill>
-          </a:ln>
-        </p:spPr>
-        <p:style>
-          <a:lnRef idx="2">
-            <a:schemeClr val="accent1">
-              <a:shade val="50000"/>
-            </a:schemeClr>
-          </a:lnRef>
-          <a:fillRef idx="1">
-            <a:schemeClr val="accent1"/>
-          </a:fillRef>
-          <a:effectRef idx="0">
-            <a:schemeClr val="accent1"/>
-          </a:effectRef>
-          <a:fontRef idx="minor">
-            <a:schemeClr val="lt1"/>
-          </a:fontRef>
-        </p:style>
-        <p:txBody>
-          <a:bodyPr rtlCol="0" anchor="ctr"/>
-          <a:lstStyle/>
-          <a:p>
-            <a:pPr algn="ctr"/>
-            <a:endParaRPr lang="en-US"/>
+            <a:endParaRPr lang="en-US">
+              <a:latin typeface="Yu Gothic" panose="020B0400000000000000" pitchFamily="34" charset="-128"/>
+              <a:ea typeface="Yu Gothic" panose="020B0400000000000000" pitchFamily="34" charset="-128"/>
+            </a:endParaRPr>
           </a:p>
         </p:txBody>
       </p:sp>
@@ -4211,8 +3689,8 @@
         </p:nvSpPr>
         <p:spPr>
           <a:xfrm>
-            <a:off x="5289839" y="2213846"/>
-            <a:ext cx="1771895" cy="461665"/>
+            <a:off x="6560534" y="3066308"/>
+            <a:ext cx="2031325" cy="369332"/>
           </a:xfrm>
           <a:prstGeom prst="rect">
             <a:avLst/>
@@ -4226,13 +3704,22 @@
           <a:lstStyle/>
           <a:p>
             <a:r>
-              <a:rPr lang="en-US" sz="2400" dirty="0">
+              <a:rPr lang="ja-JP" altLang="en-US" b="1">
                 <a:solidFill>
                   <a:schemeClr val="accent4"/>
                 </a:solidFill>
+                <a:latin typeface="Yu Gothic" panose="020B0400000000000000" pitchFamily="34" charset="-128"/>
+                <a:ea typeface="Yu Gothic" panose="020B0400000000000000" pitchFamily="34" charset="-128"/>
               </a:rPr>
-              <a:t>Console Port</a:t>
-            </a:r>
+              <a:t>コンソールポート</a:t>
+            </a:r>
+            <a:endParaRPr lang="en-US" b="1" dirty="0">
+              <a:solidFill>
+                <a:schemeClr val="accent4"/>
+              </a:solidFill>
+              <a:latin typeface="Yu Gothic" panose="020B0400000000000000" pitchFamily="34" charset="-128"/>
+              <a:ea typeface="Yu Gothic" panose="020B0400000000000000" pitchFamily="34" charset="-128"/>
+            </a:endParaRPr>
           </a:p>
         </p:txBody>
       </p:sp>
@@ -4250,8 +3737,8 @@
         </p:nvSpPr>
         <p:spPr>
           <a:xfrm>
-            <a:off x="6331325" y="3907853"/>
-            <a:ext cx="2525050" cy="830997"/>
+            <a:off x="6093492" y="3625931"/>
+            <a:ext cx="2492990" cy="369332"/>
           </a:xfrm>
           <a:prstGeom prst="rect">
             <a:avLst/>
@@ -4266,40 +3753,22 @@
           <a:p>
             <a:pPr algn="ctr"/>
             <a:r>
-              <a:rPr lang="en-US" sz="2400" dirty="0">
+              <a:rPr lang="ja-JP" altLang="en-US" b="1">
                 <a:solidFill>
                   <a:schemeClr val="accent5"/>
                 </a:solidFill>
+                <a:latin typeface="Yu Gothic" panose="020B0400000000000000" pitchFamily="34" charset="-128"/>
+                <a:ea typeface="Yu Gothic" panose="020B0400000000000000" pitchFamily="34" charset="-128"/>
               </a:rPr>
-              <a:t>Management Port</a:t>
-            </a:r>
-          </a:p>
-          <a:p>
-            <a:pPr algn="ctr"/>
-            <a:r>
-              <a:rPr lang="en-US" sz="2400" dirty="0">
-                <a:solidFill>
-                  <a:schemeClr val="accent5"/>
-                </a:solidFill>
-              </a:rPr>
-              <a:t>(</a:t>
-            </a:r>
-            <a:r>
-              <a:rPr lang="ja-JP" altLang="en-US" sz="2400">
-                <a:solidFill>
-                  <a:schemeClr val="accent5"/>
-                </a:solidFill>
-              </a:rPr>
-              <a:t>管理用</a:t>
-            </a:r>
-            <a:r>
-              <a:rPr lang="en-US" sz="2400" dirty="0">
-                <a:solidFill>
-                  <a:schemeClr val="accent5"/>
-                </a:solidFill>
-              </a:rPr>
-              <a:t>)</a:t>
-            </a:r>
+              <a:t>マネージメントポート</a:t>
+            </a:r>
+            <a:endParaRPr lang="en-US" b="1" dirty="0">
+              <a:solidFill>
+                <a:schemeClr val="accent5"/>
+              </a:solidFill>
+              <a:latin typeface="Yu Gothic" panose="020B0400000000000000" pitchFamily="34" charset="-128"/>
+              <a:ea typeface="Yu Gothic" panose="020B0400000000000000" pitchFamily="34" charset="-128"/>
+            </a:endParaRPr>
           </a:p>
         </p:txBody>
       </p:sp>
@@ -4317,8 +3786,8 @@
         </p:nvSpPr>
         <p:spPr>
           <a:xfrm>
-            <a:off x="9344548" y="4562351"/>
-            <a:ext cx="2217274" cy="830997"/>
+            <a:off x="8678085" y="5606839"/>
+            <a:ext cx="2954655" cy="369332"/>
           </a:xfrm>
           <a:prstGeom prst="rect">
             <a:avLst/>
@@ -4333,40 +3802,22 @@
           <a:p>
             <a:pPr algn="ctr"/>
             <a:r>
-              <a:rPr lang="en-US" sz="2400" dirty="0">
+              <a:rPr lang="ja-JP" altLang="en-US" b="1">
                 <a:solidFill>
                   <a:schemeClr val="accent1"/>
                 </a:solidFill>
+                <a:latin typeface="Yu Gothic" panose="020B0400000000000000" pitchFamily="34" charset="-128"/>
+                <a:ea typeface="Yu Gothic" panose="020B0400000000000000" pitchFamily="34" charset="-128"/>
               </a:rPr>
-              <a:t>VLAN Interface</a:t>
-            </a:r>
-          </a:p>
-          <a:p>
-            <a:pPr algn="ctr"/>
-            <a:r>
-              <a:rPr lang="en-US" sz="2400" dirty="0">
-                <a:solidFill>
-                  <a:schemeClr val="accent1"/>
-                </a:solidFill>
-              </a:rPr>
-              <a:t>(</a:t>
-            </a:r>
-            <a:r>
-              <a:rPr lang="ja-JP" altLang="en-US" sz="2400">
-                <a:solidFill>
-                  <a:schemeClr val="accent1"/>
-                </a:solidFill>
-              </a:rPr>
-              <a:t>データ転送用</a:t>
-            </a:r>
-            <a:r>
-              <a:rPr lang="en-US" sz="2400" dirty="0">
-                <a:solidFill>
-                  <a:schemeClr val="accent1"/>
-                </a:solidFill>
-              </a:rPr>
-              <a:t>)</a:t>
-            </a:r>
+              <a:t>データ転送用ネットワーク</a:t>
+            </a:r>
+            <a:endParaRPr lang="en-US" b="1" dirty="0">
+              <a:solidFill>
+                <a:schemeClr val="accent1"/>
+              </a:solidFill>
+              <a:latin typeface="Yu Gothic" panose="020B0400000000000000" pitchFamily="34" charset="-128"/>
+              <a:ea typeface="Yu Gothic" panose="020B0400000000000000" pitchFamily="34" charset="-128"/>
+            </a:endParaRPr>
           </a:p>
         </p:txBody>
       </p:sp>
@@ -4379,20 +3830,22 @@
               </a:ext>
             </a:extLst>
           </p:cNvPr>
-          <p:cNvCxnSpPr/>
+          <p:cNvCxnSpPr>
+            <a:cxnSpLocks/>
+          </p:cNvCxnSpPr>
           <p:nvPr/>
         </p:nvCxnSpPr>
         <p:spPr>
           <a:xfrm>
-            <a:off x="6294921" y="3556534"/>
-            <a:ext cx="0" cy="1013682"/>
+            <a:off x="8999373" y="3835387"/>
+            <a:ext cx="0" cy="791117"/>
           </a:xfrm>
           <a:prstGeom prst="line">
             <a:avLst/>
           </a:prstGeom>
           <a:ln w="38100">
             <a:solidFill>
-              <a:schemeClr val="tx1"/>
+              <a:schemeClr val="accent5"/>
             </a:solidFill>
           </a:ln>
         </p:spPr>
@@ -4427,101 +3880,15 @@
         </p:nvCxnSpPr>
         <p:spPr>
           <a:xfrm flipH="1">
-            <a:off x="4927334" y="4562351"/>
-            <a:ext cx="1367587" cy="7865"/>
+            <a:off x="7476769" y="4626504"/>
+            <a:ext cx="1522604" cy="0"/>
           </a:xfrm>
           <a:prstGeom prst="line">
             <a:avLst/>
           </a:prstGeom>
           <a:ln w="38100">
             <a:solidFill>
-              <a:schemeClr val="tx1"/>
-            </a:solidFill>
-          </a:ln>
-        </p:spPr>
-        <p:style>
-          <a:lnRef idx="1">
-            <a:schemeClr val="accent1"/>
-          </a:lnRef>
-          <a:fillRef idx="0">
-            <a:schemeClr val="accent1"/>
-          </a:fillRef>
-          <a:effectRef idx="0">
-            <a:schemeClr val="accent1"/>
-          </a:effectRef>
-          <a:fontRef idx="minor">
-            <a:schemeClr val="tx1"/>
-          </a:fontRef>
-        </p:style>
-      </p:cxnSp>
-      <p:cxnSp>
-        <p:nvCxnSpPr>
-          <p:cNvPr id="33" name="Straight Connector 32">
-            <a:extLst>
-              <a:ext uri="{FF2B5EF4-FFF2-40B4-BE49-F238E27FC236}">
-                <a16:creationId xmlns:a16="http://schemas.microsoft.com/office/drawing/2014/main" id="{3F4422AB-C6DD-5545-9B2A-B9D8762493B2}"/>
-              </a:ext>
-            </a:extLst>
-          </p:cNvPr>
-          <p:cNvCxnSpPr>
-            <a:cxnSpLocks/>
-          </p:cNvCxnSpPr>
-          <p:nvPr/>
-        </p:nvCxnSpPr>
-        <p:spPr>
-          <a:xfrm flipV="1">
-            <a:off x="2644542" y="3628724"/>
-            <a:ext cx="0" cy="1126159"/>
-          </a:xfrm>
-          <a:prstGeom prst="line">
-            <a:avLst/>
-          </a:prstGeom>
-          <a:ln w="38100">
-            <a:solidFill>
-              <a:schemeClr val="tx1"/>
-            </a:solidFill>
-          </a:ln>
-        </p:spPr>
-        <p:style>
-          <a:lnRef idx="1">
-            <a:schemeClr val="accent1"/>
-          </a:lnRef>
-          <a:fillRef idx="0">
-            <a:schemeClr val="accent1"/>
-          </a:fillRef>
-          <a:effectRef idx="0">
-            <a:schemeClr val="accent1"/>
-          </a:effectRef>
-          <a:fontRef idx="minor">
-            <a:schemeClr val="tx1"/>
-          </a:fontRef>
-        </p:style>
-      </p:cxnSp>
-      <p:cxnSp>
-        <p:nvCxnSpPr>
-          <p:cNvPr id="35" name="Straight Connector 34">
-            <a:extLst>
-              <a:ext uri="{FF2B5EF4-FFF2-40B4-BE49-F238E27FC236}">
-                <a16:creationId xmlns:a16="http://schemas.microsoft.com/office/drawing/2014/main" id="{BC3E2DC8-97F3-0B44-988D-6596B619158C}"/>
-              </a:ext>
-            </a:extLst>
-          </p:cNvPr>
-          <p:cNvCxnSpPr>
-            <a:cxnSpLocks/>
-          </p:cNvCxnSpPr>
-          <p:nvPr/>
-        </p:nvCxnSpPr>
-        <p:spPr>
-          <a:xfrm flipV="1">
-            <a:off x="2644541" y="4754880"/>
-            <a:ext cx="2071837" cy="3"/>
-          </a:xfrm>
-          <a:prstGeom prst="line">
-            <a:avLst/>
-          </a:prstGeom>
-          <a:ln w="38100">
-            <a:solidFill>
-              <a:schemeClr val="tx1"/>
+              <a:schemeClr val="accent5"/>
             </a:solidFill>
           </a:ln>
         </p:spPr>
@@ -4556,15 +3923,15 @@
         </p:nvCxnSpPr>
         <p:spPr>
           <a:xfrm flipH="1">
-            <a:off x="4899258" y="4982498"/>
-            <a:ext cx="4324953" cy="3388"/>
+            <a:off x="7415938" y="5500851"/>
+            <a:ext cx="4030863" cy="1"/>
           </a:xfrm>
           <a:prstGeom prst="line">
             <a:avLst/>
           </a:prstGeom>
           <a:ln w="38100">
             <a:solidFill>
-              <a:schemeClr val="tx1"/>
+              <a:schemeClr val="accent1"/>
             </a:solidFill>
           </a:ln>
         </p:spPr>
@@ -4599,15 +3966,15 @@
         </p:nvCxnSpPr>
         <p:spPr>
           <a:xfrm flipV="1">
-            <a:off x="9224210" y="3556534"/>
-            <a:ext cx="0" cy="1425964"/>
+            <a:off x="11446801" y="3810597"/>
+            <a:ext cx="0" cy="1667252"/>
           </a:xfrm>
           <a:prstGeom prst="line">
             <a:avLst/>
           </a:prstGeom>
           <a:ln w="38100">
             <a:solidFill>
-              <a:schemeClr val="tx1"/>
+              <a:schemeClr val="accent1"/>
             </a:solidFill>
           </a:ln>
         </p:spPr>
@@ -4642,8 +4009,8 @@
         </p:nvCxnSpPr>
         <p:spPr>
           <a:xfrm>
-            <a:off x="3157085" y="3056018"/>
-            <a:ext cx="3117805" cy="0"/>
+            <a:off x="8969733" y="1973677"/>
+            <a:ext cx="10454" cy="1338105"/>
           </a:xfrm>
           <a:prstGeom prst="line">
             <a:avLst/>
@@ -4671,10 +4038,10 @@
       </p:cxnSp>
       <p:sp>
         <p:nvSpPr>
-          <p:cNvPr id="46" name="Rectangle 45">
-            <a:extLst>
-              <a:ext uri="{FF2B5EF4-FFF2-40B4-BE49-F238E27FC236}">
-                <a16:creationId xmlns:a16="http://schemas.microsoft.com/office/drawing/2014/main" id="{2EF53336-E063-384C-A5C4-F1AFEA8D9CB6}"/>
+          <p:cNvPr id="47" name="Rectangle 46">
+            <a:extLst>
+              <a:ext uri="{FF2B5EF4-FFF2-40B4-BE49-F238E27FC236}">
+                <a16:creationId xmlns:a16="http://schemas.microsoft.com/office/drawing/2014/main" id="{C570CC2C-7E12-5549-92E2-111C0D0D5816}"/>
               </a:ext>
             </a:extLst>
           </p:cNvPr>
@@ -4683,7 +4050,157 @@
         </p:nvSpPr>
         <p:spPr>
           <a:xfrm>
-            <a:off x="6083165" y="2849076"/>
+            <a:off x="8786147" y="3568660"/>
+            <a:ext cx="423512" cy="423512"/>
+          </a:xfrm>
+          <a:prstGeom prst="rect">
+            <a:avLst/>
+          </a:prstGeom>
+          <a:solidFill>
+            <a:schemeClr val="accent5"/>
+          </a:solidFill>
+          <a:ln w="38100">
+            <a:solidFill>
+              <a:schemeClr val="bg1"/>
+            </a:solidFill>
+          </a:ln>
+        </p:spPr>
+        <p:style>
+          <a:lnRef idx="2">
+            <a:schemeClr val="accent1">
+              <a:shade val="50000"/>
+            </a:schemeClr>
+          </a:lnRef>
+          <a:fillRef idx="1">
+            <a:schemeClr val="accent1"/>
+          </a:fillRef>
+          <a:effectRef idx="0">
+            <a:schemeClr val="accent1"/>
+          </a:effectRef>
+          <a:fontRef idx="minor">
+            <a:schemeClr val="lt1"/>
+          </a:fontRef>
+        </p:style>
+        <p:txBody>
+          <a:bodyPr rtlCol="0" anchor="ctr"/>
+          <a:lstStyle/>
+          <a:p>
+            <a:pPr algn="ctr"/>
+            <a:endParaRPr lang="en-US">
+              <a:latin typeface="Yu Gothic" panose="020B0400000000000000" pitchFamily="34" charset="-128"/>
+              <a:ea typeface="Yu Gothic" panose="020B0400000000000000" pitchFamily="34" charset="-128"/>
+            </a:endParaRPr>
+          </a:p>
+        </p:txBody>
+      </p:sp>
+      <p:sp>
+        <p:nvSpPr>
+          <p:cNvPr id="49" name="Cloud 48">
+            <a:extLst>
+              <a:ext uri="{FF2B5EF4-FFF2-40B4-BE49-F238E27FC236}">
+                <a16:creationId xmlns:a16="http://schemas.microsoft.com/office/drawing/2014/main" id="{BAD895D0-A5A5-E44A-9B6E-810423FE621E}"/>
+              </a:ext>
+            </a:extLst>
+          </p:cNvPr>
+          <p:cNvSpPr/>
+          <p:nvPr/>
+        </p:nvSpPr>
+        <p:spPr>
+          <a:xfrm>
+            <a:off x="7173346" y="4313462"/>
+            <a:ext cx="1420584" cy="1444198"/>
+          </a:xfrm>
+          <a:prstGeom prst="cloud">
+            <a:avLst/>
+          </a:prstGeom>
+          <a:solidFill>
+            <a:schemeClr val="bg2"/>
+          </a:solidFill>
+          <a:ln>
+            <a:noFill/>
+          </a:ln>
+        </p:spPr>
+        <p:style>
+          <a:lnRef idx="2">
+            <a:schemeClr val="accent1">
+              <a:shade val="50000"/>
+            </a:schemeClr>
+          </a:lnRef>
+          <a:fillRef idx="1">
+            <a:schemeClr val="accent1"/>
+          </a:fillRef>
+          <a:effectRef idx="0">
+            <a:schemeClr val="accent1"/>
+          </a:effectRef>
+          <a:fontRef idx="minor">
+            <a:schemeClr val="lt1"/>
+          </a:fontRef>
+        </p:style>
+        <p:txBody>
+          <a:bodyPr rtlCol="0" anchor="ctr"/>
+          <a:lstStyle/>
+          <a:p>
+            <a:pPr algn="ctr"/>
+            <a:endParaRPr lang="en-US">
+              <a:latin typeface="Yu Gothic" panose="020B0400000000000000" pitchFamily="34" charset="-128"/>
+              <a:ea typeface="Yu Gothic" panose="020B0400000000000000" pitchFamily="34" charset="-128"/>
+            </a:endParaRPr>
+          </a:p>
+        </p:txBody>
+      </p:sp>
+      <p:sp>
+        <p:nvSpPr>
+          <p:cNvPr id="55" name="TextBox 54">
+            <a:extLst>
+              <a:ext uri="{FF2B5EF4-FFF2-40B4-BE49-F238E27FC236}">
+                <a16:creationId xmlns:a16="http://schemas.microsoft.com/office/drawing/2014/main" id="{D96FD800-486C-DB4F-90DA-35B76C91A847}"/>
+              </a:ext>
+            </a:extLst>
+          </p:cNvPr>
+          <p:cNvSpPr txBox="1"/>
+          <p:nvPr/>
+        </p:nvSpPr>
+        <p:spPr>
+          <a:xfrm>
+            <a:off x="7314411" y="4863300"/>
+            <a:ext cx="1138453" cy="369332"/>
+          </a:xfrm>
+          <a:prstGeom prst="rect">
+            <a:avLst/>
+          </a:prstGeom>
+          <a:noFill/>
+        </p:spPr>
+        <p:txBody>
+          <a:bodyPr wrap="none" rtlCol="0">
+            <a:spAutoFit/>
+          </a:bodyPr>
+          <a:lstStyle/>
+          <a:p>
+            <a:r>
+              <a:rPr lang="en-US" b="1" dirty="0">
+                <a:latin typeface="Yu Gothic" panose="020B0400000000000000" pitchFamily="34" charset="-128"/>
+                <a:ea typeface="Yu Gothic" panose="020B0400000000000000" pitchFamily="34" charset="-128"/>
+              </a:rPr>
+              <a:t>Network</a:t>
+            </a:r>
+          </a:p>
+        </p:txBody>
+      </p:sp>
+      <p:sp>
+        <p:nvSpPr>
+          <p:cNvPr id="41" name="Rectangle 40">
+            <a:extLst>
+              <a:ext uri="{FF2B5EF4-FFF2-40B4-BE49-F238E27FC236}">
+                <a16:creationId xmlns:a16="http://schemas.microsoft.com/office/drawing/2014/main" id="{22E6EECD-9DEC-A940-AE55-527021586D6F}"/>
+              </a:ext>
+            </a:extLst>
+          </p:cNvPr>
+          <p:cNvSpPr/>
+          <p:nvPr/>
+        </p:nvSpPr>
+        <p:spPr>
+          <a:xfrm>
+            <a:off x="8786147" y="3072958"/>
             <a:ext cx="423512" cy="423512"/>
           </a:xfrm>
           <a:prstGeom prst="rect">
@@ -4719,70 +4236,101 @@
           <a:lstStyle/>
           <a:p>
             <a:pPr algn="ctr"/>
-            <a:endParaRPr lang="en-US"/>
-          </a:p>
-        </p:txBody>
-      </p:sp>
-      <p:sp>
-        <p:nvSpPr>
-          <p:cNvPr id="47" name="Rectangle 46">
-            <a:extLst>
-              <a:ext uri="{FF2B5EF4-FFF2-40B4-BE49-F238E27FC236}">
-                <a16:creationId xmlns:a16="http://schemas.microsoft.com/office/drawing/2014/main" id="{C570CC2C-7E12-5549-92E2-111C0D0D5816}"/>
-              </a:ext>
-            </a:extLst>
-          </p:cNvPr>
-          <p:cNvSpPr/>
-          <p:nvPr/>
-        </p:nvSpPr>
-        <p:spPr>
-          <a:xfrm>
-            <a:off x="6083165" y="3344778"/>
-            <a:ext cx="423512" cy="423512"/>
-          </a:xfrm>
-          <a:prstGeom prst="rect">
-            <a:avLst/>
-          </a:prstGeom>
-          <a:solidFill>
-            <a:schemeClr val="accent5"/>
-          </a:solidFill>
+            <a:endParaRPr lang="en-US">
+              <a:latin typeface="Yu Gothic" panose="020B0400000000000000" pitchFamily="34" charset="-128"/>
+              <a:ea typeface="Yu Gothic" panose="020B0400000000000000" pitchFamily="34" charset="-128"/>
+            </a:endParaRPr>
+          </a:p>
+        </p:txBody>
+      </p:sp>
+      <p:cxnSp>
+        <p:nvCxnSpPr>
+          <p:cNvPr id="44" name="Straight Connector 43">
+            <a:extLst>
+              <a:ext uri="{FF2B5EF4-FFF2-40B4-BE49-F238E27FC236}">
+                <a16:creationId xmlns:a16="http://schemas.microsoft.com/office/drawing/2014/main" id="{34F39AFE-5DDA-074F-A063-9BD67AD0C4F9}"/>
+              </a:ext>
+            </a:extLst>
+          </p:cNvPr>
+          <p:cNvCxnSpPr>
+            <a:cxnSpLocks/>
+          </p:cNvCxnSpPr>
+          <p:nvPr/>
+        </p:nvCxnSpPr>
+        <p:spPr>
+          <a:xfrm flipH="1">
+            <a:off x="7543217" y="1962785"/>
+            <a:ext cx="1436970" cy="0"/>
+          </a:xfrm>
+          <a:prstGeom prst="line">
+            <a:avLst/>
+          </a:prstGeom>
           <a:ln w="38100">
             <a:solidFill>
-              <a:schemeClr val="bg1"/>
+              <a:schemeClr val="accent4"/>
             </a:solidFill>
           </a:ln>
         </p:spPr>
         <p:style>
-          <a:lnRef idx="2">
-            <a:schemeClr val="accent1">
-              <a:shade val="50000"/>
-            </a:schemeClr>
+          <a:lnRef idx="1">
+            <a:schemeClr val="accent1"/>
           </a:lnRef>
-          <a:fillRef idx="1">
+          <a:fillRef idx="0">
             <a:schemeClr val="accent1"/>
           </a:fillRef>
           <a:effectRef idx="0">
             <a:schemeClr val="accent1"/>
           </a:effectRef>
           <a:fontRef idx="minor">
-            <a:schemeClr val="lt1"/>
+            <a:schemeClr val="tx1"/>
           </a:fontRef>
         </p:style>
-        <p:txBody>
-          <a:bodyPr rtlCol="0" anchor="ctr"/>
-          <a:lstStyle/>
-          <a:p>
-            <a:pPr algn="ctr"/>
-            <a:endParaRPr lang="en-US"/>
-          </a:p>
-        </p:txBody>
-      </p:sp>
-      <p:sp>
-        <p:nvSpPr>
-          <p:cNvPr id="48" name="Rectangle 47">
-            <a:extLst>
-              <a:ext uri="{FF2B5EF4-FFF2-40B4-BE49-F238E27FC236}">
-                <a16:creationId xmlns:a16="http://schemas.microsoft.com/office/drawing/2014/main" id="{DEC29E80-72A9-0F4E-9F94-72D491D582AF}"/>
+      </p:cxnSp>
+      <p:pic>
+        <p:nvPicPr>
+          <p:cNvPr id="53" name="Picture 52">
+            <a:extLst>
+              <a:ext uri="{FF2B5EF4-FFF2-40B4-BE49-F238E27FC236}">
+                <a16:creationId xmlns:a16="http://schemas.microsoft.com/office/drawing/2014/main" id="{A052A5E1-B9C0-FF47-B9C5-FEAEB02A9419}"/>
+              </a:ext>
+            </a:extLst>
+          </p:cNvPr>
+          <p:cNvPicPr>
+            <a:picLocks noChangeAspect="1"/>
+          </p:cNvPicPr>
+          <p:nvPr/>
+        </p:nvPicPr>
+        <p:blipFill>
+          <a:blip r:embed="rId2">
+            <a:extLst>
+              <a:ext uri="{28A0092B-C50C-407E-A947-70E740481C1C}">
+                <a14:useLocalDpi xmlns:a14="http://schemas.microsoft.com/office/drawing/2010/main" val="0"/>
+              </a:ext>
+            </a:extLst>
+          </a:blip>
+          <a:stretch>
+            <a:fillRect/>
+          </a:stretch>
+        </p:blipFill>
+        <p:spPr>
+          <a:xfrm>
+            <a:off x="5385828" y="978633"/>
+            <a:ext cx="1968304" cy="1968304"/>
+          </a:xfrm>
+          <a:prstGeom prst="rect">
+            <a:avLst/>
+          </a:prstGeom>
+          <a:solidFill>
+            <a:schemeClr val="bg1"/>
+          </a:solidFill>
+        </p:spPr>
+      </p:pic>
+      <p:sp>
+        <p:nvSpPr>
+          <p:cNvPr id="59" name="Rectangle 58">
+            <a:extLst>
+              <a:ext uri="{FF2B5EF4-FFF2-40B4-BE49-F238E27FC236}">
+                <a16:creationId xmlns:a16="http://schemas.microsoft.com/office/drawing/2014/main" id="{B4845997-9551-2B47-A6D6-F8D6A4E36A1A}"/>
               </a:ext>
             </a:extLst>
           </p:cNvPr>
@@ -4791,7 +4339,7 @@
         </p:nvSpPr>
         <p:spPr>
           <a:xfrm>
-            <a:off x="9012454" y="3339964"/>
+            <a:off x="10736136" y="3584836"/>
             <a:ext cx="423512" cy="423512"/>
           </a:xfrm>
           <a:prstGeom prst="rect">
@@ -4827,16 +4375,117 @@
           <a:lstStyle/>
           <a:p>
             <a:pPr algn="ctr"/>
-            <a:endParaRPr lang="en-US"/>
-          </a:p>
-        </p:txBody>
-      </p:sp>
-      <p:sp>
-        <p:nvSpPr>
-          <p:cNvPr id="49" name="Cloud 48">
-            <a:extLst>
-              <a:ext uri="{FF2B5EF4-FFF2-40B4-BE49-F238E27FC236}">
-                <a16:creationId xmlns:a16="http://schemas.microsoft.com/office/drawing/2014/main" id="{BAD895D0-A5A5-E44A-9B6E-810423FE621E}"/>
+            <a:endParaRPr lang="en-US">
+              <a:latin typeface="Yu Gothic" panose="020B0400000000000000" pitchFamily="34" charset="-128"/>
+              <a:ea typeface="Yu Gothic" panose="020B0400000000000000" pitchFamily="34" charset="-128"/>
+            </a:endParaRPr>
+          </a:p>
+        </p:txBody>
+      </p:sp>
+      <p:sp>
+        <p:nvSpPr>
+          <p:cNvPr id="65" name="TextBox 64">
+            <a:extLst>
+              <a:ext uri="{FF2B5EF4-FFF2-40B4-BE49-F238E27FC236}">
+                <a16:creationId xmlns:a16="http://schemas.microsoft.com/office/drawing/2014/main" id="{502B1EAB-25B0-B445-84AE-F529D7126959}"/>
+              </a:ext>
+            </a:extLst>
+          </p:cNvPr>
+          <p:cNvSpPr txBox="1"/>
+          <p:nvPr/>
+        </p:nvSpPr>
+        <p:spPr>
+          <a:xfrm>
+            <a:off x="8685734" y="4678634"/>
+            <a:ext cx="2262158" cy="369332"/>
+          </a:xfrm>
+          <a:prstGeom prst="rect">
+            <a:avLst/>
+          </a:prstGeom>
+          <a:noFill/>
+        </p:spPr>
+        <p:txBody>
+          <a:bodyPr wrap="none" rtlCol="0">
+            <a:spAutoFit/>
+          </a:bodyPr>
+          <a:lstStyle/>
+          <a:p>
+            <a:pPr algn="ctr"/>
+            <a:r>
+              <a:rPr lang="ja-JP" altLang="en-US" b="1">
+                <a:solidFill>
+                  <a:schemeClr val="accent5"/>
+                </a:solidFill>
+                <a:latin typeface="Yu Gothic" panose="020B0400000000000000" pitchFamily="34" charset="-128"/>
+                <a:ea typeface="Yu Gothic" panose="020B0400000000000000" pitchFamily="34" charset="-128"/>
+              </a:rPr>
+              <a:t>管理用ネットワーク</a:t>
+            </a:r>
+            <a:endParaRPr lang="en-US" b="1" dirty="0">
+              <a:solidFill>
+                <a:schemeClr val="accent5"/>
+              </a:solidFill>
+              <a:latin typeface="Yu Gothic" panose="020B0400000000000000" pitchFamily="34" charset="-128"/>
+              <a:ea typeface="Yu Gothic" panose="020B0400000000000000" pitchFamily="34" charset="-128"/>
+            </a:endParaRPr>
+          </a:p>
+        </p:txBody>
+      </p:sp>
+      <p:sp>
+        <p:nvSpPr>
+          <p:cNvPr id="67" name="TextBox 66">
+            <a:extLst>
+              <a:ext uri="{FF2B5EF4-FFF2-40B4-BE49-F238E27FC236}">
+                <a16:creationId xmlns:a16="http://schemas.microsoft.com/office/drawing/2014/main" id="{D8673528-549A-C542-9729-593AA10A43F7}"/>
+              </a:ext>
+            </a:extLst>
+          </p:cNvPr>
+          <p:cNvSpPr txBox="1"/>
+          <p:nvPr/>
+        </p:nvSpPr>
+        <p:spPr>
+          <a:xfrm>
+            <a:off x="9283059" y="2483593"/>
+            <a:ext cx="2723823" cy="369332"/>
+          </a:xfrm>
+          <a:prstGeom prst="rect">
+            <a:avLst/>
+          </a:prstGeom>
+          <a:noFill/>
+        </p:spPr>
+        <p:txBody>
+          <a:bodyPr wrap="none" rtlCol="0">
+            <a:spAutoFit/>
+          </a:bodyPr>
+          <a:lstStyle/>
+          <a:p>
+            <a:pPr algn="ctr"/>
+            <a:r>
+              <a:rPr lang="ja-JP" altLang="en-US" b="1">
+                <a:solidFill>
+                  <a:schemeClr val="accent2"/>
+                </a:solidFill>
+                <a:latin typeface="Yu Gothic" panose="020B0400000000000000" pitchFamily="34" charset="-128"/>
+                <a:ea typeface="Yu Gothic" panose="020B0400000000000000" pitchFamily="34" charset="-128"/>
+              </a:rPr>
+              <a:t>通信用インターフェース</a:t>
+            </a:r>
+            <a:endParaRPr lang="en-US" b="1" dirty="0">
+              <a:solidFill>
+                <a:schemeClr val="accent2"/>
+              </a:solidFill>
+              <a:latin typeface="Yu Gothic" panose="020B0400000000000000" pitchFamily="34" charset="-128"/>
+              <a:ea typeface="Yu Gothic" panose="020B0400000000000000" pitchFamily="34" charset="-128"/>
+            </a:endParaRPr>
+          </a:p>
+        </p:txBody>
+      </p:sp>
+      <p:sp>
+        <p:nvSpPr>
+          <p:cNvPr id="68" name="Rectangle 67">
+            <a:extLst>
+              <a:ext uri="{FF2B5EF4-FFF2-40B4-BE49-F238E27FC236}">
+                <a16:creationId xmlns:a16="http://schemas.microsoft.com/office/drawing/2014/main" id="{E296F8B6-DCB2-ED49-A2B0-A29C1CAFEDB5}"/>
               </a:ext>
             </a:extLst>
           </p:cNvPr>
@@ -4845,17 +4494,19 @@
         </p:nvSpPr>
         <p:spPr>
           <a:xfrm>
-            <a:off x="3953554" y="4272258"/>
-            <a:ext cx="1649952" cy="935456"/>
-          </a:xfrm>
-          <a:prstGeom prst="cloud">
+            <a:off x="9731901" y="3584836"/>
+            <a:ext cx="423512" cy="423512"/>
+          </a:xfrm>
+          <a:prstGeom prst="rect">
             <a:avLst/>
           </a:prstGeom>
           <a:solidFill>
-            <a:schemeClr val="bg2"/>
+            <a:schemeClr val="accent2"/>
           </a:solidFill>
-          <a:ln>
-            <a:noFill/>
+          <a:ln w="38100">
+            <a:solidFill>
+              <a:schemeClr val="bg1"/>
+            </a:solidFill>
           </a:ln>
         </p:spPr>
         <p:style>
@@ -4879,16 +4530,19 @@
           <a:lstStyle/>
           <a:p>
             <a:pPr algn="ctr"/>
-            <a:endParaRPr lang="en-US"/>
+            <a:endParaRPr lang="en-US">
+              <a:latin typeface="Yu Gothic" panose="020B0400000000000000" pitchFamily="34" charset="-128"/>
+              <a:ea typeface="Yu Gothic" panose="020B0400000000000000" pitchFamily="34" charset="-128"/>
+            </a:endParaRPr>
           </a:p>
         </p:txBody>
       </p:sp>
       <p:pic>
         <p:nvPicPr>
-          <p:cNvPr id="50" name="Picture 49">
-            <a:extLst>
-              <a:ext uri="{FF2B5EF4-FFF2-40B4-BE49-F238E27FC236}">
-                <a16:creationId xmlns:a16="http://schemas.microsoft.com/office/drawing/2014/main" id="{77E08B0B-15C2-144A-9F87-C33FA9C37E0C}"/>
+          <p:cNvPr id="73" name="Picture 72">
+            <a:extLst>
+              <a:ext uri="{FF2B5EF4-FFF2-40B4-BE49-F238E27FC236}">
+                <a16:creationId xmlns:a16="http://schemas.microsoft.com/office/drawing/2014/main" id="{805A22BA-DAC2-CE47-B66A-B3202237FECF}"/>
               </a:ext>
             </a:extLst>
           </p:cNvPr>
@@ -4898,7 +4552,7 @@
           <p:nvPr/>
         </p:nvPicPr>
         <p:blipFill>
-          <a:blip r:embed="rId2">
+          <a:blip r:embed="rId3">
             <a:extLst>
               <a:ext uri="{28A0092B-C50C-407E-A947-70E740481C1C}">
                 <a14:useLocalDpi xmlns:a14="http://schemas.microsoft.com/office/drawing/2010/main" val="0"/>
@@ -4911,20 +4565,144 @@
         </p:blipFill>
         <p:spPr>
           <a:xfrm>
-            <a:off x="1430894" y="2030417"/>
-            <a:ext cx="2304237" cy="2304237"/>
+            <a:off x="336308" y="591943"/>
+            <a:ext cx="4920014" cy="3056814"/>
           </a:xfrm>
           <a:prstGeom prst="rect">
             <a:avLst/>
           </a:prstGeom>
         </p:spPr>
       </p:pic>
-      <p:sp>
-        <p:nvSpPr>
-          <p:cNvPr id="55" name="TextBox 54">
-            <a:extLst>
-              <a:ext uri="{FF2B5EF4-FFF2-40B4-BE49-F238E27FC236}">
-                <a16:creationId xmlns:a16="http://schemas.microsoft.com/office/drawing/2014/main" id="{D96FD800-486C-DB4F-90DA-35B76C91A847}"/>
+      <p:pic>
+        <p:nvPicPr>
+          <p:cNvPr id="75" name="Picture 74">
+            <a:extLst>
+              <a:ext uri="{FF2B5EF4-FFF2-40B4-BE49-F238E27FC236}">
+                <a16:creationId xmlns:a16="http://schemas.microsoft.com/office/drawing/2014/main" id="{4BF6E17E-584F-1E4F-8AE6-80FE5F8651C6}"/>
+              </a:ext>
+            </a:extLst>
+          </p:cNvPr>
+          <p:cNvPicPr>
+            <a:picLocks noChangeAspect="1"/>
+          </p:cNvPicPr>
+          <p:nvPr/>
+        </p:nvPicPr>
+        <p:blipFill>
+          <a:blip r:embed="rId4">
+            <a:extLst>
+              <a:ext uri="{28A0092B-C50C-407E-A947-70E740481C1C}">
+                <a14:useLocalDpi xmlns:a14="http://schemas.microsoft.com/office/drawing/2010/main" val="0"/>
+              </a:ext>
+            </a:extLst>
+          </a:blip>
+          <a:stretch>
+            <a:fillRect/>
+          </a:stretch>
+        </p:blipFill>
+        <p:spPr>
+          <a:xfrm>
+            <a:off x="359421" y="3909164"/>
+            <a:ext cx="4896901" cy="2250450"/>
+          </a:xfrm>
+          <a:prstGeom prst="rect">
+            <a:avLst/>
+          </a:prstGeom>
+        </p:spPr>
+      </p:pic>
+      <p:pic>
+        <p:nvPicPr>
+          <p:cNvPr id="83" name="Picture 82">
+            <a:extLst>
+              <a:ext uri="{FF2B5EF4-FFF2-40B4-BE49-F238E27FC236}">
+                <a16:creationId xmlns:a16="http://schemas.microsoft.com/office/drawing/2014/main" id="{B21108CB-D93C-D34D-BD14-817F42EE6C34}"/>
+              </a:ext>
+            </a:extLst>
+          </p:cNvPr>
+          <p:cNvPicPr>
+            <a:picLocks noChangeAspect="1"/>
+          </p:cNvPicPr>
+          <p:nvPr/>
+        </p:nvPicPr>
+        <p:blipFill>
+          <a:blip r:embed="rId5">
+            <a:extLst>
+              <a:ext uri="{28A0092B-C50C-407E-A947-70E740481C1C}">
+                <a14:useLocalDpi xmlns:a14="http://schemas.microsoft.com/office/drawing/2010/main" val="0"/>
+              </a:ext>
+            </a:extLst>
+          </a:blip>
+          <a:stretch>
+            <a:fillRect/>
+          </a:stretch>
+        </p:blipFill>
+        <p:spPr>
+          <a:xfrm rot="16200000">
+            <a:off x="5587703" y="4370677"/>
+            <a:ext cx="1444577" cy="1444577"/>
+          </a:xfrm>
+          <a:prstGeom prst="rect">
+            <a:avLst/>
+          </a:prstGeom>
+        </p:spPr>
+      </p:pic>
+      <p:sp>
+        <p:nvSpPr>
+          <p:cNvPr id="86" name="Rectangle 85">
+            <a:extLst>
+              <a:ext uri="{FF2B5EF4-FFF2-40B4-BE49-F238E27FC236}">
+                <a16:creationId xmlns:a16="http://schemas.microsoft.com/office/drawing/2014/main" id="{767A4860-67D8-4C44-BCA1-602914D23D5D}"/>
+              </a:ext>
+            </a:extLst>
+          </p:cNvPr>
+          <p:cNvSpPr/>
+          <p:nvPr/>
+        </p:nvSpPr>
+        <p:spPr>
+          <a:xfrm>
+            <a:off x="5706341" y="708989"/>
+            <a:ext cx="2221041" cy="368141"/>
+          </a:xfrm>
+          <a:prstGeom prst="rect">
+            <a:avLst/>
+          </a:prstGeom>
+          <a:solidFill>
+            <a:schemeClr val="tx1"/>
+          </a:solidFill>
+          <a:ln>
+            <a:noFill/>
+          </a:ln>
+        </p:spPr>
+        <p:style>
+          <a:lnRef idx="2">
+            <a:schemeClr val="accent1">
+              <a:shade val="50000"/>
+            </a:schemeClr>
+          </a:lnRef>
+          <a:fillRef idx="1">
+            <a:schemeClr val="accent1"/>
+          </a:fillRef>
+          <a:effectRef idx="0">
+            <a:schemeClr val="accent1"/>
+          </a:effectRef>
+          <a:fontRef idx="minor">
+            <a:schemeClr val="lt1"/>
+          </a:fontRef>
+        </p:style>
+        <p:txBody>
+          <a:bodyPr rtlCol="0" anchor="ctr"/>
+          <a:lstStyle/>
+          <a:p>
+            <a:pPr algn="ctr"/>
+            <a:endParaRPr lang="en-US"/>
+          </a:p>
+        </p:txBody>
+      </p:sp>
+      <p:sp>
+        <p:nvSpPr>
+          <p:cNvPr id="87" name="TextBox 86">
+            <a:extLst>
+              <a:ext uri="{FF2B5EF4-FFF2-40B4-BE49-F238E27FC236}">
+                <a16:creationId xmlns:a16="http://schemas.microsoft.com/office/drawing/2014/main" id="{BEC69861-A959-4F4B-9F37-4DED90119EFB}"/>
               </a:ext>
             </a:extLst>
           </p:cNvPr>
@@ -4933,89 +4711,13 @@
         </p:nvSpPr>
         <p:spPr>
           <a:xfrm>
-            <a:off x="4129181" y="4467494"/>
-            <a:ext cx="1263744" cy="461665"/>
+            <a:off x="5688395" y="704117"/>
+            <a:ext cx="2262158" cy="369332"/>
           </a:xfrm>
           <a:prstGeom prst="rect">
             <a:avLst/>
           </a:prstGeom>
           <a:noFill/>
-        </p:spPr>
-        <p:txBody>
-          <a:bodyPr wrap="none" rtlCol="0">
-            <a:spAutoFit/>
-          </a:bodyPr>
-          <a:lstStyle/>
-          <a:p>
-            <a:r>
-              <a:rPr lang="en-US" sz="2400" dirty="0"/>
-              <a:t>Network</a:t>
-            </a:r>
-          </a:p>
-        </p:txBody>
-      </p:sp>
-      <p:sp>
-        <p:nvSpPr>
-          <p:cNvPr id="56" name="TextBox 55">
-            <a:extLst>
-              <a:ext uri="{FF2B5EF4-FFF2-40B4-BE49-F238E27FC236}">
-                <a16:creationId xmlns:a16="http://schemas.microsoft.com/office/drawing/2014/main" id="{1DD933E5-3D04-6C48-AD36-58A056ACFBB2}"/>
-              </a:ext>
-            </a:extLst>
-          </p:cNvPr>
-          <p:cNvSpPr txBox="1"/>
-          <p:nvPr/>
-        </p:nvSpPr>
-        <p:spPr>
-          <a:xfrm>
-            <a:off x="3870729" y="2607581"/>
-            <a:ext cx="1641796" cy="461665"/>
-          </a:xfrm>
-          <a:prstGeom prst="rect">
-            <a:avLst/>
-          </a:prstGeom>
-          <a:noFill/>
-        </p:spPr>
-        <p:txBody>
-          <a:bodyPr wrap="none" rtlCol="0">
-            <a:spAutoFit/>
-          </a:bodyPr>
-          <a:lstStyle/>
-          <a:p>
-            <a:r>
-              <a:rPr lang="en-US" sz="2400" dirty="0">
-                <a:solidFill>
-                  <a:schemeClr val="accent4"/>
-                </a:solidFill>
-              </a:rPr>
-              <a:t>Serial Cable</a:t>
-            </a:r>
-          </a:p>
-        </p:txBody>
-      </p:sp>
-      <p:sp>
-        <p:nvSpPr>
-          <p:cNvPr id="57" name="TextBox 56">
-            <a:extLst>
-              <a:ext uri="{FF2B5EF4-FFF2-40B4-BE49-F238E27FC236}">
-                <a16:creationId xmlns:a16="http://schemas.microsoft.com/office/drawing/2014/main" id="{ED9FEFB0-2EE7-5440-828B-1DC31459481B}"/>
-              </a:ext>
-            </a:extLst>
-          </p:cNvPr>
-          <p:cNvSpPr txBox="1"/>
-          <p:nvPr/>
-        </p:nvSpPr>
-        <p:spPr>
-          <a:xfrm>
-            <a:off x="3650986" y="3185899"/>
-            <a:ext cx="2031325" cy="369332"/>
-          </a:xfrm>
-          <a:prstGeom prst="rect">
-            <a:avLst/>
-          </a:prstGeom>
-          <a:solidFill>
-            <a:schemeClr val="accent4"/>
-          </a:solidFill>
         </p:spPr>
         <p:txBody>
           <a:bodyPr wrap="none" rtlCol="0">
@@ -5028,33 +4730,37 @@
                 <a:solidFill>
                   <a:schemeClr val="bg1"/>
                 </a:solidFill>
+                <a:latin typeface="Yu Gothic" panose="020B0400000000000000" pitchFamily="34" charset="-128"/>
+                <a:ea typeface="Yu Gothic" panose="020B0400000000000000" pitchFamily="34" charset="-128"/>
               </a:rPr>
-              <a:t>直結してログイン</a:t>
+              <a:t>シリアルコンソール</a:t>
             </a:r>
             <a:endParaRPr lang="en-US" b="1" dirty="0">
               <a:solidFill>
                 <a:schemeClr val="bg1"/>
               </a:solidFill>
+              <a:latin typeface="Yu Gothic" panose="020B0400000000000000" pitchFamily="34" charset="-128"/>
+              <a:ea typeface="Yu Gothic" panose="020B0400000000000000" pitchFamily="34" charset="-128"/>
             </a:endParaRPr>
           </a:p>
         </p:txBody>
       </p:sp>
       <p:sp>
         <p:nvSpPr>
-          <p:cNvPr id="58" name="TextBox 57">
-            <a:extLst>
-              <a:ext uri="{FF2B5EF4-FFF2-40B4-BE49-F238E27FC236}">
-                <a16:creationId xmlns:a16="http://schemas.microsoft.com/office/drawing/2014/main" id="{3487EB89-6D3E-5A42-A414-CD36C2AFEF6E}"/>
-              </a:ext>
-            </a:extLst>
-          </p:cNvPr>
-          <p:cNvSpPr txBox="1"/>
-          <p:nvPr/>
-        </p:nvSpPr>
-        <p:spPr>
-          <a:xfrm>
-            <a:off x="1030289" y="4918229"/>
-            <a:ext cx="2626040" cy="369332"/>
+          <p:cNvPr id="88" name="Rectangle 87">
+            <a:extLst>
+              <a:ext uri="{FF2B5EF4-FFF2-40B4-BE49-F238E27FC236}">
+                <a16:creationId xmlns:a16="http://schemas.microsoft.com/office/drawing/2014/main" id="{ECB6B9A1-D3AD-3643-8646-65E3BD2FCB21}"/>
+              </a:ext>
+            </a:extLst>
+          </p:cNvPr>
+          <p:cNvSpPr/>
+          <p:nvPr/>
+        </p:nvSpPr>
+        <p:spPr>
+          <a:xfrm>
+            <a:off x="5475663" y="5557395"/>
+            <a:ext cx="1607604" cy="368141"/>
           </a:xfrm>
           <a:prstGeom prst="rect">
             <a:avLst/>
@@ -5062,6 +4768,56 @@
           <a:solidFill>
             <a:schemeClr val="tx1"/>
           </a:solidFill>
+          <a:ln>
+            <a:noFill/>
+          </a:ln>
+        </p:spPr>
+        <p:style>
+          <a:lnRef idx="2">
+            <a:schemeClr val="accent1">
+              <a:shade val="50000"/>
+            </a:schemeClr>
+          </a:lnRef>
+          <a:fillRef idx="1">
+            <a:schemeClr val="accent1"/>
+          </a:fillRef>
+          <a:effectRef idx="0">
+            <a:schemeClr val="accent1"/>
+          </a:effectRef>
+          <a:fontRef idx="minor">
+            <a:schemeClr val="lt1"/>
+          </a:fontRef>
+        </p:style>
+        <p:txBody>
+          <a:bodyPr rtlCol="0" anchor="ctr"/>
+          <a:lstStyle/>
+          <a:p>
+            <a:pPr algn="ctr"/>
+            <a:endParaRPr lang="en-US"/>
+          </a:p>
+        </p:txBody>
+      </p:sp>
+      <p:sp>
+        <p:nvSpPr>
+          <p:cNvPr id="89" name="TextBox 88">
+            <a:extLst>
+              <a:ext uri="{FF2B5EF4-FFF2-40B4-BE49-F238E27FC236}">
+                <a16:creationId xmlns:a16="http://schemas.microsoft.com/office/drawing/2014/main" id="{8CFA007E-D9EE-634C-B3AE-F5B683E98962}"/>
+              </a:ext>
+            </a:extLst>
+          </p:cNvPr>
+          <p:cNvSpPr txBox="1"/>
+          <p:nvPr/>
+        </p:nvSpPr>
+        <p:spPr>
+          <a:xfrm>
+            <a:off x="5475700" y="5584227"/>
+            <a:ext cx="1636987" cy="369332"/>
+          </a:xfrm>
+          <a:prstGeom prst="rect">
+            <a:avLst/>
+          </a:prstGeom>
+          <a:noFill/>
         </p:spPr>
         <p:txBody>
           <a:bodyPr wrap="none" rtlCol="0">
@@ -5070,25 +4826,71 @@
           <a:lstStyle/>
           <a:p>
             <a:r>
-              <a:rPr lang="en-US" altLang="ja-JP" b="1" dirty="0">
+              <a:rPr lang="en-US" b="1" dirty="0">
                 <a:solidFill>
                   <a:schemeClr val="bg1"/>
                 </a:solidFill>
+                <a:latin typeface="Yu Gothic" panose="020B0400000000000000" pitchFamily="34" charset="-128"/>
+                <a:ea typeface="Yu Gothic" panose="020B0400000000000000" pitchFamily="34" charset="-128"/>
               </a:rPr>
-              <a:t>SSH</a:t>
-            </a:r>
-            <a:r>
-              <a:rPr lang="ja-JP" altLang="en-US" b="1">
-                <a:solidFill>
-                  <a:schemeClr val="bg1"/>
-                </a:solidFill>
-              </a:rPr>
-              <a:t>でリモートログイン</a:t>
-            </a:r>
-            <a:endParaRPr lang="en-US" b="1" dirty="0">
-              <a:solidFill>
-                <a:schemeClr val="bg1"/>
-              </a:solidFill>
+              <a:t>SSH / Telnet</a:t>
+            </a:r>
+          </a:p>
+        </p:txBody>
+      </p:sp>
+      <p:sp>
+        <p:nvSpPr>
+          <p:cNvPr id="93" name="Rectangle 92">
+            <a:extLst>
+              <a:ext uri="{FF2B5EF4-FFF2-40B4-BE49-F238E27FC236}">
+                <a16:creationId xmlns:a16="http://schemas.microsoft.com/office/drawing/2014/main" id="{BE110367-F8FB-0B4D-958F-D3ABE976B795}"/>
+              </a:ext>
+            </a:extLst>
+          </p:cNvPr>
+          <p:cNvSpPr/>
+          <p:nvPr/>
+        </p:nvSpPr>
+        <p:spPr>
+          <a:xfrm>
+            <a:off x="11235045" y="3580022"/>
+            <a:ext cx="423512" cy="423512"/>
+          </a:xfrm>
+          <a:prstGeom prst="rect">
+            <a:avLst/>
+          </a:prstGeom>
+          <a:solidFill>
+            <a:schemeClr val="accent2"/>
+          </a:solidFill>
+          <a:ln w="38100">
+            <a:solidFill>
+              <a:schemeClr val="bg1"/>
+            </a:solidFill>
+          </a:ln>
+        </p:spPr>
+        <p:style>
+          <a:lnRef idx="2">
+            <a:schemeClr val="accent1">
+              <a:shade val="50000"/>
+            </a:schemeClr>
+          </a:lnRef>
+          <a:fillRef idx="1">
+            <a:schemeClr val="accent1"/>
+          </a:fillRef>
+          <a:effectRef idx="0">
+            <a:schemeClr val="accent1"/>
+          </a:effectRef>
+          <a:fontRef idx="minor">
+            <a:schemeClr val="lt1"/>
+          </a:fontRef>
+        </p:style>
+        <p:txBody>
+          <a:bodyPr rtlCol="0" anchor="ctr"/>
+          <a:lstStyle/>
+          <a:p>
+            <a:pPr algn="ctr"/>
+            <a:endParaRPr lang="en-US">
+              <a:latin typeface="Yu Gothic" panose="020B0400000000000000" pitchFamily="34" charset="-128"/>
+              <a:ea typeface="Yu Gothic" panose="020B0400000000000000" pitchFamily="34" charset="-128"/>
             </a:endParaRPr>
           </a:p>
         </p:txBody>
@@ -6914,7 +6716,7 @@
         </p:blipFill>
         <p:spPr>
           <a:xfrm>
-            <a:off x="2869129" y="2444816"/>
+            <a:off x="2063217" y="2328578"/>
             <a:ext cx="1716773" cy="1716773"/>
           </a:xfrm>
           <a:prstGeom prst="rect">
@@ -6950,7 +6752,7 @@
         </p:blipFill>
         <p:spPr>
           <a:xfrm>
-            <a:off x="7314396" y="2444814"/>
+            <a:off x="8383779" y="2328578"/>
             <a:ext cx="1716773" cy="1716773"/>
           </a:xfrm>
           <a:prstGeom prst="rect">
@@ -6975,9 +6777,9 @@
           <p:nvPr/>
         </p:nvCxnSpPr>
         <p:spPr>
-          <a:xfrm flipV="1">
-            <a:off x="4585902" y="3303201"/>
-            <a:ext cx="2728494" cy="2"/>
+          <a:xfrm>
+            <a:off x="3779990" y="3186965"/>
+            <a:ext cx="4603789" cy="0"/>
           </a:xfrm>
           <a:prstGeom prst="line">
             <a:avLst/>
@@ -7017,7 +6819,7 @@
         </p:nvSpPr>
         <p:spPr>
           <a:xfrm>
-            <a:off x="4585902" y="2504676"/>
+            <a:off x="3779990" y="2388438"/>
             <a:ext cx="1661032" cy="646331"/>
           </a:xfrm>
           <a:prstGeom prst="rect">
@@ -7064,7 +6866,7 @@
         </p:nvSpPr>
         <p:spPr>
           <a:xfrm>
-            <a:off x="5833594" y="3418257"/>
+            <a:off x="6722747" y="3292993"/>
             <a:ext cx="1661032" cy="646331"/>
           </a:xfrm>
           <a:prstGeom prst="rect">
@@ -7111,8 +6913,8 @@
         </p:nvSpPr>
         <p:spPr>
           <a:xfrm>
-            <a:off x="3396334" y="3976921"/>
-            <a:ext cx="662361" cy="461665"/>
+            <a:off x="2668168" y="3860683"/>
+            <a:ext cx="575799" cy="461665"/>
           </a:xfrm>
           <a:prstGeom prst="rect">
             <a:avLst/>
@@ -7126,8 +6928,11 @@
           <a:lstStyle/>
           <a:p>
             <a:r>
-              <a:rPr lang="en-US" sz="2400" dirty="0"/>
-              <a:t>PC1</a:t>
+              <a:rPr lang="en-US" sz="2400" b="1" dirty="0">
+                <a:latin typeface="Yu Gothic" panose="020B0400000000000000" pitchFamily="34" charset="-128"/>
+                <a:ea typeface="Yu Gothic" panose="020B0400000000000000" pitchFamily="34" charset="-128"/>
+              </a:rPr>
+              <a:t>R1</a:t>
             </a:r>
           </a:p>
         </p:txBody>
@@ -7146,8 +6951,8 @@
         </p:nvSpPr>
         <p:spPr>
           <a:xfrm>
-            <a:off x="7841601" y="3978261"/>
-            <a:ext cx="662361" cy="461665"/>
+            <a:off x="9007706" y="3860683"/>
+            <a:ext cx="575799" cy="461665"/>
           </a:xfrm>
           <a:prstGeom prst="rect">
             <a:avLst/>
@@ -7161,8 +6966,11 @@
           <a:lstStyle/>
           <a:p>
             <a:r>
-              <a:rPr lang="en-US" sz="2400" dirty="0"/>
-              <a:t>PC2</a:t>
+              <a:rPr lang="en-US" sz="2400" b="1" dirty="0">
+                <a:latin typeface="Yu Gothic" panose="020B0400000000000000" pitchFamily="34" charset="-128"/>
+                <a:ea typeface="Yu Gothic" panose="020B0400000000000000" pitchFamily="34" charset="-128"/>
+              </a:rPr>
+              <a:t>R2</a:t>
             </a:r>
           </a:p>
         </p:txBody>
@@ -7992,7 +7800,7 @@
         </p:nvSpPr>
         <p:spPr>
           <a:xfrm>
-            <a:off x="6307436" y="5384481"/>
+            <a:off x="6307436" y="4918829"/>
             <a:ext cx="2723823" cy="369332"/>
           </a:xfrm>
           <a:prstGeom prst="rect">
@@ -9333,7 +9141,7 @@
         <p:spPr>
           <a:xfrm>
             <a:off x="8128530" y="5356476"/>
-            <a:ext cx="3585415" cy="1299451"/>
+            <a:ext cx="3068995" cy="1299451"/>
           </a:xfrm>
           <a:prstGeom prst="rect">
             <a:avLst/>
@@ -9426,7 +9234,7 @@
         <p:spPr>
           <a:xfrm>
             <a:off x="8152312" y="250494"/>
-            <a:ext cx="3585415" cy="1299451"/>
+            <a:ext cx="3045213" cy="1299451"/>
           </a:xfrm>
           <a:prstGeom prst="rect">
             <a:avLst/>
@@ -9534,287 +9342,6 @@
           <a:chExt cx="0" cy="0"/>
         </a:xfrm>
       </p:grpSpPr>
-      <p:pic>
-        <p:nvPicPr>
-          <p:cNvPr id="5" name="Picture 4">
-            <a:extLst>
-              <a:ext uri="{FF2B5EF4-FFF2-40B4-BE49-F238E27FC236}">
-                <a16:creationId xmlns:a16="http://schemas.microsoft.com/office/drawing/2014/main" id="{9611D3B0-749C-3040-9968-46040773FEFF}"/>
-              </a:ext>
-            </a:extLst>
-          </p:cNvPr>
-          <p:cNvPicPr>
-            <a:picLocks noChangeAspect="1"/>
-          </p:cNvPicPr>
-          <p:nvPr/>
-        </p:nvPicPr>
-        <p:blipFill>
-          <a:blip r:embed="rId2">
-            <a:extLst>
-              <a:ext uri="{28A0092B-C50C-407E-A947-70E740481C1C}">
-                <a14:useLocalDpi xmlns:a14="http://schemas.microsoft.com/office/drawing/2010/main" val="0"/>
-              </a:ext>
-            </a:extLst>
-          </a:blip>
-          <a:stretch>
-            <a:fillRect/>
-          </a:stretch>
-        </p:blipFill>
-        <p:spPr>
-          <a:xfrm>
-            <a:off x="2936505" y="961042"/>
-            <a:ext cx="1716773" cy="1716773"/>
-          </a:xfrm>
-          <a:prstGeom prst="rect">
-            <a:avLst/>
-          </a:prstGeom>
-        </p:spPr>
-      </p:pic>
-      <p:pic>
-        <p:nvPicPr>
-          <p:cNvPr id="6" name="Picture 5">
-            <a:extLst>
-              <a:ext uri="{FF2B5EF4-FFF2-40B4-BE49-F238E27FC236}">
-                <a16:creationId xmlns:a16="http://schemas.microsoft.com/office/drawing/2014/main" id="{C8E18B8F-6460-CD49-9F9B-52CD74F6D6F1}"/>
-              </a:ext>
-            </a:extLst>
-          </p:cNvPr>
-          <p:cNvPicPr>
-            <a:picLocks noChangeAspect="1"/>
-          </p:cNvPicPr>
-          <p:nvPr/>
-        </p:nvPicPr>
-        <p:blipFill>
-          <a:blip r:embed="rId2">
-            <a:extLst>
-              <a:ext uri="{28A0092B-C50C-407E-A947-70E740481C1C}">
-                <a14:useLocalDpi xmlns:a14="http://schemas.microsoft.com/office/drawing/2010/main" val="0"/>
-              </a:ext>
-            </a:extLst>
-          </a:blip>
-          <a:stretch>
-            <a:fillRect/>
-          </a:stretch>
-        </p:blipFill>
-        <p:spPr>
-          <a:xfrm>
-            <a:off x="7381772" y="961040"/>
-            <a:ext cx="1716773" cy="1716773"/>
-          </a:xfrm>
-          <a:prstGeom prst="rect">
-            <a:avLst/>
-          </a:prstGeom>
-        </p:spPr>
-      </p:pic>
-      <p:cxnSp>
-        <p:nvCxnSpPr>
-          <p:cNvPr id="8" name="Straight Connector 7">
-            <a:extLst>
-              <a:ext uri="{FF2B5EF4-FFF2-40B4-BE49-F238E27FC236}">
-                <a16:creationId xmlns:a16="http://schemas.microsoft.com/office/drawing/2014/main" id="{E3488C64-4F24-C04C-8AF2-2EEDA61B9710}"/>
-              </a:ext>
-            </a:extLst>
-          </p:cNvPr>
-          <p:cNvCxnSpPr>
-            <a:cxnSpLocks/>
-            <a:stCxn id="5" idx="3"/>
-            <a:endCxn id="6" idx="1"/>
-          </p:cNvCxnSpPr>
-          <p:nvPr/>
-        </p:nvCxnSpPr>
-        <p:spPr>
-          <a:xfrm flipV="1">
-            <a:off x="4653278" y="1819427"/>
-            <a:ext cx="2728494" cy="2"/>
-          </a:xfrm>
-          <a:prstGeom prst="line">
-            <a:avLst/>
-          </a:prstGeom>
-          <a:ln w="38100">
-            <a:solidFill>
-              <a:schemeClr val="tx1"/>
-            </a:solidFill>
-          </a:ln>
-        </p:spPr>
-        <p:style>
-          <a:lnRef idx="1">
-            <a:schemeClr val="accent1"/>
-          </a:lnRef>
-          <a:fillRef idx="0">
-            <a:schemeClr val="accent1"/>
-          </a:fillRef>
-          <a:effectRef idx="0">
-            <a:schemeClr val="accent1"/>
-          </a:effectRef>
-          <a:fontRef idx="minor">
-            <a:schemeClr val="tx1"/>
-          </a:fontRef>
-        </p:style>
-      </p:cxnSp>
-      <p:sp>
-        <p:nvSpPr>
-          <p:cNvPr id="10" name="TextBox 9">
-            <a:extLst>
-              <a:ext uri="{FF2B5EF4-FFF2-40B4-BE49-F238E27FC236}">
-                <a16:creationId xmlns:a16="http://schemas.microsoft.com/office/drawing/2014/main" id="{B0BFAD4A-78AE-0B4B-8BD9-5E67C0431313}"/>
-              </a:ext>
-            </a:extLst>
-          </p:cNvPr>
-          <p:cNvSpPr txBox="1"/>
-          <p:nvPr/>
-        </p:nvSpPr>
-        <p:spPr>
-          <a:xfrm>
-            <a:off x="4653278" y="1020902"/>
-            <a:ext cx="1661032" cy="646331"/>
-          </a:xfrm>
-          <a:prstGeom prst="rect">
-            <a:avLst/>
-          </a:prstGeom>
-          <a:noFill/>
-        </p:spPr>
-        <p:txBody>
-          <a:bodyPr wrap="none" rtlCol="0">
-            <a:spAutoFit/>
-          </a:bodyPr>
-          <a:lstStyle/>
-          <a:p>
-            <a:r>
-              <a:rPr lang="en-US" b="1" dirty="0">
-                <a:latin typeface="Yu Gothic" panose="020B0400000000000000" pitchFamily="34" charset="-128"/>
-                <a:ea typeface="Yu Gothic" panose="020B0400000000000000" pitchFamily="34" charset="-128"/>
-              </a:rPr>
-              <a:t>IF: g0/1</a:t>
-            </a:r>
-          </a:p>
-          <a:p>
-            <a:r>
-              <a:rPr lang="en-US" b="1" dirty="0">
-                <a:latin typeface="Yu Gothic" panose="020B0400000000000000" pitchFamily="34" charset="-128"/>
-                <a:ea typeface="Yu Gothic" panose="020B0400000000000000" pitchFamily="34" charset="-128"/>
-              </a:rPr>
-              <a:t>IP: 10.0.0.1/8</a:t>
-            </a:r>
-          </a:p>
-        </p:txBody>
-      </p:sp>
-      <p:sp>
-        <p:nvSpPr>
-          <p:cNvPr id="11" name="TextBox 10">
-            <a:extLst>
-              <a:ext uri="{FF2B5EF4-FFF2-40B4-BE49-F238E27FC236}">
-                <a16:creationId xmlns:a16="http://schemas.microsoft.com/office/drawing/2014/main" id="{582A12E4-F4C3-C745-A0C2-F9EF2B2AC7C1}"/>
-              </a:ext>
-            </a:extLst>
-          </p:cNvPr>
-          <p:cNvSpPr txBox="1"/>
-          <p:nvPr/>
-        </p:nvSpPr>
-        <p:spPr>
-          <a:xfrm>
-            <a:off x="5916467" y="1906975"/>
-            <a:ext cx="1661032" cy="646331"/>
-          </a:xfrm>
-          <a:prstGeom prst="rect">
-            <a:avLst/>
-          </a:prstGeom>
-          <a:noFill/>
-        </p:spPr>
-        <p:txBody>
-          <a:bodyPr wrap="none" rtlCol="0">
-            <a:spAutoFit/>
-          </a:bodyPr>
-          <a:lstStyle/>
-          <a:p>
-            <a:r>
-              <a:rPr lang="en-US" b="1" dirty="0">
-                <a:latin typeface="Yu Gothic" panose="020B0400000000000000" pitchFamily="34" charset="-128"/>
-                <a:ea typeface="Yu Gothic" panose="020B0400000000000000" pitchFamily="34" charset="-128"/>
-              </a:rPr>
-              <a:t>IF: g0/1</a:t>
-            </a:r>
-          </a:p>
-          <a:p>
-            <a:r>
-              <a:rPr lang="en-US" b="1" dirty="0">
-                <a:latin typeface="Yu Gothic" panose="020B0400000000000000" pitchFamily="34" charset="-128"/>
-                <a:ea typeface="Yu Gothic" panose="020B0400000000000000" pitchFamily="34" charset="-128"/>
-              </a:rPr>
-              <a:t>IP: 10.0.0.2/8</a:t>
-            </a:r>
-          </a:p>
-        </p:txBody>
-      </p:sp>
-      <p:sp>
-        <p:nvSpPr>
-          <p:cNvPr id="14" name="TextBox 13">
-            <a:extLst>
-              <a:ext uri="{FF2B5EF4-FFF2-40B4-BE49-F238E27FC236}">
-                <a16:creationId xmlns:a16="http://schemas.microsoft.com/office/drawing/2014/main" id="{BCA7666D-2BE0-824E-AE26-7822EB33DE2F}"/>
-              </a:ext>
-            </a:extLst>
-          </p:cNvPr>
-          <p:cNvSpPr txBox="1"/>
-          <p:nvPr/>
-        </p:nvSpPr>
-        <p:spPr>
-          <a:xfrm>
-            <a:off x="3463710" y="2493147"/>
-            <a:ext cx="662361" cy="461665"/>
-          </a:xfrm>
-          <a:prstGeom prst="rect">
-            <a:avLst/>
-          </a:prstGeom>
-          <a:noFill/>
-        </p:spPr>
-        <p:txBody>
-          <a:bodyPr wrap="none" rtlCol="0">
-            <a:spAutoFit/>
-          </a:bodyPr>
-          <a:lstStyle/>
-          <a:p>
-            <a:r>
-              <a:rPr lang="en-US" sz="2400" dirty="0"/>
-              <a:t>PC1</a:t>
-            </a:r>
-          </a:p>
-        </p:txBody>
-      </p:sp>
-      <p:sp>
-        <p:nvSpPr>
-          <p:cNvPr id="15" name="TextBox 14">
-            <a:extLst>
-              <a:ext uri="{FF2B5EF4-FFF2-40B4-BE49-F238E27FC236}">
-                <a16:creationId xmlns:a16="http://schemas.microsoft.com/office/drawing/2014/main" id="{B149533A-6C28-D84C-B032-C4AC8449153C}"/>
-              </a:ext>
-            </a:extLst>
-          </p:cNvPr>
-          <p:cNvSpPr txBox="1"/>
-          <p:nvPr/>
-        </p:nvSpPr>
-        <p:spPr>
-          <a:xfrm>
-            <a:off x="7908977" y="2494487"/>
-            <a:ext cx="662361" cy="461665"/>
-          </a:xfrm>
-          <a:prstGeom prst="rect">
-            <a:avLst/>
-          </a:prstGeom>
-          <a:noFill/>
-        </p:spPr>
-        <p:txBody>
-          <a:bodyPr wrap="none" rtlCol="0">
-            <a:spAutoFit/>
-          </a:bodyPr>
-          <a:lstStyle/>
-          <a:p>
-            <a:r>
-              <a:rPr lang="en-US" sz="2400" dirty="0"/>
-              <a:t>PC2</a:t>
-            </a:r>
-          </a:p>
-        </p:txBody>
-      </p:sp>
       <p:sp>
         <p:nvSpPr>
           <p:cNvPr id="9" name="Rectangle 8">
@@ -9882,7 +9409,7 @@
         <p:spPr>
           <a:xfrm>
             <a:off x="1184400" y="3286590"/>
-            <a:ext cx="5883342" cy="923330"/>
+            <a:ext cx="5756704" cy="923330"/>
           </a:xfrm>
           <a:prstGeom prst="rect">
             <a:avLst/>
@@ -9903,7 +9430,7 @@
                 <a:latin typeface="Consolas" panose="020B0609020204030204" pitchFamily="49" charset="0"/>
                 <a:cs typeface="Consolas" panose="020B0609020204030204" pitchFamily="49" charset="0"/>
               </a:rPr>
-              <a:t>PC1(config)# interface g0/1</a:t>
+              <a:t>R1(config)# interface g0/1</a:t>
             </a:r>
           </a:p>
           <a:p>
@@ -9915,7 +9442,7 @@
                 <a:latin typeface="Consolas" panose="020B0609020204030204" pitchFamily="49" charset="0"/>
                 <a:cs typeface="Consolas" panose="020B0609020204030204" pitchFamily="49" charset="0"/>
               </a:rPr>
-              <a:t>PC1(config-if)# ip address 10.0.0.1 255.0.0.0</a:t>
+              <a:t>R1(config-if)# ip address 10.0.0.1 255.0.0.0</a:t>
             </a:r>
           </a:p>
           <a:p>
@@ -9927,7 +9454,7 @@
                 <a:latin typeface="Consolas" panose="020B0609020204030204" pitchFamily="49" charset="0"/>
                 <a:cs typeface="Consolas" panose="020B0609020204030204" pitchFamily="49" charset="0"/>
               </a:rPr>
-              <a:t>PC1(config-if)# no shutdown</a:t>
+              <a:t>R1(config-if)# no shutdown</a:t>
             </a:r>
           </a:p>
         </p:txBody>
@@ -9999,7 +9526,7 @@
         <p:spPr>
           <a:xfrm>
             <a:off x="4126071" y="4670623"/>
-            <a:ext cx="5883342" cy="923330"/>
+            <a:ext cx="5756704" cy="923330"/>
           </a:xfrm>
           <a:prstGeom prst="rect">
             <a:avLst/>
@@ -10020,7 +9547,7 @@
                 <a:latin typeface="Consolas" panose="020B0609020204030204" pitchFamily="49" charset="0"/>
                 <a:cs typeface="Consolas" panose="020B0609020204030204" pitchFamily="49" charset="0"/>
               </a:rPr>
-              <a:t>PC2(config)# interface g0/1</a:t>
+              <a:t>R2(config)# interface g0/1</a:t>
             </a:r>
           </a:p>
           <a:p>
@@ -10032,7 +9559,7 @@
                 <a:latin typeface="Consolas" panose="020B0609020204030204" pitchFamily="49" charset="0"/>
                 <a:cs typeface="Consolas" panose="020B0609020204030204" pitchFamily="49" charset="0"/>
               </a:rPr>
-              <a:t>PC2(config-if)# ip address 10.0.0.2 255.0.0.0</a:t>
+              <a:t>R2(config-if)# ip address 10.0.0.2 255.0.0.0</a:t>
             </a:r>
           </a:p>
           <a:p>
@@ -10044,7 +9571,294 @@
                 <a:latin typeface="Consolas" panose="020B0609020204030204" pitchFamily="49" charset="0"/>
                 <a:cs typeface="Consolas" panose="020B0609020204030204" pitchFamily="49" charset="0"/>
               </a:rPr>
-              <a:t>PC2(config-if)# no shutdown</a:t>
+              <a:t>R2(config-if)# no shutdown</a:t>
+            </a:r>
+          </a:p>
+        </p:txBody>
+      </p:sp>
+      <p:pic>
+        <p:nvPicPr>
+          <p:cNvPr id="16" name="Picture 15">
+            <a:extLst>
+              <a:ext uri="{FF2B5EF4-FFF2-40B4-BE49-F238E27FC236}">
+                <a16:creationId xmlns:a16="http://schemas.microsoft.com/office/drawing/2014/main" id="{52A6BA79-ABE9-D643-B942-30DC378E8A96}"/>
+              </a:ext>
+            </a:extLst>
+          </p:cNvPr>
+          <p:cNvPicPr>
+            <a:picLocks noChangeAspect="1"/>
+          </p:cNvPicPr>
+          <p:nvPr/>
+        </p:nvPicPr>
+        <p:blipFill>
+          <a:blip r:embed="rId2">
+            <a:extLst>
+              <a:ext uri="{28A0092B-C50C-407E-A947-70E740481C1C}">
+                <a14:useLocalDpi xmlns:a14="http://schemas.microsoft.com/office/drawing/2010/main" val="0"/>
+              </a:ext>
+            </a:extLst>
+          </a:blip>
+          <a:stretch>
+            <a:fillRect/>
+          </a:stretch>
+        </p:blipFill>
+        <p:spPr>
+          <a:xfrm>
+            <a:off x="1892735" y="724504"/>
+            <a:ext cx="1716773" cy="1716773"/>
+          </a:xfrm>
+          <a:prstGeom prst="rect">
+            <a:avLst/>
+          </a:prstGeom>
+        </p:spPr>
+      </p:pic>
+      <p:pic>
+        <p:nvPicPr>
+          <p:cNvPr id="18" name="Picture 17">
+            <a:extLst>
+              <a:ext uri="{FF2B5EF4-FFF2-40B4-BE49-F238E27FC236}">
+                <a16:creationId xmlns:a16="http://schemas.microsoft.com/office/drawing/2014/main" id="{EDBF237C-D849-A54E-8BC9-56A95F1B4410}"/>
+              </a:ext>
+            </a:extLst>
+          </p:cNvPr>
+          <p:cNvPicPr>
+            <a:picLocks noChangeAspect="1"/>
+          </p:cNvPicPr>
+          <p:nvPr/>
+        </p:nvPicPr>
+        <p:blipFill>
+          <a:blip r:embed="rId2">
+            <a:extLst>
+              <a:ext uri="{28A0092B-C50C-407E-A947-70E740481C1C}">
+                <a14:useLocalDpi xmlns:a14="http://schemas.microsoft.com/office/drawing/2010/main" val="0"/>
+              </a:ext>
+            </a:extLst>
+          </a:blip>
+          <a:stretch>
+            <a:fillRect/>
+          </a:stretch>
+        </p:blipFill>
+        <p:spPr>
+          <a:xfrm>
+            <a:off x="8213297" y="724504"/>
+            <a:ext cx="1716773" cy="1716773"/>
+          </a:xfrm>
+          <a:prstGeom prst="rect">
+            <a:avLst/>
+          </a:prstGeom>
+        </p:spPr>
+      </p:pic>
+      <p:cxnSp>
+        <p:nvCxnSpPr>
+          <p:cNvPr id="19" name="Straight Connector 18">
+            <a:extLst>
+              <a:ext uri="{FF2B5EF4-FFF2-40B4-BE49-F238E27FC236}">
+                <a16:creationId xmlns:a16="http://schemas.microsoft.com/office/drawing/2014/main" id="{C68F97E8-D2EA-5E4C-8794-310E80153471}"/>
+              </a:ext>
+            </a:extLst>
+          </p:cNvPr>
+          <p:cNvCxnSpPr>
+            <a:cxnSpLocks/>
+            <a:stCxn id="16" idx="3"/>
+            <a:endCxn id="18" idx="1"/>
+          </p:cNvCxnSpPr>
+          <p:nvPr/>
+        </p:nvCxnSpPr>
+        <p:spPr>
+          <a:xfrm>
+            <a:off x="3609508" y="1582891"/>
+            <a:ext cx="4603789" cy="0"/>
+          </a:xfrm>
+          <a:prstGeom prst="line">
+            <a:avLst/>
+          </a:prstGeom>
+          <a:ln w="38100">
+            <a:solidFill>
+              <a:schemeClr val="tx1"/>
+            </a:solidFill>
+          </a:ln>
+        </p:spPr>
+        <p:style>
+          <a:lnRef idx="1">
+            <a:schemeClr val="accent1"/>
+          </a:lnRef>
+          <a:fillRef idx="0">
+            <a:schemeClr val="accent1"/>
+          </a:fillRef>
+          <a:effectRef idx="0">
+            <a:schemeClr val="accent1"/>
+          </a:effectRef>
+          <a:fontRef idx="minor">
+            <a:schemeClr val="tx1"/>
+          </a:fontRef>
+        </p:style>
+      </p:cxnSp>
+      <p:sp>
+        <p:nvSpPr>
+          <p:cNvPr id="20" name="TextBox 19">
+            <a:extLst>
+              <a:ext uri="{FF2B5EF4-FFF2-40B4-BE49-F238E27FC236}">
+                <a16:creationId xmlns:a16="http://schemas.microsoft.com/office/drawing/2014/main" id="{7F98A0CD-E4B4-9544-BF97-F46C8A96E3DD}"/>
+              </a:ext>
+            </a:extLst>
+          </p:cNvPr>
+          <p:cNvSpPr txBox="1"/>
+          <p:nvPr/>
+        </p:nvSpPr>
+        <p:spPr>
+          <a:xfrm>
+            <a:off x="3609508" y="784364"/>
+            <a:ext cx="1661032" cy="646331"/>
+          </a:xfrm>
+          <a:prstGeom prst="rect">
+            <a:avLst/>
+          </a:prstGeom>
+          <a:noFill/>
+        </p:spPr>
+        <p:txBody>
+          <a:bodyPr wrap="none" rtlCol="0">
+            <a:spAutoFit/>
+          </a:bodyPr>
+          <a:lstStyle/>
+          <a:p>
+            <a:r>
+              <a:rPr lang="en-US" b="1" dirty="0">
+                <a:latin typeface="Yu Gothic" panose="020B0400000000000000" pitchFamily="34" charset="-128"/>
+                <a:ea typeface="Yu Gothic" panose="020B0400000000000000" pitchFamily="34" charset="-128"/>
+              </a:rPr>
+              <a:t>IF: g0/1</a:t>
+            </a:r>
+          </a:p>
+          <a:p>
+            <a:r>
+              <a:rPr lang="en-US" b="1" dirty="0">
+                <a:latin typeface="Yu Gothic" panose="020B0400000000000000" pitchFamily="34" charset="-128"/>
+                <a:ea typeface="Yu Gothic" panose="020B0400000000000000" pitchFamily="34" charset="-128"/>
+              </a:rPr>
+              <a:t>IP: 10.0.0.1/8</a:t>
+            </a:r>
+          </a:p>
+        </p:txBody>
+      </p:sp>
+      <p:sp>
+        <p:nvSpPr>
+          <p:cNvPr id="21" name="TextBox 20">
+            <a:extLst>
+              <a:ext uri="{FF2B5EF4-FFF2-40B4-BE49-F238E27FC236}">
+                <a16:creationId xmlns:a16="http://schemas.microsoft.com/office/drawing/2014/main" id="{830A27E8-351C-B44F-A86F-397D0C380C68}"/>
+              </a:ext>
+            </a:extLst>
+          </p:cNvPr>
+          <p:cNvSpPr txBox="1"/>
+          <p:nvPr/>
+        </p:nvSpPr>
+        <p:spPr>
+          <a:xfrm>
+            <a:off x="6552265" y="1688919"/>
+            <a:ext cx="1661032" cy="646331"/>
+          </a:xfrm>
+          <a:prstGeom prst="rect">
+            <a:avLst/>
+          </a:prstGeom>
+          <a:noFill/>
+        </p:spPr>
+        <p:txBody>
+          <a:bodyPr wrap="none" rtlCol="0">
+            <a:spAutoFit/>
+          </a:bodyPr>
+          <a:lstStyle/>
+          <a:p>
+            <a:r>
+              <a:rPr lang="en-US" b="1" dirty="0">
+                <a:latin typeface="Yu Gothic" panose="020B0400000000000000" pitchFamily="34" charset="-128"/>
+                <a:ea typeface="Yu Gothic" panose="020B0400000000000000" pitchFamily="34" charset="-128"/>
+              </a:rPr>
+              <a:t>IF: g0/1</a:t>
+            </a:r>
+          </a:p>
+          <a:p>
+            <a:r>
+              <a:rPr lang="en-US" b="1" dirty="0">
+                <a:latin typeface="Yu Gothic" panose="020B0400000000000000" pitchFamily="34" charset="-128"/>
+                <a:ea typeface="Yu Gothic" panose="020B0400000000000000" pitchFamily="34" charset="-128"/>
+              </a:rPr>
+              <a:t>IP: 10.0.0.2/8</a:t>
+            </a:r>
+          </a:p>
+        </p:txBody>
+      </p:sp>
+      <p:sp>
+        <p:nvSpPr>
+          <p:cNvPr id="22" name="TextBox 21">
+            <a:extLst>
+              <a:ext uri="{FF2B5EF4-FFF2-40B4-BE49-F238E27FC236}">
+                <a16:creationId xmlns:a16="http://schemas.microsoft.com/office/drawing/2014/main" id="{54E7B3A9-9EE1-954D-B068-59CD232A2A9E}"/>
+              </a:ext>
+            </a:extLst>
+          </p:cNvPr>
+          <p:cNvSpPr txBox="1"/>
+          <p:nvPr/>
+        </p:nvSpPr>
+        <p:spPr>
+          <a:xfrm>
+            <a:off x="2497686" y="2256609"/>
+            <a:ext cx="575799" cy="461665"/>
+          </a:xfrm>
+          <a:prstGeom prst="rect">
+            <a:avLst/>
+          </a:prstGeom>
+          <a:noFill/>
+        </p:spPr>
+        <p:txBody>
+          <a:bodyPr wrap="none" rtlCol="0">
+            <a:spAutoFit/>
+          </a:bodyPr>
+          <a:lstStyle/>
+          <a:p>
+            <a:r>
+              <a:rPr lang="en-US" sz="2400" b="1" dirty="0">
+                <a:latin typeface="Yu Gothic" panose="020B0400000000000000" pitchFamily="34" charset="-128"/>
+                <a:ea typeface="Yu Gothic" panose="020B0400000000000000" pitchFamily="34" charset="-128"/>
+              </a:rPr>
+              <a:t>R1</a:t>
+            </a:r>
+          </a:p>
+        </p:txBody>
+      </p:sp>
+      <p:sp>
+        <p:nvSpPr>
+          <p:cNvPr id="23" name="TextBox 22">
+            <a:extLst>
+              <a:ext uri="{FF2B5EF4-FFF2-40B4-BE49-F238E27FC236}">
+                <a16:creationId xmlns:a16="http://schemas.microsoft.com/office/drawing/2014/main" id="{4CA43B55-471C-FD40-88D1-73B897AC07F6}"/>
+              </a:ext>
+            </a:extLst>
+          </p:cNvPr>
+          <p:cNvSpPr txBox="1"/>
+          <p:nvPr/>
+        </p:nvSpPr>
+        <p:spPr>
+          <a:xfrm>
+            <a:off x="8837224" y="2256609"/>
+            <a:ext cx="575799" cy="461665"/>
+          </a:xfrm>
+          <a:prstGeom prst="rect">
+            <a:avLst/>
+          </a:prstGeom>
+          <a:noFill/>
+        </p:spPr>
+        <p:txBody>
+          <a:bodyPr wrap="none" rtlCol="0">
+            <a:spAutoFit/>
+          </a:bodyPr>
+          <a:lstStyle/>
+          <a:p>
+            <a:r>
+              <a:rPr lang="en-US" sz="2400" b="1" dirty="0">
+                <a:latin typeface="Yu Gothic" panose="020B0400000000000000" pitchFamily="34" charset="-128"/>
+                <a:ea typeface="Yu Gothic" panose="020B0400000000000000" pitchFamily="34" charset="-128"/>
+              </a:rPr>
+              <a:t>R2</a:t>
             </a:r>
           </a:p>
         </p:txBody>
@@ -10107,8 +9921,8 @@
         </p:blipFill>
         <p:spPr>
           <a:xfrm>
-            <a:off x="7229640" y="139854"/>
-            <a:ext cx="1716773" cy="1716773"/>
+            <a:off x="8509439" y="350255"/>
+            <a:ext cx="1398739" cy="1398739"/>
           </a:xfrm>
           <a:prstGeom prst="rect">
             <a:avLst/>
@@ -10129,8 +9943,8 @@
         </p:nvSpPr>
         <p:spPr>
           <a:xfrm>
-            <a:off x="869521" y="2458547"/>
-            <a:ext cx="2758535" cy="1414914"/>
+            <a:off x="712923" y="2419801"/>
+            <a:ext cx="3408251" cy="1414914"/>
           </a:xfrm>
           <a:prstGeom prst="rect">
             <a:avLst/>
@@ -10181,8 +9995,8 @@
         </p:nvSpPr>
         <p:spPr>
           <a:xfrm>
-            <a:off x="1260376" y="2533521"/>
-            <a:ext cx="1976823" cy="461665"/>
+            <a:off x="806067" y="2516771"/>
+            <a:ext cx="3262432" cy="400110"/>
           </a:xfrm>
           <a:prstGeom prst="rect">
             <a:avLst/>
@@ -10196,9 +10010,10 @@
           <a:lstStyle/>
           <a:p>
             <a:r>
-              <a:rPr lang="en-US" sz="2400" b="1" dirty="0"/>
-              <a:t>startup-config</a:t>
-            </a:r>
+              <a:rPr lang="ja-JP" altLang="en-US" sz="2000" b="1"/>
+              <a:t>スタートアップコンフィグ</a:t>
+            </a:r>
+            <a:endParaRPr lang="en-US" sz="2000" b="1" dirty="0"/>
           </a:p>
         </p:txBody>
       </p:sp>
@@ -10216,8 +10031,8 @@
         </p:nvSpPr>
         <p:spPr>
           <a:xfrm>
-            <a:off x="844027" y="3130065"/>
-            <a:ext cx="2829621" cy="707886"/>
+            <a:off x="1137066" y="3098439"/>
+            <a:ext cx="2565126" cy="646331"/>
           </a:xfrm>
           <a:prstGeom prst="rect">
             <a:avLst/>
@@ -10232,26 +10047,26 @@
           <a:p>
             <a:pPr algn="ctr"/>
             <a:r>
-              <a:rPr lang="en-US" altLang="ja-JP" sz="2000" b="1" dirty="0"/>
+              <a:rPr lang="en-US" altLang="ja-JP" b="1" dirty="0"/>
               <a:t>(</a:t>
             </a:r>
             <a:r>
-              <a:rPr lang="ja-JP" altLang="en-US" sz="2000" b="1"/>
-              <a:t>保存され再起動後に</a:t>
-            </a:r>
-            <a:endParaRPr lang="en-US" altLang="ja-JP" sz="2000" b="1" dirty="0"/>
+              <a:rPr lang="ja-JP" altLang="en-US" b="1"/>
+              <a:t>保存されており</a:t>
+            </a:r>
+            <a:endParaRPr lang="en-US" altLang="ja-JP" b="1" dirty="0"/>
           </a:p>
           <a:p>
             <a:pPr algn="ctr"/>
             <a:r>
-              <a:rPr lang="ja-JP" altLang="en-US" sz="2000" b="1"/>
-              <a:t>読み込んで利用される</a:t>
-            </a:r>
-            <a:r>
-              <a:rPr lang="en-US" altLang="ja-JP" sz="2000" b="1" dirty="0"/>
+              <a:rPr lang="ja-JP" altLang="en-US" b="1"/>
+              <a:t>起動時に読みこまれる</a:t>
+            </a:r>
+            <a:r>
+              <a:rPr lang="en-US" altLang="ja-JP" b="1" dirty="0"/>
               <a:t>)</a:t>
             </a:r>
-            <a:endParaRPr lang="en-US" sz="2000" b="1" dirty="0"/>
+            <a:endParaRPr lang="en-US" b="1" dirty="0"/>
           </a:p>
         </p:txBody>
       </p:sp>
@@ -10269,7 +10084,7 @@
         </p:nvSpPr>
         <p:spPr>
           <a:xfrm>
-            <a:off x="4116203" y="2509212"/>
+            <a:off x="4757175" y="2470466"/>
             <a:ext cx="2208595" cy="510285"/>
           </a:xfrm>
           <a:prstGeom prst="rightArrow">
@@ -10318,8 +10133,8 @@
         </p:nvSpPr>
         <p:spPr>
           <a:xfrm>
-            <a:off x="4116203" y="2063958"/>
-            <a:ext cx="2236510" cy="400110"/>
+            <a:off x="4757175" y="2025212"/>
+            <a:ext cx="2492990" cy="400110"/>
           </a:xfrm>
           <a:prstGeom prst="rect">
             <a:avLst/>
@@ -10334,7 +10149,7 @@
           <a:p>
             <a:r>
               <a:rPr lang="ja-JP" altLang="en-US" sz="2000" b="1"/>
-              <a:t>起動時に読み込み</a:t>
+              <a:t>起動時に設定を適用</a:t>
             </a:r>
             <a:endParaRPr lang="en-US" sz="2000" b="1" dirty="0"/>
           </a:p>
@@ -10354,7 +10169,7 @@
         </p:nvSpPr>
         <p:spPr>
           <a:xfrm rot="10800000">
-            <a:off x="4116203" y="3205208"/>
+            <a:off x="4757175" y="3166462"/>
             <a:ext cx="2208595" cy="510285"/>
           </a:xfrm>
           <a:prstGeom prst="rightArrow">
@@ -10403,7 +10218,7 @@
         </p:nvSpPr>
         <p:spPr>
           <a:xfrm>
-            <a:off x="3628056" y="3901205"/>
+            <a:off x="4269028" y="3862459"/>
             <a:ext cx="3212803" cy="400110"/>
           </a:xfrm>
           <a:prstGeom prst="rect">
@@ -10451,7 +10266,7 @@
         </p:nvSpPr>
         <p:spPr>
           <a:xfrm rot="16200000">
-            <a:off x="6688939" y="2916382"/>
+            <a:off x="7812567" y="2885385"/>
             <a:ext cx="2798176" cy="510285"/>
           </a:xfrm>
           <a:prstGeom prst="rightArrow">
@@ -10503,8 +10318,8 @@
         </p:nvSpPr>
         <p:spPr>
           <a:xfrm>
-            <a:off x="7081786" y="2464068"/>
-            <a:ext cx="2012484" cy="1414914"/>
+            <a:off x="7686221" y="2447545"/>
+            <a:ext cx="2976614" cy="1414914"/>
           </a:xfrm>
           <a:prstGeom prst="rect">
             <a:avLst/>
@@ -10555,8 +10370,8 @@
         </p:nvSpPr>
         <p:spPr>
           <a:xfrm>
-            <a:off x="7081786" y="2509212"/>
-            <a:ext cx="2044214" cy="461665"/>
+            <a:off x="7834075" y="2518021"/>
+            <a:ext cx="2749471" cy="400110"/>
           </a:xfrm>
           <a:prstGeom prst="rect">
             <a:avLst/>
@@ -10570,9 +10385,10 @@
           <a:lstStyle/>
           <a:p>
             <a:r>
-              <a:rPr lang="en-US" sz="2400" b="1" dirty="0"/>
-              <a:t>running-config</a:t>
-            </a:r>
+              <a:rPr lang="ja-JP" altLang="en-US" sz="2000" b="1"/>
+              <a:t>ランニングコンフィグ</a:t>
+            </a:r>
+            <a:endParaRPr lang="en-US" sz="2000" b="1" dirty="0"/>
           </a:p>
         </p:txBody>
       </p:sp>
@@ -10590,7 +10406,7 @@
         </p:nvSpPr>
         <p:spPr>
           <a:xfrm>
-            <a:off x="7190872" y="3141985"/>
+            <a:off x="8306960" y="3057447"/>
             <a:ext cx="1803699" cy="707886"/>
           </a:xfrm>
           <a:prstGeom prst="rect">
@@ -10655,7 +10471,7 @@
         </p:blipFill>
         <p:spPr>
           <a:xfrm>
-            <a:off x="7024554" y="4570613"/>
+            <a:off x="8148182" y="4539616"/>
             <a:ext cx="2101446" cy="2101446"/>
           </a:xfrm>
           <a:prstGeom prst="rect">
@@ -10677,7 +10493,7 @@
         </p:nvSpPr>
         <p:spPr>
           <a:xfrm>
-            <a:off x="8946413" y="5436670"/>
+            <a:off x="10070041" y="5405673"/>
             <a:ext cx="954107" cy="400110"/>
           </a:xfrm>
           <a:prstGeom prst="rect">
@@ -10713,7 +10529,7 @@
         </p:nvSpPr>
         <p:spPr>
           <a:xfrm>
-            <a:off x="8946413" y="798185"/>
+            <a:off x="10070041" y="767188"/>
             <a:ext cx="1467068" cy="400110"/>
           </a:xfrm>
           <a:prstGeom prst="rect">
@@ -10749,7 +10565,7 @@
         </p:nvSpPr>
         <p:spPr>
           <a:xfrm>
-            <a:off x="8381487" y="4170503"/>
+            <a:off x="9505115" y="4139506"/>
             <a:ext cx="1467068" cy="400110"/>
           </a:xfrm>
           <a:prstGeom prst="rect">
